--- a/NEC15.pptx
+++ b/NEC15.pptx
@@ -5,7 +5,7 @@
     <p:sldMasterId id="2147483673" r:id="rId1"/>
   </p:sldMasterIdLst>
   <p:notesMasterIdLst>
-    <p:notesMasterId r:id="rId8"/>
+    <p:notesMasterId r:id="rId12"/>
   </p:notesMasterIdLst>
   <p:sldIdLst>
     <p:sldId id="256" r:id="rId2"/>
@@ -14,6 +14,10 @@
     <p:sldId id="259" r:id="rId5"/>
     <p:sldId id="260" r:id="rId6"/>
     <p:sldId id="261" r:id="rId7"/>
+    <p:sldId id="262" r:id="rId8"/>
+    <p:sldId id="263" r:id="rId9"/>
+    <p:sldId id="264" r:id="rId10"/>
+    <p:sldId id="265" r:id="rId11"/>
   </p:sldIdLst>
   <p:sldSz cx="12192000" cy="6858000"/>
   <p:notesSz cx="6858000" cy="9144000"/>
@@ -112,10 +116,1681 @@
       </a:defRPr>
     </a:lvl9pPr>
   </p:defaultTextStyle>
+  <p:extLst>
+    <p:ext uri="{EFAFB233-063F-42B5-8137-9DF3F51BA10A}">
+      <p15:sldGuideLst xmlns:p15="http://schemas.microsoft.com/office/powerpoint/2012/main"/>
+    </p:ext>
+  </p:extLst>
 </p:presentation>
 </file>
 
 <file path=ppt/diagrams/colors1.xml><?xml version="1.0" encoding="utf-8"?>
+<dgm:colorsDef xmlns:dgm="http://schemas.openxmlformats.org/drawingml/2006/diagram" xmlns:a="http://schemas.openxmlformats.org/drawingml/2006/main" uniqueId="urn:microsoft.com/office/officeart/2005/8/colors/accent1_2">
+  <dgm:title val=""/>
+  <dgm:desc val=""/>
+  <dgm:catLst>
+    <dgm:cat type="accent1" pri="11200"/>
+  </dgm:catLst>
+  <dgm:styleLbl name="node0">
+    <dgm:fillClrLst meth="repeat">
+      <a:schemeClr val="accent1"/>
+    </dgm:fillClrLst>
+    <dgm:linClrLst meth="repeat">
+      <a:schemeClr val="lt1"/>
+    </dgm:linClrLst>
+    <dgm:effectClrLst/>
+    <dgm:txLinClrLst/>
+    <dgm:txFillClrLst/>
+    <dgm:txEffectClrLst/>
+  </dgm:styleLbl>
+  <dgm:styleLbl name="alignNode1">
+    <dgm:fillClrLst meth="repeat">
+      <a:schemeClr val="accent1"/>
+    </dgm:fillClrLst>
+    <dgm:linClrLst meth="repeat">
+      <a:schemeClr val="accent1"/>
+    </dgm:linClrLst>
+    <dgm:effectClrLst/>
+    <dgm:txLinClrLst/>
+    <dgm:txFillClrLst/>
+    <dgm:txEffectClrLst/>
+  </dgm:styleLbl>
+  <dgm:styleLbl name="node1">
+    <dgm:fillClrLst meth="repeat">
+      <a:schemeClr val="accent1"/>
+    </dgm:fillClrLst>
+    <dgm:linClrLst meth="repeat">
+      <a:schemeClr val="lt1"/>
+    </dgm:linClrLst>
+    <dgm:effectClrLst/>
+    <dgm:txLinClrLst/>
+    <dgm:txFillClrLst/>
+    <dgm:txEffectClrLst/>
+  </dgm:styleLbl>
+  <dgm:styleLbl name="lnNode1">
+    <dgm:fillClrLst meth="repeat">
+      <a:schemeClr val="accent1"/>
+    </dgm:fillClrLst>
+    <dgm:linClrLst meth="repeat">
+      <a:schemeClr val="lt1"/>
+    </dgm:linClrLst>
+    <dgm:effectClrLst/>
+    <dgm:txLinClrLst/>
+    <dgm:txFillClrLst/>
+    <dgm:txEffectClrLst/>
+  </dgm:styleLbl>
+  <dgm:styleLbl name="vennNode1">
+    <dgm:fillClrLst meth="repeat">
+      <a:schemeClr val="accent1">
+        <a:alpha val="50000"/>
+      </a:schemeClr>
+    </dgm:fillClrLst>
+    <dgm:linClrLst meth="repeat">
+      <a:schemeClr val="lt1"/>
+    </dgm:linClrLst>
+    <dgm:effectClrLst/>
+    <dgm:txLinClrLst/>
+    <dgm:txFillClrLst/>
+    <dgm:txEffectClrLst/>
+  </dgm:styleLbl>
+  <dgm:styleLbl name="node2">
+    <dgm:fillClrLst meth="repeat">
+      <a:schemeClr val="accent1"/>
+    </dgm:fillClrLst>
+    <dgm:linClrLst meth="repeat">
+      <a:schemeClr val="lt1"/>
+    </dgm:linClrLst>
+    <dgm:effectClrLst/>
+    <dgm:txLinClrLst/>
+    <dgm:txFillClrLst/>
+    <dgm:txEffectClrLst/>
+  </dgm:styleLbl>
+  <dgm:styleLbl name="node3">
+    <dgm:fillClrLst meth="repeat">
+      <a:schemeClr val="accent1"/>
+    </dgm:fillClrLst>
+    <dgm:linClrLst meth="repeat">
+      <a:schemeClr val="lt1"/>
+    </dgm:linClrLst>
+    <dgm:effectClrLst/>
+    <dgm:txLinClrLst/>
+    <dgm:txFillClrLst/>
+    <dgm:txEffectClrLst/>
+  </dgm:styleLbl>
+  <dgm:styleLbl name="node4">
+    <dgm:fillClrLst meth="repeat">
+      <a:schemeClr val="accent1"/>
+    </dgm:fillClrLst>
+    <dgm:linClrLst meth="repeat">
+      <a:schemeClr val="lt1"/>
+    </dgm:linClrLst>
+    <dgm:effectClrLst/>
+    <dgm:txLinClrLst/>
+    <dgm:txFillClrLst/>
+    <dgm:txEffectClrLst/>
+  </dgm:styleLbl>
+  <dgm:styleLbl name="fgImgPlace1">
+    <dgm:fillClrLst meth="repeat">
+      <a:schemeClr val="accent1">
+        <a:tint val="50000"/>
+      </a:schemeClr>
+    </dgm:fillClrLst>
+    <dgm:linClrLst meth="repeat">
+      <a:schemeClr val="lt1"/>
+    </dgm:linClrLst>
+    <dgm:effectClrLst/>
+    <dgm:txLinClrLst/>
+    <dgm:txFillClrLst meth="repeat">
+      <a:schemeClr val="lt1"/>
+    </dgm:txFillClrLst>
+    <dgm:txEffectClrLst/>
+  </dgm:styleLbl>
+  <dgm:styleLbl name="alignImgPlace1">
+    <dgm:fillClrLst meth="repeat">
+      <a:schemeClr val="accent1">
+        <a:tint val="50000"/>
+      </a:schemeClr>
+    </dgm:fillClrLst>
+    <dgm:linClrLst meth="repeat">
+      <a:schemeClr val="lt1"/>
+    </dgm:linClrLst>
+    <dgm:effectClrLst/>
+    <dgm:txLinClrLst/>
+    <dgm:txFillClrLst meth="repeat">
+      <a:schemeClr val="lt1"/>
+    </dgm:txFillClrLst>
+    <dgm:txEffectClrLst/>
+  </dgm:styleLbl>
+  <dgm:styleLbl name="bgImgPlace1">
+    <dgm:fillClrLst meth="repeat">
+      <a:schemeClr val="accent1">
+        <a:tint val="50000"/>
+      </a:schemeClr>
+    </dgm:fillClrLst>
+    <dgm:linClrLst meth="repeat">
+      <a:schemeClr val="lt1"/>
+    </dgm:linClrLst>
+    <dgm:effectClrLst/>
+    <dgm:txLinClrLst/>
+    <dgm:txFillClrLst meth="repeat">
+      <a:schemeClr val="lt1"/>
+    </dgm:txFillClrLst>
+    <dgm:txEffectClrLst/>
+  </dgm:styleLbl>
+  <dgm:styleLbl name="sibTrans2D1">
+    <dgm:fillClrLst meth="repeat">
+      <a:schemeClr val="accent1">
+        <a:tint val="60000"/>
+      </a:schemeClr>
+    </dgm:fillClrLst>
+    <dgm:linClrLst meth="repeat">
+      <a:schemeClr val="accent1">
+        <a:tint val="60000"/>
+      </a:schemeClr>
+    </dgm:linClrLst>
+    <dgm:effectClrLst/>
+    <dgm:txLinClrLst/>
+    <dgm:txFillClrLst/>
+    <dgm:txEffectClrLst/>
+  </dgm:styleLbl>
+  <dgm:styleLbl name="fgSibTrans2D1">
+    <dgm:fillClrLst meth="repeat">
+      <a:schemeClr val="accent1">
+        <a:tint val="60000"/>
+      </a:schemeClr>
+    </dgm:fillClrLst>
+    <dgm:linClrLst meth="repeat">
+      <a:schemeClr val="accent1">
+        <a:tint val="60000"/>
+      </a:schemeClr>
+    </dgm:linClrLst>
+    <dgm:effectClrLst/>
+    <dgm:txLinClrLst/>
+    <dgm:txFillClrLst/>
+    <dgm:txEffectClrLst/>
+  </dgm:styleLbl>
+  <dgm:styleLbl name="bgSibTrans2D1">
+    <dgm:fillClrLst meth="repeat">
+      <a:schemeClr val="accent1">
+        <a:tint val="60000"/>
+      </a:schemeClr>
+    </dgm:fillClrLst>
+    <dgm:linClrLst meth="repeat">
+      <a:schemeClr val="accent1">
+        <a:tint val="60000"/>
+      </a:schemeClr>
+    </dgm:linClrLst>
+    <dgm:effectClrLst/>
+    <dgm:txLinClrLst/>
+    <dgm:txFillClrLst/>
+    <dgm:txEffectClrLst/>
+  </dgm:styleLbl>
+  <dgm:styleLbl name="sibTrans1D1">
+    <dgm:fillClrLst meth="repeat">
+      <a:schemeClr val="accent1"/>
+    </dgm:fillClrLst>
+    <dgm:linClrLst meth="repeat">
+      <a:schemeClr val="accent1"/>
+    </dgm:linClrLst>
+    <dgm:effectClrLst/>
+    <dgm:txLinClrLst/>
+    <dgm:txFillClrLst meth="repeat">
+      <a:schemeClr val="tx1"/>
+    </dgm:txFillClrLst>
+    <dgm:txEffectClrLst/>
+  </dgm:styleLbl>
+  <dgm:styleLbl name="callout">
+    <dgm:fillClrLst meth="repeat">
+      <a:schemeClr val="accent1"/>
+    </dgm:fillClrLst>
+    <dgm:linClrLst meth="repeat">
+      <a:schemeClr val="accent1">
+        <a:tint val="50000"/>
+      </a:schemeClr>
+    </dgm:linClrLst>
+    <dgm:effectClrLst/>
+    <dgm:txLinClrLst/>
+    <dgm:txFillClrLst meth="repeat">
+      <a:schemeClr val="tx1"/>
+    </dgm:txFillClrLst>
+    <dgm:txEffectClrLst/>
+  </dgm:styleLbl>
+  <dgm:styleLbl name="asst0">
+    <dgm:fillClrLst meth="repeat">
+      <a:schemeClr val="accent1"/>
+    </dgm:fillClrLst>
+    <dgm:linClrLst meth="repeat">
+      <a:schemeClr val="lt1"/>
+    </dgm:linClrLst>
+    <dgm:effectClrLst/>
+    <dgm:txLinClrLst/>
+    <dgm:txFillClrLst/>
+    <dgm:txEffectClrLst/>
+  </dgm:styleLbl>
+  <dgm:styleLbl name="asst1">
+    <dgm:fillClrLst meth="repeat">
+      <a:schemeClr val="accent1"/>
+    </dgm:fillClrLst>
+    <dgm:linClrLst meth="repeat">
+      <a:schemeClr val="lt1"/>
+    </dgm:linClrLst>
+    <dgm:effectClrLst/>
+    <dgm:txLinClrLst/>
+    <dgm:txFillClrLst/>
+    <dgm:txEffectClrLst/>
+  </dgm:styleLbl>
+  <dgm:styleLbl name="asst2">
+    <dgm:fillClrLst meth="repeat">
+      <a:schemeClr val="accent1"/>
+    </dgm:fillClrLst>
+    <dgm:linClrLst meth="repeat">
+      <a:schemeClr val="lt1"/>
+    </dgm:linClrLst>
+    <dgm:effectClrLst/>
+    <dgm:txLinClrLst/>
+    <dgm:txFillClrLst/>
+    <dgm:txEffectClrLst/>
+  </dgm:styleLbl>
+  <dgm:styleLbl name="asst3">
+    <dgm:fillClrLst meth="repeat">
+      <a:schemeClr val="accent1"/>
+    </dgm:fillClrLst>
+    <dgm:linClrLst meth="repeat">
+      <a:schemeClr val="lt1"/>
+    </dgm:linClrLst>
+    <dgm:effectClrLst/>
+    <dgm:txLinClrLst/>
+    <dgm:txFillClrLst/>
+    <dgm:txEffectClrLst/>
+  </dgm:styleLbl>
+  <dgm:styleLbl name="asst4">
+    <dgm:fillClrLst meth="repeat">
+      <a:schemeClr val="accent1"/>
+    </dgm:fillClrLst>
+    <dgm:linClrLst meth="repeat">
+      <a:schemeClr val="lt1"/>
+    </dgm:linClrLst>
+    <dgm:effectClrLst/>
+    <dgm:txLinClrLst/>
+    <dgm:txFillClrLst/>
+    <dgm:txEffectClrLst/>
+  </dgm:styleLbl>
+  <dgm:styleLbl name="parChTrans2D1">
+    <dgm:fillClrLst meth="repeat">
+      <a:schemeClr val="accent1">
+        <a:tint val="60000"/>
+      </a:schemeClr>
+    </dgm:fillClrLst>
+    <dgm:linClrLst meth="repeat">
+      <a:schemeClr val="accent1">
+        <a:tint val="60000"/>
+      </a:schemeClr>
+    </dgm:linClrLst>
+    <dgm:effectClrLst/>
+    <dgm:txLinClrLst/>
+    <dgm:txFillClrLst meth="repeat">
+      <a:schemeClr val="lt1"/>
+    </dgm:txFillClrLst>
+    <dgm:txEffectClrLst/>
+  </dgm:styleLbl>
+  <dgm:styleLbl name="parChTrans2D2">
+    <dgm:fillClrLst meth="repeat">
+      <a:schemeClr val="accent1"/>
+    </dgm:fillClrLst>
+    <dgm:linClrLst meth="repeat">
+      <a:schemeClr val="accent1"/>
+    </dgm:linClrLst>
+    <dgm:effectClrLst/>
+    <dgm:txLinClrLst/>
+    <dgm:txFillClrLst meth="repeat">
+      <a:schemeClr val="lt1"/>
+    </dgm:txFillClrLst>
+    <dgm:txEffectClrLst/>
+  </dgm:styleLbl>
+  <dgm:styleLbl name="parChTrans2D3">
+    <dgm:fillClrLst meth="repeat">
+      <a:schemeClr val="accent1"/>
+    </dgm:fillClrLst>
+    <dgm:linClrLst meth="repeat">
+      <a:schemeClr val="accent1"/>
+    </dgm:linClrLst>
+    <dgm:effectClrLst/>
+    <dgm:txLinClrLst/>
+    <dgm:txFillClrLst meth="repeat">
+      <a:schemeClr val="lt1"/>
+    </dgm:txFillClrLst>
+    <dgm:txEffectClrLst/>
+  </dgm:styleLbl>
+  <dgm:styleLbl name="parChTrans2D4">
+    <dgm:fillClrLst meth="repeat">
+      <a:schemeClr val="accent1"/>
+    </dgm:fillClrLst>
+    <dgm:linClrLst meth="repeat">
+      <a:schemeClr val="accent1"/>
+    </dgm:linClrLst>
+    <dgm:effectClrLst/>
+    <dgm:txLinClrLst/>
+    <dgm:txFillClrLst meth="repeat">
+      <a:schemeClr val="lt1"/>
+    </dgm:txFillClrLst>
+    <dgm:txEffectClrLst/>
+  </dgm:styleLbl>
+  <dgm:styleLbl name="parChTrans1D1">
+    <dgm:fillClrLst meth="repeat">
+      <a:schemeClr val="accent1"/>
+    </dgm:fillClrLst>
+    <dgm:linClrLst meth="repeat">
+      <a:schemeClr val="accent1">
+        <a:shade val="60000"/>
+      </a:schemeClr>
+    </dgm:linClrLst>
+    <dgm:effectClrLst/>
+    <dgm:txLinClrLst/>
+    <dgm:txFillClrLst meth="repeat">
+      <a:schemeClr val="tx1"/>
+    </dgm:txFillClrLst>
+    <dgm:txEffectClrLst/>
+  </dgm:styleLbl>
+  <dgm:styleLbl name="parChTrans1D2">
+    <dgm:fillClrLst meth="repeat">
+      <a:schemeClr val="accent1"/>
+    </dgm:fillClrLst>
+    <dgm:linClrLst meth="repeat">
+      <a:schemeClr val="accent1">
+        <a:shade val="60000"/>
+      </a:schemeClr>
+    </dgm:linClrLst>
+    <dgm:effectClrLst/>
+    <dgm:txLinClrLst/>
+    <dgm:txFillClrLst meth="repeat">
+      <a:schemeClr val="tx1"/>
+    </dgm:txFillClrLst>
+    <dgm:txEffectClrLst/>
+  </dgm:styleLbl>
+  <dgm:styleLbl name="parChTrans1D3">
+    <dgm:fillClrLst meth="repeat">
+      <a:schemeClr val="accent1"/>
+    </dgm:fillClrLst>
+    <dgm:linClrLst meth="repeat">
+      <a:schemeClr val="accent1">
+        <a:shade val="80000"/>
+      </a:schemeClr>
+    </dgm:linClrLst>
+    <dgm:effectClrLst/>
+    <dgm:txLinClrLst/>
+    <dgm:txFillClrLst meth="repeat">
+      <a:schemeClr val="tx1"/>
+    </dgm:txFillClrLst>
+    <dgm:txEffectClrLst/>
+  </dgm:styleLbl>
+  <dgm:styleLbl name="parChTrans1D4">
+    <dgm:fillClrLst meth="repeat">
+      <a:schemeClr val="accent1"/>
+    </dgm:fillClrLst>
+    <dgm:linClrLst meth="repeat">
+      <a:schemeClr val="accent1">
+        <a:shade val="80000"/>
+      </a:schemeClr>
+    </dgm:linClrLst>
+    <dgm:effectClrLst/>
+    <dgm:txLinClrLst/>
+    <dgm:txFillClrLst meth="repeat">
+      <a:schemeClr val="tx1"/>
+    </dgm:txFillClrLst>
+    <dgm:txEffectClrLst/>
+  </dgm:styleLbl>
+  <dgm:styleLbl name="fgAcc1">
+    <dgm:fillClrLst meth="repeat">
+      <a:schemeClr val="lt1">
+        <a:alpha val="90000"/>
+      </a:schemeClr>
+    </dgm:fillClrLst>
+    <dgm:linClrLst meth="repeat">
+      <a:schemeClr val="accent1"/>
+    </dgm:linClrLst>
+    <dgm:effectClrLst/>
+    <dgm:txLinClrLst/>
+    <dgm:txFillClrLst meth="repeat">
+      <a:schemeClr val="dk1"/>
+    </dgm:txFillClrLst>
+    <dgm:txEffectClrLst/>
+  </dgm:styleLbl>
+  <dgm:styleLbl name="conFgAcc1">
+    <dgm:fillClrLst meth="repeat">
+      <a:schemeClr val="lt1">
+        <a:alpha val="90000"/>
+      </a:schemeClr>
+    </dgm:fillClrLst>
+    <dgm:linClrLst meth="repeat">
+      <a:schemeClr val="accent1"/>
+    </dgm:linClrLst>
+    <dgm:effectClrLst/>
+    <dgm:txLinClrLst/>
+    <dgm:txFillClrLst meth="repeat">
+      <a:schemeClr val="dk1"/>
+    </dgm:txFillClrLst>
+    <dgm:txEffectClrLst/>
+  </dgm:styleLbl>
+  <dgm:styleLbl name="alignAcc1">
+    <dgm:fillClrLst meth="repeat">
+      <a:schemeClr val="lt1">
+        <a:alpha val="90000"/>
+      </a:schemeClr>
+    </dgm:fillClrLst>
+    <dgm:linClrLst meth="repeat">
+      <a:schemeClr val="accent1"/>
+    </dgm:linClrLst>
+    <dgm:effectClrLst/>
+    <dgm:txLinClrLst/>
+    <dgm:txFillClrLst meth="repeat">
+      <a:schemeClr val="dk1"/>
+    </dgm:txFillClrLst>
+    <dgm:txEffectClrLst/>
+  </dgm:styleLbl>
+  <dgm:styleLbl name="trAlignAcc1">
+    <dgm:fillClrLst meth="repeat">
+      <a:schemeClr val="lt1">
+        <a:alpha val="40000"/>
+      </a:schemeClr>
+    </dgm:fillClrLst>
+    <dgm:linClrLst meth="repeat">
+      <a:schemeClr val="accent1"/>
+    </dgm:linClrLst>
+    <dgm:effectClrLst/>
+    <dgm:txLinClrLst/>
+    <dgm:txFillClrLst meth="repeat">
+      <a:schemeClr val="dk1"/>
+    </dgm:txFillClrLst>
+    <dgm:txEffectClrLst/>
+  </dgm:styleLbl>
+  <dgm:styleLbl name="bgAcc1">
+    <dgm:fillClrLst meth="repeat">
+      <a:schemeClr val="lt1">
+        <a:alpha val="90000"/>
+      </a:schemeClr>
+    </dgm:fillClrLst>
+    <dgm:linClrLst meth="repeat">
+      <a:schemeClr val="accent1"/>
+    </dgm:linClrLst>
+    <dgm:effectClrLst/>
+    <dgm:txLinClrLst/>
+    <dgm:txFillClrLst meth="repeat">
+      <a:schemeClr val="dk1"/>
+    </dgm:txFillClrLst>
+    <dgm:txEffectClrLst/>
+  </dgm:styleLbl>
+  <dgm:styleLbl name="solidFgAcc1">
+    <dgm:fillClrLst meth="repeat">
+      <a:schemeClr val="lt1"/>
+    </dgm:fillClrLst>
+    <dgm:linClrLst meth="repeat">
+      <a:schemeClr val="accent1"/>
+    </dgm:linClrLst>
+    <dgm:effectClrLst/>
+    <dgm:txLinClrLst/>
+    <dgm:txFillClrLst meth="repeat">
+      <a:schemeClr val="dk1"/>
+    </dgm:txFillClrLst>
+    <dgm:txEffectClrLst/>
+  </dgm:styleLbl>
+  <dgm:styleLbl name="solidAlignAcc1">
+    <dgm:fillClrLst meth="repeat">
+      <a:schemeClr val="lt1"/>
+    </dgm:fillClrLst>
+    <dgm:linClrLst meth="repeat">
+      <a:schemeClr val="accent1"/>
+    </dgm:linClrLst>
+    <dgm:effectClrLst/>
+    <dgm:txLinClrLst/>
+    <dgm:txFillClrLst meth="repeat">
+      <a:schemeClr val="dk1"/>
+    </dgm:txFillClrLst>
+    <dgm:txEffectClrLst/>
+  </dgm:styleLbl>
+  <dgm:styleLbl name="solidBgAcc1">
+    <dgm:fillClrLst meth="repeat">
+      <a:schemeClr val="lt1"/>
+    </dgm:fillClrLst>
+    <dgm:linClrLst meth="repeat">
+      <a:schemeClr val="accent1"/>
+    </dgm:linClrLst>
+    <dgm:effectClrLst/>
+    <dgm:txLinClrLst/>
+    <dgm:txFillClrLst meth="repeat">
+      <a:schemeClr val="dk1"/>
+    </dgm:txFillClrLst>
+    <dgm:txEffectClrLst/>
+  </dgm:styleLbl>
+  <dgm:styleLbl name="fgAccFollowNode1">
+    <dgm:fillClrLst meth="repeat">
+      <a:schemeClr val="accent1">
+        <a:alpha val="90000"/>
+        <a:tint val="40000"/>
+      </a:schemeClr>
+    </dgm:fillClrLst>
+    <dgm:linClrLst meth="repeat">
+      <a:schemeClr val="accent1">
+        <a:alpha val="90000"/>
+        <a:tint val="40000"/>
+      </a:schemeClr>
+    </dgm:linClrLst>
+    <dgm:effectClrLst/>
+    <dgm:txLinClrLst/>
+    <dgm:txFillClrLst meth="repeat">
+      <a:schemeClr val="dk1"/>
+    </dgm:txFillClrLst>
+    <dgm:txEffectClrLst/>
+  </dgm:styleLbl>
+  <dgm:styleLbl name="alignAccFollowNode1">
+    <dgm:fillClrLst meth="repeat">
+      <a:schemeClr val="accent1">
+        <a:alpha val="90000"/>
+        <a:tint val="40000"/>
+      </a:schemeClr>
+    </dgm:fillClrLst>
+    <dgm:linClrLst meth="repeat">
+      <a:schemeClr val="accent1">
+        <a:alpha val="90000"/>
+        <a:tint val="40000"/>
+      </a:schemeClr>
+    </dgm:linClrLst>
+    <dgm:effectClrLst/>
+    <dgm:txLinClrLst/>
+    <dgm:txFillClrLst meth="repeat">
+      <a:schemeClr val="dk1"/>
+    </dgm:txFillClrLst>
+    <dgm:txEffectClrLst/>
+  </dgm:styleLbl>
+  <dgm:styleLbl name="bgAccFollowNode1">
+    <dgm:fillClrLst meth="repeat">
+      <a:schemeClr val="accent1">
+        <a:alpha val="90000"/>
+        <a:tint val="40000"/>
+      </a:schemeClr>
+    </dgm:fillClrLst>
+    <dgm:linClrLst meth="repeat">
+      <a:schemeClr val="accent1">
+        <a:alpha val="90000"/>
+        <a:tint val="40000"/>
+      </a:schemeClr>
+    </dgm:linClrLst>
+    <dgm:effectClrLst/>
+    <dgm:txLinClrLst/>
+    <dgm:txFillClrLst meth="repeat">
+      <a:schemeClr val="dk1"/>
+    </dgm:txFillClrLst>
+    <dgm:txEffectClrLst/>
+  </dgm:styleLbl>
+  <dgm:styleLbl name="fgAcc0">
+    <dgm:fillClrLst meth="repeat">
+      <a:schemeClr val="lt1">
+        <a:alpha val="90000"/>
+      </a:schemeClr>
+    </dgm:fillClrLst>
+    <dgm:linClrLst meth="repeat">
+      <a:schemeClr val="accent1"/>
+    </dgm:linClrLst>
+    <dgm:effectClrLst/>
+    <dgm:txLinClrLst/>
+    <dgm:txFillClrLst meth="repeat">
+      <a:schemeClr val="dk1"/>
+    </dgm:txFillClrLst>
+    <dgm:txEffectClrLst/>
+  </dgm:styleLbl>
+  <dgm:styleLbl name="fgAcc2">
+    <dgm:fillClrLst meth="repeat">
+      <a:schemeClr val="lt1">
+        <a:alpha val="90000"/>
+      </a:schemeClr>
+    </dgm:fillClrLst>
+    <dgm:linClrLst meth="repeat">
+      <a:schemeClr val="accent1"/>
+    </dgm:linClrLst>
+    <dgm:effectClrLst/>
+    <dgm:txLinClrLst/>
+    <dgm:txFillClrLst meth="repeat">
+      <a:schemeClr val="dk1"/>
+    </dgm:txFillClrLst>
+    <dgm:txEffectClrLst/>
+  </dgm:styleLbl>
+  <dgm:styleLbl name="fgAcc3">
+    <dgm:fillClrLst meth="repeat">
+      <a:schemeClr val="lt1">
+        <a:alpha val="90000"/>
+      </a:schemeClr>
+    </dgm:fillClrLst>
+    <dgm:linClrLst meth="repeat">
+      <a:schemeClr val="accent1"/>
+    </dgm:linClrLst>
+    <dgm:effectClrLst/>
+    <dgm:txLinClrLst/>
+    <dgm:txFillClrLst meth="repeat">
+      <a:schemeClr val="dk1"/>
+    </dgm:txFillClrLst>
+    <dgm:txEffectClrLst/>
+  </dgm:styleLbl>
+  <dgm:styleLbl name="fgAcc4">
+    <dgm:fillClrLst meth="repeat">
+      <a:schemeClr val="lt1">
+        <a:alpha val="90000"/>
+      </a:schemeClr>
+    </dgm:fillClrLst>
+    <dgm:linClrLst meth="repeat">
+      <a:schemeClr val="accent1"/>
+    </dgm:linClrLst>
+    <dgm:effectClrLst/>
+    <dgm:txLinClrLst/>
+    <dgm:txFillClrLst meth="repeat">
+      <a:schemeClr val="dk1"/>
+    </dgm:txFillClrLst>
+    <dgm:txEffectClrLst/>
+  </dgm:styleLbl>
+  <dgm:styleLbl name="bgShp">
+    <dgm:fillClrLst meth="repeat">
+      <a:schemeClr val="accent1">
+        <a:tint val="40000"/>
+      </a:schemeClr>
+    </dgm:fillClrLst>
+    <dgm:linClrLst meth="repeat">
+      <a:schemeClr val="accent1"/>
+    </dgm:linClrLst>
+    <dgm:effectClrLst/>
+    <dgm:txLinClrLst/>
+    <dgm:txFillClrLst meth="repeat">
+      <a:schemeClr val="dk1"/>
+    </dgm:txFillClrLst>
+    <dgm:txEffectClrLst/>
+  </dgm:styleLbl>
+  <dgm:styleLbl name="dkBgShp">
+    <dgm:fillClrLst meth="repeat">
+      <a:schemeClr val="accent1">
+        <a:shade val="80000"/>
+      </a:schemeClr>
+    </dgm:fillClrLst>
+    <dgm:linClrLst meth="repeat">
+      <a:schemeClr val="accent1"/>
+    </dgm:linClrLst>
+    <dgm:effectClrLst/>
+    <dgm:txLinClrLst/>
+    <dgm:txFillClrLst meth="repeat">
+      <a:schemeClr val="lt1"/>
+    </dgm:txFillClrLst>
+    <dgm:txEffectClrLst/>
+  </dgm:styleLbl>
+  <dgm:styleLbl name="trBgShp">
+    <dgm:fillClrLst meth="repeat">
+      <a:schemeClr val="accent1">
+        <a:tint val="50000"/>
+        <a:alpha val="40000"/>
+      </a:schemeClr>
+    </dgm:fillClrLst>
+    <dgm:linClrLst meth="repeat">
+      <a:schemeClr val="accent1"/>
+    </dgm:linClrLst>
+    <dgm:effectClrLst/>
+    <dgm:txLinClrLst/>
+    <dgm:txFillClrLst meth="repeat">
+      <a:schemeClr val="lt1"/>
+    </dgm:txFillClrLst>
+    <dgm:txEffectClrLst/>
+  </dgm:styleLbl>
+  <dgm:styleLbl name="fgShp">
+    <dgm:fillClrLst meth="repeat">
+      <a:schemeClr val="accent1">
+        <a:tint val="60000"/>
+      </a:schemeClr>
+    </dgm:fillClrLst>
+    <dgm:linClrLst meth="repeat">
+      <a:schemeClr val="lt1"/>
+    </dgm:linClrLst>
+    <dgm:effectClrLst/>
+    <dgm:txLinClrLst/>
+    <dgm:txFillClrLst meth="repeat">
+      <a:schemeClr val="dk1"/>
+    </dgm:txFillClrLst>
+    <dgm:txEffectClrLst/>
+  </dgm:styleLbl>
+  <dgm:styleLbl name="revTx">
+    <dgm:fillClrLst meth="repeat">
+      <a:schemeClr val="lt1">
+        <a:alpha val="0"/>
+      </a:schemeClr>
+    </dgm:fillClrLst>
+    <dgm:linClrLst meth="repeat">
+      <a:schemeClr val="dk1">
+        <a:alpha val="0"/>
+      </a:schemeClr>
+    </dgm:linClrLst>
+    <dgm:effectClrLst/>
+    <dgm:txLinClrLst/>
+    <dgm:txFillClrLst meth="repeat">
+      <a:schemeClr val="tx1"/>
+    </dgm:txFillClrLst>
+    <dgm:txEffectClrLst/>
+  </dgm:styleLbl>
+</dgm:colorsDef>
+</file>
+
+<file path=ppt/diagrams/colors2.xml><?xml version="1.0" encoding="utf-8"?>
+<dgm:colorsDef xmlns:dgm="http://schemas.openxmlformats.org/drawingml/2006/diagram" xmlns:a="http://schemas.openxmlformats.org/drawingml/2006/main" uniqueId="urn:microsoft.com/office/officeart/2005/8/colors/colorful1">
+  <dgm:title val=""/>
+  <dgm:desc val=""/>
+  <dgm:catLst>
+    <dgm:cat type="colorful" pri="10100"/>
+  </dgm:catLst>
+  <dgm:styleLbl name="node0">
+    <dgm:fillClrLst meth="repeat">
+      <a:schemeClr val="accent1"/>
+    </dgm:fillClrLst>
+    <dgm:linClrLst meth="repeat">
+      <a:schemeClr val="lt1"/>
+    </dgm:linClrLst>
+    <dgm:effectClrLst/>
+    <dgm:txLinClrLst/>
+    <dgm:txFillClrLst/>
+    <dgm:txEffectClrLst/>
+  </dgm:styleLbl>
+  <dgm:styleLbl name="node1">
+    <dgm:fillClrLst meth="repeat">
+      <a:schemeClr val="accent2"/>
+      <a:schemeClr val="accent3"/>
+      <a:schemeClr val="accent4"/>
+      <a:schemeClr val="accent5"/>
+      <a:schemeClr val="accent6"/>
+    </dgm:fillClrLst>
+    <dgm:linClrLst meth="repeat">
+      <a:schemeClr val="lt1"/>
+    </dgm:linClrLst>
+    <dgm:effectClrLst/>
+    <dgm:txLinClrLst/>
+    <dgm:txFillClrLst/>
+    <dgm:txEffectClrLst/>
+  </dgm:styleLbl>
+  <dgm:styleLbl name="alignNode1">
+    <dgm:fillClrLst meth="repeat">
+      <a:schemeClr val="accent2"/>
+      <a:schemeClr val="accent3"/>
+      <a:schemeClr val="accent4"/>
+      <a:schemeClr val="accent5"/>
+      <a:schemeClr val="accent6"/>
+    </dgm:fillClrLst>
+    <dgm:linClrLst meth="repeat">
+      <a:schemeClr val="accent2"/>
+      <a:schemeClr val="accent3"/>
+      <a:schemeClr val="accent4"/>
+      <a:schemeClr val="accent5"/>
+      <a:schemeClr val="accent6"/>
+    </dgm:linClrLst>
+    <dgm:effectClrLst/>
+    <dgm:txLinClrLst/>
+    <dgm:txFillClrLst/>
+    <dgm:txEffectClrLst/>
+  </dgm:styleLbl>
+  <dgm:styleLbl name="lnNode1">
+    <dgm:fillClrLst meth="repeat">
+      <a:schemeClr val="accent2"/>
+      <a:schemeClr val="accent3"/>
+      <a:schemeClr val="accent4"/>
+      <a:schemeClr val="accent5"/>
+      <a:schemeClr val="accent6"/>
+    </dgm:fillClrLst>
+    <dgm:linClrLst meth="repeat">
+      <a:schemeClr val="lt1"/>
+    </dgm:linClrLst>
+    <dgm:effectClrLst/>
+    <dgm:txLinClrLst/>
+    <dgm:txFillClrLst/>
+    <dgm:txEffectClrLst/>
+  </dgm:styleLbl>
+  <dgm:styleLbl name="vennNode1">
+    <dgm:fillClrLst meth="repeat">
+      <a:schemeClr val="accent2">
+        <a:alpha val="50000"/>
+      </a:schemeClr>
+      <a:schemeClr val="accent3">
+        <a:alpha val="50000"/>
+      </a:schemeClr>
+      <a:schemeClr val="accent4">
+        <a:alpha val="50000"/>
+      </a:schemeClr>
+      <a:schemeClr val="accent5">
+        <a:alpha val="50000"/>
+      </a:schemeClr>
+      <a:schemeClr val="accent6">
+        <a:alpha val="50000"/>
+      </a:schemeClr>
+    </dgm:fillClrLst>
+    <dgm:linClrLst meth="repeat">
+      <a:schemeClr val="lt1"/>
+    </dgm:linClrLst>
+    <dgm:effectClrLst/>
+    <dgm:txLinClrLst/>
+    <dgm:txFillClrLst/>
+    <dgm:txEffectClrLst/>
+  </dgm:styleLbl>
+  <dgm:styleLbl name="node2">
+    <dgm:fillClrLst>
+      <a:schemeClr val="accent2"/>
+    </dgm:fillClrLst>
+    <dgm:linClrLst meth="repeat">
+      <a:schemeClr val="lt1"/>
+    </dgm:linClrLst>
+    <dgm:effectClrLst/>
+    <dgm:txLinClrLst/>
+    <dgm:txFillClrLst/>
+    <dgm:txEffectClrLst/>
+  </dgm:styleLbl>
+  <dgm:styleLbl name="node3">
+    <dgm:fillClrLst>
+      <a:schemeClr val="accent3"/>
+    </dgm:fillClrLst>
+    <dgm:linClrLst meth="repeat">
+      <a:schemeClr val="lt1"/>
+    </dgm:linClrLst>
+    <dgm:effectClrLst/>
+    <dgm:txLinClrLst/>
+    <dgm:txFillClrLst/>
+    <dgm:txEffectClrLst/>
+  </dgm:styleLbl>
+  <dgm:styleLbl name="node4">
+    <dgm:fillClrLst>
+      <a:schemeClr val="accent4"/>
+    </dgm:fillClrLst>
+    <dgm:linClrLst meth="repeat">
+      <a:schemeClr val="lt1"/>
+    </dgm:linClrLst>
+    <dgm:effectClrLst/>
+    <dgm:txLinClrLst/>
+    <dgm:txFillClrLst/>
+    <dgm:txEffectClrLst/>
+  </dgm:styleLbl>
+  <dgm:styleLbl name="fgImgPlace1">
+    <dgm:fillClrLst meth="repeat">
+      <a:schemeClr val="accent2">
+        <a:tint val="50000"/>
+      </a:schemeClr>
+      <a:schemeClr val="accent3">
+        <a:tint val="50000"/>
+      </a:schemeClr>
+      <a:schemeClr val="accent4">
+        <a:tint val="50000"/>
+      </a:schemeClr>
+      <a:schemeClr val="accent5">
+        <a:tint val="50000"/>
+      </a:schemeClr>
+      <a:schemeClr val="accent6">
+        <a:tint val="50000"/>
+      </a:schemeClr>
+    </dgm:fillClrLst>
+    <dgm:linClrLst meth="repeat">
+      <a:schemeClr val="lt1"/>
+    </dgm:linClrLst>
+    <dgm:effectClrLst/>
+    <dgm:txLinClrLst/>
+    <dgm:txFillClrLst meth="repeat">
+      <a:schemeClr val="lt1"/>
+    </dgm:txFillClrLst>
+    <dgm:txEffectClrLst/>
+  </dgm:styleLbl>
+  <dgm:styleLbl name="alignImgPlace1">
+    <dgm:fillClrLst>
+      <a:schemeClr val="accent1">
+        <a:tint val="50000"/>
+      </a:schemeClr>
+      <a:schemeClr val="accent2">
+        <a:tint val="20000"/>
+      </a:schemeClr>
+    </dgm:fillClrLst>
+    <dgm:linClrLst meth="repeat">
+      <a:schemeClr val="lt1"/>
+    </dgm:linClrLst>
+    <dgm:effectClrLst/>
+    <dgm:txLinClrLst/>
+    <dgm:txFillClrLst meth="repeat">
+      <a:schemeClr val="lt1"/>
+    </dgm:txFillClrLst>
+    <dgm:txEffectClrLst/>
+  </dgm:styleLbl>
+  <dgm:styleLbl name="bgImgPlace1">
+    <dgm:fillClrLst>
+      <a:schemeClr val="accent1">
+        <a:tint val="50000"/>
+      </a:schemeClr>
+      <a:schemeClr val="accent2">
+        <a:tint val="20000"/>
+      </a:schemeClr>
+    </dgm:fillClrLst>
+    <dgm:linClrLst meth="repeat">
+      <a:schemeClr val="lt1"/>
+    </dgm:linClrLst>
+    <dgm:effectClrLst/>
+    <dgm:txLinClrLst/>
+    <dgm:txFillClrLst meth="repeat">
+      <a:schemeClr val="lt1"/>
+    </dgm:txFillClrLst>
+    <dgm:txEffectClrLst/>
+  </dgm:styleLbl>
+  <dgm:styleLbl name="sibTrans2D1">
+    <dgm:fillClrLst meth="repeat">
+      <a:schemeClr val="accent2"/>
+      <a:schemeClr val="accent3"/>
+      <a:schemeClr val="accent4"/>
+      <a:schemeClr val="accent5"/>
+      <a:schemeClr val="accent6"/>
+    </dgm:fillClrLst>
+    <dgm:linClrLst meth="cycle">
+      <a:schemeClr val="lt1"/>
+    </dgm:linClrLst>
+    <dgm:effectClrLst/>
+    <dgm:txLinClrLst/>
+    <dgm:txFillClrLst/>
+    <dgm:txEffectClrLst/>
+  </dgm:styleLbl>
+  <dgm:styleLbl name="fgSibTrans2D1">
+    <dgm:fillClrLst meth="repeat">
+      <a:schemeClr val="accent2"/>
+      <a:schemeClr val="accent3"/>
+      <a:schemeClr val="accent4"/>
+      <a:schemeClr val="accent5"/>
+      <a:schemeClr val="accent6"/>
+    </dgm:fillClrLst>
+    <dgm:linClrLst meth="cycle">
+      <a:schemeClr val="lt1"/>
+    </dgm:linClrLst>
+    <dgm:effectClrLst/>
+    <dgm:txLinClrLst/>
+    <dgm:txFillClrLst meth="repeat">
+      <a:schemeClr val="lt1"/>
+    </dgm:txFillClrLst>
+    <dgm:txEffectClrLst/>
+  </dgm:styleLbl>
+  <dgm:styleLbl name="bgSibTrans2D1">
+    <dgm:fillClrLst meth="repeat">
+      <a:schemeClr val="accent2"/>
+      <a:schemeClr val="accent3"/>
+      <a:schemeClr val="accent4"/>
+      <a:schemeClr val="accent5"/>
+      <a:schemeClr val="accent6"/>
+    </dgm:fillClrLst>
+    <dgm:linClrLst meth="cycle">
+      <a:schemeClr val="lt1"/>
+    </dgm:linClrLst>
+    <dgm:effectClrLst/>
+    <dgm:txLinClrLst/>
+    <dgm:txFillClrLst meth="repeat">
+      <a:schemeClr val="lt1"/>
+    </dgm:txFillClrLst>
+    <dgm:txEffectClrLst/>
+  </dgm:styleLbl>
+  <dgm:styleLbl name="sibTrans1D1">
+    <dgm:fillClrLst meth="repeat">
+      <a:schemeClr val="accent2"/>
+      <a:schemeClr val="accent3"/>
+      <a:schemeClr val="accent4"/>
+      <a:schemeClr val="accent5"/>
+      <a:schemeClr val="accent6"/>
+    </dgm:fillClrLst>
+    <dgm:linClrLst meth="repeat">
+      <a:schemeClr val="accent2"/>
+      <a:schemeClr val="accent3"/>
+      <a:schemeClr val="accent4"/>
+      <a:schemeClr val="accent5"/>
+      <a:schemeClr val="accent6"/>
+    </dgm:linClrLst>
+    <dgm:effectClrLst/>
+    <dgm:txLinClrLst/>
+    <dgm:txFillClrLst meth="repeat">
+      <a:schemeClr val="tx1"/>
+    </dgm:txFillClrLst>
+    <dgm:txEffectClrLst/>
+  </dgm:styleLbl>
+  <dgm:styleLbl name="callout">
+    <dgm:fillClrLst meth="repeat">
+      <a:schemeClr val="accent2"/>
+    </dgm:fillClrLst>
+    <dgm:linClrLst meth="repeat">
+      <a:schemeClr val="accent2">
+        <a:tint val="50000"/>
+      </a:schemeClr>
+    </dgm:linClrLst>
+    <dgm:effectClrLst/>
+    <dgm:txLinClrLst/>
+    <dgm:txFillClrLst meth="repeat">
+      <a:schemeClr val="tx1"/>
+    </dgm:txFillClrLst>
+    <dgm:txEffectClrLst/>
+  </dgm:styleLbl>
+  <dgm:styleLbl name="asst0">
+    <dgm:fillClrLst meth="repeat">
+      <a:schemeClr val="accent1"/>
+    </dgm:fillClrLst>
+    <dgm:linClrLst meth="repeat">
+      <a:schemeClr val="lt1"/>
+    </dgm:linClrLst>
+    <dgm:effectClrLst/>
+    <dgm:txLinClrLst/>
+    <dgm:txFillClrLst/>
+    <dgm:txEffectClrLst/>
+  </dgm:styleLbl>
+  <dgm:styleLbl name="asst1">
+    <dgm:fillClrLst meth="repeat">
+      <a:schemeClr val="accent2"/>
+    </dgm:fillClrLst>
+    <dgm:linClrLst meth="repeat">
+      <a:schemeClr val="lt1"/>
+    </dgm:linClrLst>
+    <dgm:effectClrLst/>
+    <dgm:txLinClrLst/>
+    <dgm:txFillClrLst/>
+    <dgm:txEffectClrLst/>
+  </dgm:styleLbl>
+  <dgm:styleLbl name="asst2">
+    <dgm:fillClrLst>
+      <a:schemeClr val="accent3"/>
+    </dgm:fillClrLst>
+    <dgm:linClrLst meth="repeat">
+      <a:schemeClr val="lt1"/>
+    </dgm:linClrLst>
+    <dgm:effectClrLst/>
+    <dgm:txLinClrLst/>
+    <dgm:txFillClrLst/>
+    <dgm:txEffectClrLst/>
+  </dgm:styleLbl>
+  <dgm:styleLbl name="asst3">
+    <dgm:fillClrLst>
+      <a:schemeClr val="accent4"/>
+    </dgm:fillClrLst>
+    <dgm:linClrLst meth="repeat">
+      <a:schemeClr val="lt1"/>
+    </dgm:linClrLst>
+    <dgm:effectClrLst/>
+    <dgm:txLinClrLst/>
+    <dgm:txFillClrLst/>
+    <dgm:txEffectClrLst/>
+  </dgm:styleLbl>
+  <dgm:styleLbl name="asst4">
+    <dgm:fillClrLst>
+      <a:schemeClr val="accent5"/>
+    </dgm:fillClrLst>
+    <dgm:linClrLst meth="repeat">
+      <a:schemeClr val="lt1"/>
+    </dgm:linClrLst>
+    <dgm:effectClrLst/>
+    <dgm:txLinClrLst/>
+    <dgm:txFillClrLst/>
+    <dgm:txEffectClrLst/>
+  </dgm:styleLbl>
+  <dgm:styleLbl name="parChTrans2D1">
+    <dgm:fillClrLst meth="repeat">
+      <a:schemeClr val="accent2"/>
+    </dgm:fillClrLst>
+    <dgm:linClrLst meth="repeat">
+      <a:schemeClr val="lt1"/>
+    </dgm:linClrLst>
+    <dgm:effectClrLst/>
+    <dgm:txLinClrLst/>
+    <dgm:txFillClrLst meth="repeat">
+      <a:schemeClr val="lt1"/>
+    </dgm:txFillClrLst>
+    <dgm:txEffectClrLst/>
+  </dgm:styleLbl>
+  <dgm:styleLbl name="parChTrans2D2">
+    <dgm:fillClrLst meth="repeat">
+      <a:schemeClr val="accent3"/>
+    </dgm:fillClrLst>
+    <dgm:linClrLst meth="repeat">
+      <a:schemeClr val="lt1"/>
+    </dgm:linClrLst>
+    <dgm:effectClrLst/>
+    <dgm:txLinClrLst/>
+    <dgm:txFillClrLst/>
+    <dgm:txEffectClrLst/>
+  </dgm:styleLbl>
+  <dgm:styleLbl name="parChTrans2D3">
+    <dgm:fillClrLst meth="repeat">
+      <a:schemeClr val="accent4"/>
+    </dgm:fillClrLst>
+    <dgm:linClrLst meth="repeat">
+      <a:schemeClr val="lt1"/>
+    </dgm:linClrLst>
+    <dgm:effectClrLst/>
+    <dgm:txLinClrLst/>
+    <dgm:txFillClrLst/>
+    <dgm:txEffectClrLst/>
+  </dgm:styleLbl>
+  <dgm:styleLbl name="parChTrans2D4">
+    <dgm:fillClrLst meth="repeat">
+      <a:schemeClr val="accent5"/>
+    </dgm:fillClrLst>
+    <dgm:linClrLst meth="repeat">
+      <a:schemeClr val="lt1"/>
+    </dgm:linClrLst>
+    <dgm:effectClrLst/>
+    <dgm:txLinClrLst/>
+    <dgm:txFillClrLst meth="repeat">
+      <a:schemeClr val="lt1"/>
+    </dgm:txFillClrLst>
+    <dgm:txEffectClrLst/>
+  </dgm:styleLbl>
+  <dgm:styleLbl name="parChTrans1D1">
+    <dgm:fillClrLst meth="repeat">
+      <a:schemeClr val="accent2"/>
+    </dgm:fillClrLst>
+    <dgm:linClrLst meth="repeat">
+      <a:schemeClr val="accent1"/>
+    </dgm:linClrLst>
+    <dgm:effectClrLst/>
+    <dgm:txLinClrLst/>
+    <dgm:txFillClrLst meth="repeat">
+      <a:schemeClr val="tx1"/>
+    </dgm:txFillClrLst>
+    <dgm:txEffectClrLst/>
+  </dgm:styleLbl>
+  <dgm:styleLbl name="parChTrans1D2">
+    <dgm:fillClrLst meth="repeat">
+      <a:schemeClr val="accent3">
+        <a:tint val="90000"/>
+      </a:schemeClr>
+    </dgm:fillClrLst>
+    <dgm:linClrLst meth="repeat">
+      <a:schemeClr val="accent2"/>
+    </dgm:linClrLst>
+    <dgm:effectClrLst/>
+    <dgm:txLinClrLst/>
+    <dgm:txFillClrLst meth="repeat">
+      <a:schemeClr val="tx1"/>
+    </dgm:txFillClrLst>
+    <dgm:txEffectClrLst/>
+  </dgm:styleLbl>
+  <dgm:styleLbl name="parChTrans1D3">
+    <dgm:fillClrLst meth="repeat">
+      <a:schemeClr val="accent4">
+        <a:tint val="70000"/>
+      </a:schemeClr>
+    </dgm:fillClrLst>
+    <dgm:linClrLst meth="repeat">
+      <a:schemeClr val="accent3"/>
+    </dgm:linClrLst>
+    <dgm:effectClrLst/>
+    <dgm:txLinClrLst/>
+    <dgm:txFillClrLst meth="repeat">
+      <a:schemeClr val="tx1"/>
+    </dgm:txFillClrLst>
+    <dgm:txEffectClrLst/>
+  </dgm:styleLbl>
+  <dgm:styleLbl name="parChTrans1D4">
+    <dgm:fillClrLst meth="repeat">
+      <a:schemeClr val="accent5">
+        <a:tint val="50000"/>
+      </a:schemeClr>
+    </dgm:fillClrLst>
+    <dgm:linClrLst meth="repeat">
+      <a:schemeClr val="accent4"/>
+    </dgm:linClrLst>
+    <dgm:effectClrLst/>
+    <dgm:txLinClrLst/>
+    <dgm:txFillClrLst meth="repeat">
+      <a:schemeClr val="tx1"/>
+    </dgm:txFillClrLst>
+    <dgm:txEffectClrLst/>
+  </dgm:styleLbl>
+  <dgm:styleLbl name="fgAcc1">
+    <dgm:fillClrLst meth="repeat">
+      <a:schemeClr val="lt1">
+        <a:alpha val="90000"/>
+      </a:schemeClr>
+    </dgm:fillClrLst>
+    <dgm:linClrLst meth="repeat">
+      <a:schemeClr val="accent2"/>
+      <a:schemeClr val="accent3"/>
+      <a:schemeClr val="accent4"/>
+      <a:schemeClr val="accent5"/>
+      <a:schemeClr val="accent6"/>
+    </dgm:linClrLst>
+    <dgm:effectClrLst/>
+    <dgm:txLinClrLst/>
+    <dgm:txFillClrLst meth="repeat">
+      <a:schemeClr val="dk1"/>
+    </dgm:txFillClrLst>
+    <dgm:txEffectClrLst/>
+  </dgm:styleLbl>
+  <dgm:styleLbl name="conFgAcc1">
+    <dgm:fillClrLst meth="repeat">
+      <a:schemeClr val="lt1">
+        <a:alpha val="90000"/>
+      </a:schemeClr>
+    </dgm:fillClrLst>
+    <dgm:linClrLst meth="repeat">
+      <a:schemeClr val="accent2"/>
+      <a:schemeClr val="accent3"/>
+      <a:schemeClr val="accent4"/>
+      <a:schemeClr val="accent5"/>
+      <a:schemeClr val="accent6"/>
+    </dgm:linClrLst>
+    <dgm:effectClrLst/>
+    <dgm:txLinClrLst/>
+    <dgm:txFillClrLst meth="repeat">
+      <a:schemeClr val="dk1"/>
+    </dgm:txFillClrLst>
+    <dgm:txEffectClrLst/>
+  </dgm:styleLbl>
+  <dgm:styleLbl name="alignAcc1">
+    <dgm:fillClrLst meth="repeat">
+      <a:schemeClr val="lt1">
+        <a:alpha val="90000"/>
+      </a:schemeClr>
+    </dgm:fillClrLst>
+    <dgm:linClrLst meth="repeat">
+      <a:schemeClr val="accent2"/>
+      <a:schemeClr val="accent3"/>
+      <a:schemeClr val="accent4"/>
+      <a:schemeClr val="accent5"/>
+      <a:schemeClr val="accent6"/>
+    </dgm:linClrLst>
+    <dgm:effectClrLst/>
+    <dgm:txLinClrLst/>
+    <dgm:txFillClrLst meth="repeat">
+      <a:schemeClr val="dk1"/>
+    </dgm:txFillClrLst>
+    <dgm:txEffectClrLst/>
+  </dgm:styleLbl>
+  <dgm:styleLbl name="trAlignAcc1">
+    <dgm:fillClrLst meth="repeat">
+      <a:schemeClr val="lt1">
+        <a:alpha val="40000"/>
+      </a:schemeClr>
+    </dgm:fillClrLst>
+    <dgm:linClrLst meth="repeat">
+      <a:schemeClr val="accent1"/>
+    </dgm:linClrLst>
+    <dgm:effectClrLst/>
+    <dgm:txLinClrLst/>
+    <dgm:txFillClrLst meth="repeat">
+      <a:schemeClr val="dk1"/>
+    </dgm:txFillClrLst>
+    <dgm:txEffectClrLst/>
+  </dgm:styleLbl>
+  <dgm:styleLbl name="bgAcc1">
+    <dgm:fillClrLst meth="repeat">
+      <a:schemeClr val="lt1">
+        <a:alpha val="90000"/>
+      </a:schemeClr>
+    </dgm:fillClrLst>
+    <dgm:linClrLst meth="repeat">
+      <a:schemeClr val="accent2"/>
+      <a:schemeClr val="accent3"/>
+      <a:schemeClr val="accent4"/>
+      <a:schemeClr val="accent5"/>
+      <a:schemeClr val="accent6"/>
+    </dgm:linClrLst>
+    <dgm:effectClrLst/>
+    <dgm:txLinClrLst/>
+    <dgm:txFillClrLst meth="repeat">
+      <a:schemeClr val="dk1"/>
+    </dgm:txFillClrLst>
+    <dgm:txEffectClrLst/>
+  </dgm:styleLbl>
+  <dgm:styleLbl name="solidFgAcc1">
+    <dgm:fillClrLst meth="repeat">
+      <a:schemeClr val="lt1"/>
+    </dgm:fillClrLst>
+    <dgm:linClrLst meth="repeat">
+      <a:schemeClr val="accent2"/>
+      <a:schemeClr val="accent3"/>
+      <a:schemeClr val="accent4"/>
+      <a:schemeClr val="accent5"/>
+      <a:schemeClr val="accent6"/>
+    </dgm:linClrLst>
+    <dgm:effectClrLst/>
+    <dgm:txLinClrLst/>
+    <dgm:txFillClrLst meth="repeat">
+      <a:schemeClr val="dk1"/>
+    </dgm:txFillClrLst>
+    <dgm:txEffectClrLst/>
+  </dgm:styleLbl>
+  <dgm:styleLbl name="solidAlignAcc1">
+    <dgm:fillClrLst meth="repeat">
+      <a:schemeClr val="lt1"/>
+    </dgm:fillClrLst>
+    <dgm:linClrLst meth="repeat">
+      <a:schemeClr val="accent2"/>
+      <a:schemeClr val="accent3"/>
+      <a:schemeClr val="accent4"/>
+      <a:schemeClr val="accent5"/>
+      <a:schemeClr val="accent6"/>
+    </dgm:linClrLst>
+    <dgm:effectClrLst/>
+    <dgm:txLinClrLst/>
+    <dgm:txFillClrLst meth="repeat">
+      <a:schemeClr val="dk1"/>
+    </dgm:txFillClrLst>
+    <dgm:txEffectClrLst/>
+  </dgm:styleLbl>
+  <dgm:styleLbl name="solidBgAcc1">
+    <dgm:fillClrLst meth="repeat">
+      <a:schemeClr val="lt1"/>
+    </dgm:fillClrLst>
+    <dgm:linClrLst meth="repeat">
+      <a:schemeClr val="accent2"/>
+      <a:schemeClr val="accent3"/>
+      <a:schemeClr val="accent4"/>
+      <a:schemeClr val="accent5"/>
+      <a:schemeClr val="accent6"/>
+    </dgm:linClrLst>
+    <dgm:effectClrLst/>
+    <dgm:txLinClrLst/>
+    <dgm:txFillClrLst meth="repeat">
+      <a:schemeClr val="dk1"/>
+    </dgm:txFillClrLst>
+    <dgm:txEffectClrLst/>
+  </dgm:styleLbl>
+  <dgm:styleLbl name="fgAccFollowNode1">
+    <dgm:fillClrLst meth="repeat">
+      <a:schemeClr val="accent2">
+        <a:tint val="40000"/>
+        <a:alpha val="90000"/>
+      </a:schemeClr>
+      <a:schemeClr val="accent3">
+        <a:tint val="40000"/>
+        <a:alpha val="90000"/>
+      </a:schemeClr>
+      <a:schemeClr val="accent4">
+        <a:tint val="40000"/>
+        <a:alpha val="90000"/>
+      </a:schemeClr>
+      <a:schemeClr val="accent5">
+        <a:tint val="40000"/>
+        <a:alpha val="90000"/>
+      </a:schemeClr>
+      <a:schemeClr val="accent6">
+        <a:tint val="40000"/>
+        <a:alpha val="90000"/>
+      </a:schemeClr>
+    </dgm:fillClrLst>
+    <dgm:linClrLst meth="repeat">
+      <a:schemeClr val="accent2">
+        <a:tint val="40000"/>
+        <a:alpha val="90000"/>
+      </a:schemeClr>
+      <a:schemeClr val="accent3">
+        <a:tint val="40000"/>
+        <a:alpha val="90000"/>
+      </a:schemeClr>
+      <a:schemeClr val="accent4">
+        <a:tint val="40000"/>
+        <a:alpha val="90000"/>
+      </a:schemeClr>
+      <a:schemeClr val="accent5">
+        <a:tint val="40000"/>
+        <a:alpha val="90000"/>
+      </a:schemeClr>
+      <a:schemeClr val="accent6">
+        <a:tint val="40000"/>
+        <a:alpha val="90000"/>
+      </a:schemeClr>
+    </dgm:linClrLst>
+    <dgm:effectClrLst/>
+    <dgm:txLinClrLst/>
+    <dgm:txFillClrLst meth="repeat">
+      <a:schemeClr val="dk1"/>
+    </dgm:txFillClrLst>
+    <dgm:txEffectClrLst/>
+  </dgm:styleLbl>
+  <dgm:styleLbl name="alignAccFollowNode1">
+    <dgm:fillClrLst meth="repeat">
+      <a:schemeClr val="accent2">
+        <a:tint val="40000"/>
+        <a:alpha val="90000"/>
+      </a:schemeClr>
+      <a:schemeClr val="accent3">
+        <a:tint val="40000"/>
+        <a:alpha val="90000"/>
+      </a:schemeClr>
+      <a:schemeClr val="accent4">
+        <a:tint val="40000"/>
+        <a:alpha val="90000"/>
+      </a:schemeClr>
+      <a:schemeClr val="accent5">
+        <a:tint val="40000"/>
+        <a:alpha val="90000"/>
+      </a:schemeClr>
+      <a:schemeClr val="accent6">
+        <a:tint val="40000"/>
+        <a:alpha val="90000"/>
+      </a:schemeClr>
+    </dgm:fillClrLst>
+    <dgm:linClrLst meth="repeat">
+      <a:schemeClr val="accent2">
+        <a:tint val="40000"/>
+        <a:alpha val="90000"/>
+      </a:schemeClr>
+      <a:schemeClr val="accent3">
+        <a:tint val="40000"/>
+        <a:alpha val="90000"/>
+      </a:schemeClr>
+      <a:schemeClr val="accent4">
+        <a:tint val="40000"/>
+        <a:alpha val="90000"/>
+      </a:schemeClr>
+      <a:schemeClr val="accent5">
+        <a:tint val="40000"/>
+        <a:alpha val="90000"/>
+      </a:schemeClr>
+      <a:schemeClr val="accent6">
+        <a:tint val="40000"/>
+        <a:alpha val="90000"/>
+      </a:schemeClr>
+    </dgm:linClrLst>
+    <dgm:effectClrLst/>
+    <dgm:txLinClrLst/>
+    <dgm:txFillClrLst meth="repeat">
+      <a:schemeClr val="dk1"/>
+    </dgm:txFillClrLst>
+    <dgm:txEffectClrLst/>
+  </dgm:styleLbl>
+  <dgm:styleLbl name="bgAccFollowNode1">
+    <dgm:fillClrLst meth="repeat">
+      <a:schemeClr val="accent2">
+        <a:tint val="40000"/>
+        <a:alpha val="90000"/>
+      </a:schemeClr>
+      <a:schemeClr val="accent3">
+        <a:tint val="40000"/>
+        <a:alpha val="90000"/>
+      </a:schemeClr>
+      <a:schemeClr val="accent4">
+        <a:tint val="40000"/>
+        <a:alpha val="90000"/>
+      </a:schemeClr>
+      <a:schemeClr val="accent5">
+        <a:tint val="40000"/>
+        <a:alpha val="90000"/>
+      </a:schemeClr>
+      <a:schemeClr val="accent6">
+        <a:tint val="40000"/>
+        <a:alpha val="90000"/>
+      </a:schemeClr>
+    </dgm:fillClrLst>
+    <dgm:linClrLst meth="repeat">
+      <a:schemeClr val="accent2">
+        <a:tint val="40000"/>
+        <a:alpha val="90000"/>
+      </a:schemeClr>
+      <a:schemeClr val="accent3">
+        <a:tint val="40000"/>
+        <a:alpha val="90000"/>
+      </a:schemeClr>
+      <a:schemeClr val="accent4">
+        <a:tint val="40000"/>
+        <a:alpha val="90000"/>
+      </a:schemeClr>
+      <a:schemeClr val="accent5">
+        <a:tint val="40000"/>
+        <a:alpha val="90000"/>
+      </a:schemeClr>
+      <a:schemeClr val="accent6">
+        <a:tint val="40000"/>
+        <a:alpha val="90000"/>
+      </a:schemeClr>
+    </dgm:linClrLst>
+    <dgm:effectClrLst/>
+    <dgm:txLinClrLst/>
+    <dgm:txFillClrLst meth="repeat">
+      <a:schemeClr val="dk1"/>
+    </dgm:txFillClrLst>
+    <dgm:txEffectClrLst/>
+  </dgm:styleLbl>
+  <dgm:styleLbl name="fgAcc0">
+    <dgm:fillClrLst meth="repeat">
+      <a:schemeClr val="lt1">
+        <a:alpha val="90000"/>
+      </a:schemeClr>
+    </dgm:fillClrLst>
+    <dgm:linClrLst>
+      <a:schemeClr val="accent1"/>
+    </dgm:linClrLst>
+    <dgm:effectClrLst/>
+    <dgm:txLinClrLst/>
+    <dgm:txFillClrLst meth="repeat">
+      <a:schemeClr val="dk1"/>
+    </dgm:txFillClrLst>
+    <dgm:txEffectClrLst/>
+  </dgm:styleLbl>
+  <dgm:styleLbl name="fgAcc2">
+    <dgm:fillClrLst meth="repeat">
+      <a:schemeClr val="lt1">
+        <a:alpha val="90000"/>
+      </a:schemeClr>
+    </dgm:fillClrLst>
+    <dgm:linClrLst>
+      <a:schemeClr val="accent2"/>
+    </dgm:linClrLst>
+    <dgm:effectClrLst/>
+    <dgm:txLinClrLst/>
+    <dgm:txFillClrLst meth="repeat">
+      <a:schemeClr val="dk1"/>
+    </dgm:txFillClrLst>
+    <dgm:txEffectClrLst/>
+  </dgm:styleLbl>
+  <dgm:styleLbl name="fgAcc3">
+    <dgm:fillClrLst meth="repeat">
+      <a:schemeClr val="lt1">
+        <a:alpha val="90000"/>
+      </a:schemeClr>
+    </dgm:fillClrLst>
+    <dgm:linClrLst>
+      <a:schemeClr val="accent3"/>
+    </dgm:linClrLst>
+    <dgm:effectClrLst/>
+    <dgm:txLinClrLst/>
+    <dgm:txFillClrLst meth="repeat">
+      <a:schemeClr val="dk1"/>
+    </dgm:txFillClrLst>
+    <dgm:txEffectClrLst/>
+  </dgm:styleLbl>
+  <dgm:styleLbl name="fgAcc4">
+    <dgm:fillClrLst meth="repeat">
+      <a:schemeClr val="lt1">
+        <a:alpha val="90000"/>
+      </a:schemeClr>
+    </dgm:fillClrLst>
+    <dgm:linClrLst>
+      <a:schemeClr val="accent4"/>
+    </dgm:linClrLst>
+    <dgm:effectClrLst/>
+    <dgm:txLinClrLst/>
+    <dgm:txFillClrLst meth="repeat">
+      <a:schemeClr val="dk1"/>
+    </dgm:txFillClrLst>
+    <dgm:txEffectClrLst/>
+  </dgm:styleLbl>
+  <dgm:styleLbl name="bgShp">
+    <dgm:fillClrLst meth="repeat">
+      <a:schemeClr val="accent2">
+        <a:tint val="40000"/>
+      </a:schemeClr>
+    </dgm:fillClrLst>
+    <dgm:linClrLst meth="repeat">
+      <a:schemeClr val="dk1"/>
+    </dgm:linClrLst>
+    <dgm:effectClrLst/>
+    <dgm:txLinClrLst/>
+    <dgm:txFillClrLst meth="repeat">
+      <a:schemeClr val="dk1"/>
+    </dgm:txFillClrLst>
+    <dgm:txEffectClrLst/>
+  </dgm:styleLbl>
+  <dgm:styleLbl name="dkBgShp">
+    <dgm:fillClrLst meth="repeat">
+      <a:schemeClr val="accent2">
+        <a:shade val="90000"/>
+      </a:schemeClr>
+    </dgm:fillClrLst>
+    <dgm:linClrLst meth="repeat">
+      <a:schemeClr val="dk1"/>
+    </dgm:linClrLst>
+    <dgm:effectClrLst/>
+    <dgm:txLinClrLst/>
+    <dgm:txFillClrLst meth="repeat">
+      <a:schemeClr val="lt1"/>
+    </dgm:txFillClrLst>
+    <dgm:txEffectClrLst/>
+  </dgm:styleLbl>
+  <dgm:styleLbl name="trBgShp">
+    <dgm:fillClrLst meth="repeat">
+      <a:schemeClr val="accent1">
+        <a:tint val="50000"/>
+        <a:alpha val="40000"/>
+      </a:schemeClr>
+    </dgm:fillClrLst>
+    <dgm:linClrLst meth="repeat">
+      <a:schemeClr val="accent2"/>
+    </dgm:linClrLst>
+    <dgm:effectClrLst/>
+    <dgm:txLinClrLst/>
+    <dgm:txFillClrLst meth="repeat">
+      <a:schemeClr val="lt1"/>
+    </dgm:txFillClrLst>
+    <dgm:txEffectClrLst/>
+  </dgm:styleLbl>
+  <dgm:styleLbl name="fgShp">
+    <dgm:fillClrLst meth="repeat">
+      <a:schemeClr val="accent2">
+        <a:tint val="40000"/>
+      </a:schemeClr>
+    </dgm:fillClrLst>
+    <dgm:linClrLst meth="repeat">
+      <a:schemeClr val="lt1"/>
+    </dgm:linClrLst>
+    <dgm:effectClrLst/>
+    <dgm:txLinClrLst/>
+    <dgm:txFillClrLst meth="repeat">
+      <a:schemeClr val="dk1"/>
+    </dgm:txFillClrLst>
+    <dgm:txEffectClrLst/>
+  </dgm:styleLbl>
+  <dgm:styleLbl name="revTx">
+    <dgm:fillClrLst meth="repeat">
+      <a:schemeClr val="lt1">
+        <a:alpha val="0"/>
+      </a:schemeClr>
+    </dgm:fillClrLst>
+    <dgm:linClrLst meth="repeat">
+      <a:schemeClr val="dk1">
+        <a:alpha val="0"/>
+      </a:schemeClr>
+    </dgm:linClrLst>
+    <dgm:effectClrLst/>
+    <dgm:txLinClrLst/>
+    <dgm:txFillClrLst meth="repeat">
+      <a:schemeClr val="tx1"/>
+    </dgm:txFillClrLst>
+    <dgm:txEffectClrLst/>
+  </dgm:styleLbl>
+</dgm:colorsDef>
+</file>
+
+<file path=ppt/diagrams/colors3.xml><?xml version="1.0" encoding="utf-8"?>
 <dgm:colorsDef xmlns:dgm="http://schemas.openxmlformats.org/drawingml/2006/diagram" xmlns:a="http://schemas.openxmlformats.org/drawingml/2006/main" uniqueId="urn:microsoft.com/office/officeart/2005/8/colors/accent1_2">
   <dgm:title val=""/>
   <dgm:desc val=""/>
@@ -1053,6 +2728,740 @@
     <dgm:cxn modelId="{2F1745A0-3B8F-5D4B-8707-9E829B33A82B}" type="presParOf" srcId="{37C18219-0C71-8D4F-88E1-F71D0DEDFAF7}" destId="{68291847-2827-4E4A-9A80-B1D80D5F2C6C}" srcOrd="3" destOrd="0" presId="urn:microsoft.com/office/officeart/2005/8/layout/process5"/>
     <dgm:cxn modelId="{F46B4E95-0F64-9345-BECA-E6E6C097B095}" type="presParOf" srcId="{68291847-2827-4E4A-9A80-B1D80D5F2C6C}" destId="{CB57EFD0-052D-C946-9D0F-FB08C04166E4}" srcOrd="0" destOrd="0" presId="urn:microsoft.com/office/officeart/2005/8/layout/process5"/>
     <dgm:cxn modelId="{9197FEB7-DC7F-F447-B3C8-069DA85902BD}" type="presParOf" srcId="{37C18219-0C71-8D4F-88E1-F71D0DEDFAF7}" destId="{3F7B7726-E60A-8A4A-857C-FE4507FA1A77}" srcOrd="4" destOrd="0" presId="urn:microsoft.com/office/officeart/2005/8/layout/process5"/>
+  </dgm:cxnLst>
+  <dgm:bg/>
+  <dgm:whole/>
+  <dgm:extLst>
+    <a:ext uri="http://schemas.microsoft.com/office/drawing/2008/diagram">
+      <dsp:dataModelExt xmlns:dsp="http://schemas.microsoft.com/office/drawing/2008/diagram" relId="rId6" minVer="http://schemas.openxmlformats.org/drawingml/2006/diagram"/>
+    </a:ext>
+  </dgm:extLst>
+</dgm:dataModel>
+</file>
+
+<file path=ppt/diagrams/data2.xml><?xml version="1.0" encoding="utf-8"?>
+<dgm:dataModel xmlns:dgm="http://schemas.openxmlformats.org/drawingml/2006/diagram" xmlns:a="http://schemas.openxmlformats.org/drawingml/2006/main">
+  <dgm:ptLst>
+    <dgm:pt modelId="{71E74D17-32C1-40DB-9335-49B4C5DD9869}" type="doc">
+      <dgm:prSet loTypeId="urn:microsoft.com/office/officeart/2016/7/layout/LinearBlockProcessNumbered" loCatId="process" qsTypeId="urn:microsoft.com/office/officeart/2005/8/quickstyle/simple1" qsCatId="simple" csTypeId="urn:microsoft.com/office/officeart/2005/8/colors/colorful1" csCatId="colorful"/>
+      <dgm:spPr/>
+      <dgm:t>
+        <a:bodyPr/>
+        <a:lstStyle/>
+        <a:p>
+          <a:endParaRPr lang="en-US"/>
+        </a:p>
+      </dgm:t>
+    </dgm:pt>
+    <dgm:pt modelId="{2D85FF0C-1A13-4F2F-8E3A-24579211E9A2}">
+      <dgm:prSet/>
+      <dgm:spPr/>
+      <dgm:t>
+        <a:bodyPr/>
+        <a:lstStyle/>
+        <a:p>
+          <a:r>
+            <a:rPr lang="en-US"/>
+            <a:t>Accessibility</a:t>
+          </a:r>
+        </a:p>
+      </dgm:t>
+    </dgm:pt>
+    <dgm:pt modelId="{AB848588-DBF8-46E2-A80C-8426198ACD23}" type="parTrans" cxnId="{6EDF65D0-BE4E-43DE-9677-BB666E254A9F}">
+      <dgm:prSet/>
+      <dgm:spPr/>
+      <dgm:t>
+        <a:bodyPr/>
+        <a:lstStyle/>
+        <a:p>
+          <a:endParaRPr lang="en-US"/>
+        </a:p>
+      </dgm:t>
+    </dgm:pt>
+    <dgm:pt modelId="{CAFD5C96-61B9-4850-9D29-9E1062BAF326}" type="sibTrans" cxnId="{6EDF65D0-BE4E-43DE-9677-BB666E254A9F}">
+      <dgm:prSet phldrT="01" phldr="0"/>
+      <dgm:spPr/>
+      <dgm:t>
+        <a:bodyPr/>
+        <a:lstStyle/>
+        <a:p>
+          <a:r>
+            <a:rPr lang="en-US"/>
+            <a:t>01</a:t>
+          </a:r>
+        </a:p>
+      </dgm:t>
+    </dgm:pt>
+    <dgm:pt modelId="{587B646A-5C19-49C6-876B-B275FD527FE3}">
+      <dgm:prSet/>
+      <dgm:spPr/>
+      <dgm:t>
+        <a:bodyPr/>
+        <a:lstStyle/>
+        <a:p>
+          <a:r>
+            <a:rPr lang="en-US"/>
+            <a:t>COVID-19 accelerated streaming popularity</a:t>
+          </a:r>
+        </a:p>
+      </dgm:t>
+    </dgm:pt>
+    <dgm:pt modelId="{35A6C768-AC09-41FB-B0E1-D373C6A25894}" type="parTrans" cxnId="{0C4DC125-D24E-49C3-9151-68E4368408E2}">
+      <dgm:prSet/>
+      <dgm:spPr/>
+      <dgm:t>
+        <a:bodyPr/>
+        <a:lstStyle/>
+        <a:p>
+          <a:endParaRPr lang="en-US"/>
+        </a:p>
+      </dgm:t>
+    </dgm:pt>
+    <dgm:pt modelId="{8B15B291-5AD8-4ED0-824E-5468E9624BB8}" type="sibTrans" cxnId="{0C4DC125-D24E-49C3-9151-68E4368408E2}">
+      <dgm:prSet phldrT="02" phldr="0"/>
+      <dgm:spPr/>
+      <dgm:t>
+        <a:bodyPr/>
+        <a:lstStyle/>
+        <a:p>
+          <a:r>
+            <a:rPr lang="en-US"/>
+            <a:t>02</a:t>
+          </a:r>
+        </a:p>
+      </dgm:t>
+    </dgm:pt>
+    <dgm:pt modelId="{B67CFAD5-A28C-45C3-8966-62A38DE74981}">
+      <dgm:prSet/>
+      <dgm:spPr/>
+      <dgm:t>
+        <a:bodyPr/>
+        <a:lstStyle/>
+        <a:p>
+          <a:r>
+            <a:rPr lang="en-US"/>
+            <a:t>Increase in piracy due to price hikes</a:t>
+          </a:r>
+        </a:p>
+      </dgm:t>
+    </dgm:pt>
+    <dgm:pt modelId="{057AE6FD-1598-41A4-8F91-0A68A800E4D0}" type="parTrans" cxnId="{619D3DD5-77B2-4B23-B0C5-9CE34FF82914}">
+      <dgm:prSet/>
+      <dgm:spPr/>
+      <dgm:t>
+        <a:bodyPr/>
+        <a:lstStyle/>
+        <a:p>
+          <a:endParaRPr lang="en-US"/>
+        </a:p>
+      </dgm:t>
+    </dgm:pt>
+    <dgm:pt modelId="{4CDC6898-867A-4FF7-AAAB-FFEEDBF4FFBF}" type="sibTrans" cxnId="{619D3DD5-77B2-4B23-B0C5-9CE34FF82914}">
+      <dgm:prSet phldrT="03" phldr="0"/>
+      <dgm:spPr/>
+      <dgm:t>
+        <a:bodyPr/>
+        <a:lstStyle/>
+        <a:p>
+          <a:r>
+            <a:rPr lang="en-US"/>
+            <a:t>03</a:t>
+          </a:r>
+        </a:p>
+      </dgm:t>
+    </dgm:pt>
+    <dgm:pt modelId="{8311768B-6390-4C16-BB0E-739748C85270}">
+      <dgm:prSet/>
+      <dgm:spPr/>
+      <dgm:t>
+        <a:bodyPr/>
+        <a:lstStyle/>
+        <a:p>
+          <a:r>
+            <a:rPr lang="en-US"/>
+            <a:t>Platform loyalty through original series</a:t>
+          </a:r>
+        </a:p>
+      </dgm:t>
+    </dgm:pt>
+    <dgm:pt modelId="{17F724A9-1ACC-486D-B998-1F55AC946D6F}" type="parTrans" cxnId="{2C282DFD-7222-4AA5-99BB-81F88757D8C9}">
+      <dgm:prSet/>
+      <dgm:spPr/>
+      <dgm:t>
+        <a:bodyPr/>
+        <a:lstStyle/>
+        <a:p>
+          <a:endParaRPr lang="en-US"/>
+        </a:p>
+      </dgm:t>
+    </dgm:pt>
+    <dgm:pt modelId="{54809C06-AAB2-477F-8758-1B6ED8A7BC73}" type="sibTrans" cxnId="{2C282DFD-7222-4AA5-99BB-81F88757D8C9}">
+      <dgm:prSet phldrT="04" phldr="0"/>
+      <dgm:spPr/>
+      <dgm:t>
+        <a:bodyPr/>
+        <a:lstStyle/>
+        <a:p>
+          <a:r>
+            <a:rPr lang="en-US"/>
+            <a:t>04</a:t>
+          </a:r>
+        </a:p>
+      </dgm:t>
+    </dgm:pt>
+    <dgm:pt modelId="{B42A5385-D897-431B-A2CC-DBB2976D5179}">
+      <dgm:prSet/>
+      <dgm:spPr/>
+      <dgm:t>
+        <a:bodyPr/>
+        <a:lstStyle/>
+        <a:p>
+          <a:r>
+            <a:rPr lang="en-US"/>
+            <a:t>Reduced demand of physical media</a:t>
+          </a:r>
+        </a:p>
+      </dgm:t>
+    </dgm:pt>
+    <dgm:pt modelId="{30912DC1-0DB5-48B1-B755-CBA1767B93B0}" type="parTrans" cxnId="{EE83ED7F-6EF0-4DAA-9AAD-90CDD1CD4EE8}">
+      <dgm:prSet/>
+      <dgm:spPr/>
+      <dgm:t>
+        <a:bodyPr/>
+        <a:lstStyle/>
+        <a:p>
+          <a:endParaRPr lang="en-US"/>
+        </a:p>
+      </dgm:t>
+    </dgm:pt>
+    <dgm:pt modelId="{48B21EF2-DB62-4809-9197-FEDD4FF03126}" type="sibTrans" cxnId="{EE83ED7F-6EF0-4DAA-9AAD-90CDD1CD4EE8}">
+      <dgm:prSet phldrT="05" phldr="0"/>
+      <dgm:spPr/>
+      <dgm:t>
+        <a:bodyPr/>
+        <a:lstStyle/>
+        <a:p>
+          <a:r>
+            <a:rPr lang="en-US"/>
+            <a:t>05</a:t>
+          </a:r>
+        </a:p>
+      </dgm:t>
+    </dgm:pt>
+    <dgm:pt modelId="{2116BAC5-5607-AD4E-A79E-96F989F6E7FE}" type="pres">
+      <dgm:prSet presAssocID="{71E74D17-32C1-40DB-9335-49B4C5DD9869}" presName="Name0" presStyleCnt="0">
+        <dgm:presLayoutVars>
+          <dgm:animLvl val="lvl"/>
+          <dgm:resizeHandles val="exact"/>
+        </dgm:presLayoutVars>
+      </dgm:prSet>
+      <dgm:spPr/>
+    </dgm:pt>
+    <dgm:pt modelId="{48C108DE-0ECA-5044-8588-D1FC29AF426D}" type="pres">
+      <dgm:prSet presAssocID="{2D85FF0C-1A13-4F2F-8E3A-24579211E9A2}" presName="compositeNode" presStyleCnt="0">
+        <dgm:presLayoutVars>
+          <dgm:bulletEnabled val="1"/>
+        </dgm:presLayoutVars>
+      </dgm:prSet>
+      <dgm:spPr/>
+    </dgm:pt>
+    <dgm:pt modelId="{E6AF8508-21FA-084A-BC1E-B08AA82E6B5F}" type="pres">
+      <dgm:prSet presAssocID="{2D85FF0C-1A13-4F2F-8E3A-24579211E9A2}" presName="bgRect" presStyleLbl="alignNode1" presStyleIdx="0" presStyleCnt="5"/>
+      <dgm:spPr/>
+    </dgm:pt>
+    <dgm:pt modelId="{008AF6EB-101C-8F4D-8D7C-04BF40D4FEBB}" type="pres">
+      <dgm:prSet presAssocID="{CAFD5C96-61B9-4850-9D29-9E1062BAF326}" presName="sibTransNodeRect" presStyleLbl="alignNode1" presStyleIdx="0" presStyleCnt="5">
+        <dgm:presLayoutVars>
+          <dgm:chMax val="0"/>
+          <dgm:bulletEnabled val="1"/>
+        </dgm:presLayoutVars>
+      </dgm:prSet>
+      <dgm:spPr/>
+    </dgm:pt>
+    <dgm:pt modelId="{B8A9D1EE-EF9C-6148-B878-40638F5C3C18}" type="pres">
+      <dgm:prSet presAssocID="{2D85FF0C-1A13-4F2F-8E3A-24579211E9A2}" presName="nodeRect" presStyleLbl="alignNode1" presStyleIdx="0" presStyleCnt="5">
+        <dgm:presLayoutVars>
+          <dgm:bulletEnabled val="1"/>
+        </dgm:presLayoutVars>
+      </dgm:prSet>
+      <dgm:spPr/>
+    </dgm:pt>
+    <dgm:pt modelId="{4E4B0BD6-7D51-3A49-91C3-18D0462240A2}" type="pres">
+      <dgm:prSet presAssocID="{CAFD5C96-61B9-4850-9D29-9E1062BAF326}" presName="sibTrans" presStyleCnt="0"/>
+      <dgm:spPr/>
+    </dgm:pt>
+    <dgm:pt modelId="{77C84FD9-8461-9F41-9771-C3701A5879CA}" type="pres">
+      <dgm:prSet presAssocID="{587B646A-5C19-49C6-876B-B275FD527FE3}" presName="compositeNode" presStyleCnt="0">
+        <dgm:presLayoutVars>
+          <dgm:bulletEnabled val="1"/>
+        </dgm:presLayoutVars>
+      </dgm:prSet>
+      <dgm:spPr/>
+    </dgm:pt>
+    <dgm:pt modelId="{D362F117-9B78-E24F-87FD-58A3F9A6CF11}" type="pres">
+      <dgm:prSet presAssocID="{587B646A-5C19-49C6-876B-B275FD527FE3}" presName="bgRect" presStyleLbl="alignNode1" presStyleIdx="1" presStyleCnt="5"/>
+      <dgm:spPr/>
+    </dgm:pt>
+    <dgm:pt modelId="{7EAD27D4-D6E5-3248-9F20-6BFC7B07B06B}" type="pres">
+      <dgm:prSet presAssocID="{8B15B291-5AD8-4ED0-824E-5468E9624BB8}" presName="sibTransNodeRect" presStyleLbl="alignNode1" presStyleIdx="1" presStyleCnt="5">
+        <dgm:presLayoutVars>
+          <dgm:chMax val="0"/>
+          <dgm:bulletEnabled val="1"/>
+        </dgm:presLayoutVars>
+      </dgm:prSet>
+      <dgm:spPr/>
+    </dgm:pt>
+    <dgm:pt modelId="{8300AF97-3DB1-C34B-B63F-302B06FD5733}" type="pres">
+      <dgm:prSet presAssocID="{587B646A-5C19-49C6-876B-B275FD527FE3}" presName="nodeRect" presStyleLbl="alignNode1" presStyleIdx="1" presStyleCnt="5">
+        <dgm:presLayoutVars>
+          <dgm:bulletEnabled val="1"/>
+        </dgm:presLayoutVars>
+      </dgm:prSet>
+      <dgm:spPr/>
+    </dgm:pt>
+    <dgm:pt modelId="{9F157B0B-6E9D-184F-AA5B-BBD938A86259}" type="pres">
+      <dgm:prSet presAssocID="{8B15B291-5AD8-4ED0-824E-5468E9624BB8}" presName="sibTrans" presStyleCnt="0"/>
+      <dgm:spPr/>
+    </dgm:pt>
+    <dgm:pt modelId="{48AB696C-24D8-724D-8F2F-81F591F56890}" type="pres">
+      <dgm:prSet presAssocID="{B67CFAD5-A28C-45C3-8966-62A38DE74981}" presName="compositeNode" presStyleCnt="0">
+        <dgm:presLayoutVars>
+          <dgm:bulletEnabled val="1"/>
+        </dgm:presLayoutVars>
+      </dgm:prSet>
+      <dgm:spPr/>
+    </dgm:pt>
+    <dgm:pt modelId="{F852BACF-B6B2-B748-8DE0-CD7BF8DFBE45}" type="pres">
+      <dgm:prSet presAssocID="{B67CFAD5-A28C-45C3-8966-62A38DE74981}" presName="bgRect" presStyleLbl="alignNode1" presStyleIdx="2" presStyleCnt="5"/>
+      <dgm:spPr/>
+    </dgm:pt>
+    <dgm:pt modelId="{AAF28E41-9565-5842-861A-2F79A9945C98}" type="pres">
+      <dgm:prSet presAssocID="{4CDC6898-867A-4FF7-AAAB-FFEEDBF4FFBF}" presName="sibTransNodeRect" presStyleLbl="alignNode1" presStyleIdx="2" presStyleCnt="5">
+        <dgm:presLayoutVars>
+          <dgm:chMax val="0"/>
+          <dgm:bulletEnabled val="1"/>
+        </dgm:presLayoutVars>
+      </dgm:prSet>
+      <dgm:spPr/>
+    </dgm:pt>
+    <dgm:pt modelId="{AAF72317-3BCD-884A-92D9-0EAC0E1CBDB8}" type="pres">
+      <dgm:prSet presAssocID="{B67CFAD5-A28C-45C3-8966-62A38DE74981}" presName="nodeRect" presStyleLbl="alignNode1" presStyleIdx="2" presStyleCnt="5">
+        <dgm:presLayoutVars>
+          <dgm:bulletEnabled val="1"/>
+        </dgm:presLayoutVars>
+      </dgm:prSet>
+      <dgm:spPr/>
+    </dgm:pt>
+    <dgm:pt modelId="{9EF727B4-E16E-3D46-A51C-CAA7A27AB3AE}" type="pres">
+      <dgm:prSet presAssocID="{4CDC6898-867A-4FF7-AAAB-FFEEDBF4FFBF}" presName="sibTrans" presStyleCnt="0"/>
+      <dgm:spPr/>
+    </dgm:pt>
+    <dgm:pt modelId="{DABFA330-DEBD-0043-ACD1-86AC96D2E3D3}" type="pres">
+      <dgm:prSet presAssocID="{8311768B-6390-4C16-BB0E-739748C85270}" presName="compositeNode" presStyleCnt="0">
+        <dgm:presLayoutVars>
+          <dgm:bulletEnabled val="1"/>
+        </dgm:presLayoutVars>
+      </dgm:prSet>
+      <dgm:spPr/>
+    </dgm:pt>
+    <dgm:pt modelId="{883CC60E-E7FB-144A-9044-F3FA1C61C522}" type="pres">
+      <dgm:prSet presAssocID="{8311768B-6390-4C16-BB0E-739748C85270}" presName="bgRect" presStyleLbl="alignNode1" presStyleIdx="3" presStyleCnt="5"/>
+      <dgm:spPr/>
+    </dgm:pt>
+    <dgm:pt modelId="{CE03AFCD-BADC-A64F-BF4F-9675E13B1EF0}" type="pres">
+      <dgm:prSet presAssocID="{54809C06-AAB2-477F-8758-1B6ED8A7BC73}" presName="sibTransNodeRect" presStyleLbl="alignNode1" presStyleIdx="3" presStyleCnt="5">
+        <dgm:presLayoutVars>
+          <dgm:chMax val="0"/>
+          <dgm:bulletEnabled val="1"/>
+        </dgm:presLayoutVars>
+      </dgm:prSet>
+      <dgm:spPr/>
+    </dgm:pt>
+    <dgm:pt modelId="{892C13B1-C1F3-1144-8730-130BF6BF4415}" type="pres">
+      <dgm:prSet presAssocID="{8311768B-6390-4C16-BB0E-739748C85270}" presName="nodeRect" presStyleLbl="alignNode1" presStyleIdx="3" presStyleCnt="5">
+        <dgm:presLayoutVars>
+          <dgm:bulletEnabled val="1"/>
+        </dgm:presLayoutVars>
+      </dgm:prSet>
+      <dgm:spPr/>
+    </dgm:pt>
+    <dgm:pt modelId="{0E31803F-4849-7C4C-A0EF-64128D7ECA63}" type="pres">
+      <dgm:prSet presAssocID="{54809C06-AAB2-477F-8758-1B6ED8A7BC73}" presName="sibTrans" presStyleCnt="0"/>
+      <dgm:spPr/>
+    </dgm:pt>
+    <dgm:pt modelId="{212C85DF-232E-9C4D-8632-C9B8774AC51B}" type="pres">
+      <dgm:prSet presAssocID="{B42A5385-D897-431B-A2CC-DBB2976D5179}" presName="compositeNode" presStyleCnt="0">
+        <dgm:presLayoutVars>
+          <dgm:bulletEnabled val="1"/>
+        </dgm:presLayoutVars>
+      </dgm:prSet>
+      <dgm:spPr/>
+    </dgm:pt>
+    <dgm:pt modelId="{B86C0EDD-1134-6D47-BD25-34566A4AC637}" type="pres">
+      <dgm:prSet presAssocID="{B42A5385-D897-431B-A2CC-DBB2976D5179}" presName="bgRect" presStyleLbl="alignNode1" presStyleIdx="4" presStyleCnt="5"/>
+      <dgm:spPr/>
+    </dgm:pt>
+    <dgm:pt modelId="{B304EFC9-2DB5-8540-919B-B0D521F221EC}" type="pres">
+      <dgm:prSet presAssocID="{48B21EF2-DB62-4809-9197-FEDD4FF03126}" presName="sibTransNodeRect" presStyleLbl="alignNode1" presStyleIdx="4" presStyleCnt="5">
+        <dgm:presLayoutVars>
+          <dgm:chMax val="0"/>
+          <dgm:bulletEnabled val="1"/>
+        </dgm:presLayoutVars>
+      </dgm:prSet>
+      <dgm:spPr/>
+    </dgm:pt>
+    <dgm:pt modelId="{F99F09CA-FF31-1145-AA87-01B74946D529}" type="pres">
+      <dgm:prSet presAssocID="{B42A5385-D897-431B-A2CC-DBB2976D5179}" presName="nodeRect" presStyleLbl="alignNode1" presStyleIdx="4" presStyleCnt="5">
+        <dgm:presLayoutVars>
+          <dgm:bulletEnabled val="1"/>
+        </dgm:presLayoutVars>
+      </dgm:prSet>
+      <dgm:spPr/>
+    </dgm:pt>
+  </dgm:ptLst>
+  <dgm:cxnLst>
+    <dgm:cxn modelId="{E4AAF716-5369-0F47-ABE7-86544862EAD1}" type="presOf" srcId="{B42A5385-D897-431B-A2CC-DBB2976D5179}" destId="{B86C0EDD-1134-6D47-BD25-34566A4AC637}" srcOrd="0" destOrd="0" presId="urn:microsoft.com/office/officeart/2016/7/layout/LinearBlockProcessNumbered"/>
+    <dgm:cxn modelId="{3C550D19-2398-524A-9EE5-FBC879D3E153}" type="presOf" srcId="{71E74D17-32C1-40DB-9335-49B4C5DD9869}" destId="{2116BAC5-5607-AD4E-A79E-96F989F6E7FE}" srcOrd="0" destOrd="0" presId="urn:microsoft.com/office/officeart/2016/7/layout/LinearBlockProcessNumbered"/>
+    <dgm:cxn modelId="{0C4DC125-D24E-49C3-9151-68E4368408E2}" srcId="{71E74D17-32C1-40DB-9335-49B4C5DD9869}" destId="{587B646A-5C19-49C6-876B-B275FD527FE3}" srcOrd="1" destOrd="0" parTransId="{35A6C768-AC09-41FB-B0E1-D373C6A25894}" sibTransId="{8B15B291-5AD8-4ED0-824E-5468E9624BB8}"/>
+    <dgm:cxn modelId="{EF3B8C26-F85A-644C-8D5F-0D6C1C8245B7}" type="presOf" srcId="{B42A5385-D897-431B-A2CC-DBB2976D5179}" destId="{F99F09CA-FF31-1145-AA87-01B74946D529}" srcOrd="1" destOrd="0" presId="urn:microsoft.com/office/officeart/2016/7/layout/LinearBlockProcessNumbered"/>
+    <dgm:cxn modelId="{0FE7BA40-98B0-5D41-8420-9CEBEA011097}" type="presOf" srcId="{8B15B291-5AD8-4ED0-824E-5468E9624BB8}" destId="{7EAD27D4-D6E5-3248-9F20-6BFC7B07B06B}" srcOrd="0" destOrd="0" presId="urn:microsoft.com/office/officeart/2016/7/layout/LinearBlockProcessNumbered"/>
+    <dgm:cxn modelId="{5B0DEB48-996A-BB46-8CF7-4D5E455C7764}" type="presOf" srcId="{2D85FF0C-1A13-4F2F-8E3A-24579211E9A2}" destId="{B8A9D1EE-EF9C-6148-B878-40638F5C3C18}" srcOrd="1" destOrd="0" presId="urn:microsoft.com/office/officeart/2016/7/layout/LinearBlockProcessNumbered"/>
+    <dgm:cxn modelId="{73DB3F57-C691-5E4F-957C-C57F7896CAD1}" type="presOf" srcId="{587B646A-5C19-49C6-876B-B275FD527FE3}" destId="{D362F117-9B78-E24F-87FD-58A3F9A6CF11}" srcOrd="0" destOrd="0" presId="urn:microsoft.com/office/officeart/2016/7/layout/LinearBlockProcessNumbered"/>
+    <dgm:cxn modelId="{213BD265-2D78-A64C-9EBC-26F896973F7B}" type="presOf" srcId="{4CDC6898-867A-4FF7-AAAB-FFEEDBF4FFBF}" destId="{AAF28E41-9565-5842-861A-2F79A9945C98}" srcOrd="0" destOrd="0" presId="urn:microsoft.com/office/officeart/2016/7/layout/LinearBlockProcessNumbered"/>
+    <dgm:cxn modelId="{D1A0F466-E073-3447-837B-E5B3342E2790}" type="presOf" srcId="{8311768B-6390-4C16-BB0E-739748C85270}" destId="{892C13B1-C1F3-1144-8730-130BF6BF4415}" srcOrd="1" destOrd="0" presId="urn:microsoft.com/office/officeart/2016/7/layout/LinearBlockProcessNumbered"/>
+    <dgm:cxn modelId="{33984073-068D-1841-AC2D-B63F6BC7B20E}" type="presOf" srcId="{48B21EF2-DB62-4809-9197-FEDD4FF03126}" destId="{B304EFC9-2DB5-8540-919B-B0D521F221EC}" srcOrd="0" destOrd="0" presId="urn:microsoft.com/office/officeart/2016/7/layout/LinearBlockProcessNumbered"/>
+    <dgm:cxn modelId="{CC060B7A-40BF-244A-B13B-2E41EBA1DA9A}" type="presOf" srcId="{54809C06-AAB2-477F-8758-1B6ED8A7BC73}" destId="{CE03AFCD-BADC-A64F-BF4F-9675E13B1EF0}" srcOrd="0" destOrd="0" presId="urn:microsoft.com/office/officeart/2016/7/layout/LinearBlockProcessNumbered"/>
+    <dgm:cxn modelId="{EE83ED7F-6EF0-4DAA-9AAD-90CDD1CD4EE8}" srcId="{71E74D17-32C1-40DB-9335-49B4C5DD9869}" destId="{B42A5385-D897-431B-A2CC-DBB2976D5179}" srcOrd="4" destOrd="0" parTransId="{30912DC1-0DB5-48B1-B755-CBA1767B93B0}" sibTransId="{48B21EF2-DB62-4809-9197-FEDD4FF03126}"/>
+    <dgm:cxn modelId="{DB4B0880-F196-EC4D-A622-15201B3A797A}" type="presOf" srcId="{B67CFAD5-A28C-45C3-8966-62A38DE74981}" destId="{F852BACF-B6B2-B748-8DE0-CD7BF8DFBE45}" srcOrd="0" destOrd="0" presId="urn:microsoft.com/office/officeart/2016/7/layout/LinearBlockProcessNumbered"/>
+    <dgm:cxn modelId="{A664DDA8-8F36-114B-90EA-0B75FB614FDF}" type="presOf" srcId="{CAFD5C96-61B9-4850-9D29-9E1062BAF326}" destId="{008AF6EB-101C-8F4D-8D7C-04BF40D4FEBB}" srcOrd="0" destOrd="0" presId="urn:microsoft.com/office/officeart/2016/7/layout/LinearBlockProcessNumbered"/>
+    <dgm:cxn modelId="{79B7BDA9-9007-2346-AAAE-F1F551F55435}" type="presOf" srcId="{2D85FF0C-1A13-4F2F-8E3A-24579211E9A2}" destId="{E6AF8508-21FA-084A-BC1E-B08AA82E6B5F}" srcOrd="0" destOrd="0" presId="urn:microsoft.com/office/officeart/2016/7/layout/LinearBlockProcessNumbered"/>
+    <dgm:cxn modelId="{66ACC0AE-3553-EA4C-83D8-215E4C371C6C}" type="presOf" srcId="{8311768B-6390-4C16-BB0E-739748C85270}" destId="{883CC60E-E7FB-144A-9044-F3FA1C61C522}" srcOrd="0" destOrd="0" presId="urn:microsoft.com/office/officeart/2016/7/layout/LinearBlockProcessNumbered"/>
+    <dgm:cxn modelId="{AEB905B3-243F-9548-8625-390193275389}" type="presOf" srcId="{587B646A-5C19-49C6-876B-B275FD527FE3}" destId="{8300AF97-3DB1-C34B-B63F-302B06FD5733}" srcOrd="1" destOrd="0" presId="urn:microsoft.com/office/officeart/2016/7/layout/LinearBlockProcessNumbered"/>
+    <dgm:cxn modelId="{D77A4DBC-EE8C-D245-9823-0BF47B70D963}" type="presOf" srcId="{B67CFAD5-A28C-45C3-8966-62A38DE74981}" destId="{AAF72317-3BCD-884A-92D9-0EAC0E1CBDB8}" srcOrd="1" destOrd="0" presId="urn:microsoft.com/office/officeart/2016/7/layout/LinearBlockProcessNumbered"/>
+    <dgm:cxn modelId="{6EDF65D0-BE4E-43DE-9677-BB666E254A9F}" srcId="{71E74D17-32C1-40DB-9335-49B4C5DD9869}" destId="{2D85FF0C-1A13-4F2F-8E3A-24579211E9A2}" srcOrd="0" destOrd="0" parTransId="{AB848588-DBF8-46E2-A80C-8426198ACD23}" sibTransId="{CAFD5C96-61B9-4850-9D29-9E1062BAF326}"/>
+    <dgm:cxn modelId="{619D3DD5-77B2-4B23-B0C5-9CE34FF82914}" srcId="{71E74D17-32C1-40DB-9335-49B4C5DD9869}" destId="{B67CFAD5-A28C-45C3-8966-62A38DE74981}" srcOrd="2" destOrd="0" parTransId="{057AE6FD-1598-41A4-8F91-0A68A800E4D0}" sibTransId="{4CDC6898-867A-4FF7-AAAB-FFEEDBF4FFBF}"/>
+    <dgm:cxn modelId="{2C282DFD-7222-4AA5-99BB-81F88757D8C9}" srcId="{71E74D17-32C1-40DB-9335-49B4C5DD9869}" destId="{8311768B-6390-4C16-BB0E-739748C85270}" srcOrd="3" destOrd="0" parTransId="{17F724A9-1ACC-486D-B998-1F55AC946D6F}" sibTransId="{54809C06-AAB2-477F-8758-1B6ED8A7BC73}"/>
+    <dgm:cxn modelId="{3CDF2C08-A33A-5B42-A874-BB3089EA9E60}" type="presParOf" srcId="{2116BAC5-5607-AD4E-A79E-96F989F6E7FE}" destId="{48C108DE-0ECA-5044-8588-D1FC29AF426D}" srcOrd="0" destOrd="0" presId="urn:microsoft.com/office/officeart/2016/7/layout/LinearBlockProcessNumbered"/>
+    <dgm:cxn modelId="{0C6A90FA-CBED-7545-AEE2-DFC35723F9F6}" type="presParOf" srcId="{48C108DE-0ECA-5044-8588-D1FC29AF426D}" destId="{E6AF8508-21FA-084A-BC1E-B08AA82E6B5F}" srcOrd="0" destOrd="0" presId="urn:microsoft.com/office/officeart/2016/7/layout/LinearBlockProcessNumbered"/>
+    <dgm:cxn modelId="{00ABA512-78D8-7747-BCAB-157FC4DFD7DB}" type="presParOf" srcId="{48C108DE-0ECA-5044-8588-D1FC29AF426D}" destId="{008AF6EB-101C-8F4D-8D7C-04BF40D4FEBB}" srcOrd="1" destOrd="0" presId="urn:microsoft.com/office/officeart/2016/7/layout/LinearBlockProcessNumbered"/>
+    <dgm:cxn modelId="{16749A70-51FF-104A-9F2A-3CD37A58CBB1}" type="presParOf" srcId="{48C108DE-0ECA-5044-8588-D1FC29AF426D}" destId="{B8A9D1EE-EF9C-6148-B878-40638F5C3C18}" srcOrd="2" destOrd="0" presId="urn:microsoft.com/office/officeart/2016/7/layout/LinearBlockProcessNumbered"/>
+    <dgm:cxn modelId="{D67EE180-5BE8-A54A-AA20-A7308AFCECA9}" type="presParOf" srcId="{2116BAC5-5607-AD4E-A79E-96F989F6E7FE}" destId="{4E4B0BD6-7D51-3A49-91C3-18D0462240A2}" srcOrd="1" destOrd="0" presId="urn:microsoft.com/office/officeart/2016/7/layout/LinearBlockProcessNumbered"/>
+    <dgm:cxn modelId="{5CF90401-BAC4-3E42-B53F-74A6A0BE620F}" type="presParOf" srcId="{2116BAC5-5607-AD4E-A79E-96F989F6E7FE}" destId="{77C84FD9-8461-9F41-9771-C3701A5879CA}" srcOrd="2" destOrd="0" presId="urn:microsoft.com/office/officeart/2016/7/layout/LinearBlockProcessNumbered"/>
+    <dgm:cxn modelId="{7DB2C28E-71BF-5648-BA02-13AFA34C9DE3}" type="presParOf" srcId="{77C84FD9-8461-9F41-9771-C3701A5879CA}" destId="{D362F117-9B78-E24F-87FD-58A3F9A6CF11}" srcOrd="0" destOrd="0" presId="urn:microsoft.com/office/officeart/2016/7/layout/LinearBlockProcessNumbered"/>
+    <dgm:cxn modelId="{94698007-FF74-EC40-94A9-755030BB63E6}" type="presParOf" srcId="{77C84FD9-8461-9F41-9771-C3701A5879CA}" destId="{7EAD27D4-D6E5-3248-9F20-6BFC7B07B06B}" srcOrd="1" destOrd="0" presId="urn:microsoft.com/office/officeart/2016/7/layout/LinearBlockProcessNumbered"/>
+    <dgm:cxn modelId="{19C1F0C8-2DC5-9142-959E-4CE40FE1037D}" type="presParOf" srcId="{77C84FD9-8461-9F41-9771-C3701A5879CA}" destId="{8300AF97-3DB1-C34B-B63F-302B06FD5733}" srcOrd="2" destOrd="0" presId="urn:microsoft.com/office/officeart/2016/7/layout/LinearBlockProcessNumbered"/>
+    <dgm:cxn modelId="{796A92B8-439F-3C49-A308-945CD9C66A7A}" type="presParOf" srcId="{2116BAC5-5607-AD4E-A79E-96F989F6E7FE}" destId="{9F157B0B-6E9D-184F-AA5B-BBD938A86259}" srcOrd="3" destOrd="0" presId="urn:microsoft.com/office/officeart/2016/7/layout/LinearBlockProcessNumbered"/>
+    <dgm:cxn modelId="{3E0A72E7-51A6-CB4F-9048-5135CE727FB3}" type="presParOf" srcId="{2116BAC5-5607-AD4E-A79E-96F989F6E7FE}" destId="{48AB696C-24D8-724D-8F2F-81F591F56890}" srcOrd="4" destOrd="0" presId="urn:microsoft.com/office/officeart/2016/7/layout/LinearBlockProcessNumbered"/>
+    <dgm:cxn modelId="{94DC542E-33BD-7949-8A6A-74D8D1C213AA}" type="presParOf" srcId="{48AB696C-24D8-724D-8F2F-81F591F56890}" destId="{F852BACF-B6B2-B748-8DE0-CD7BF8DFBE45}" srcOrd="0" destOrd="0" presId="urn:microsoft.com/office/officeart/2016/7/layout/LinearBlockProcessNumbered"/>
+    <dgm:cxn modelId="{BD254B40-CF3E-4B4F-9898-959F837D8596}" type="presParOf" srcId="{48AB696C-24D8-724D-8F2F-81F591F56890}" destId="{AAF28E41-9565-5842-861A-2F79A9945C98}" srcOrd="1" destOrd="0" presId="urn:microsoft.com/office/officeart/2016/7/layout/LinearBlockProcessNumbered"/>
+    <dgm:cxn modelId="{B01FAC0B-0AC8-804E-A5C7-DAEDF5754C16}" type="presParOf" srcId="{48AB696C-24D8-724D-8F2F-81F591F56890}" destId="{AAF72317-3BCD-884A-92D9-0EAC0E1CBDB8}" srcOrd="2" destOrd="0" presId="urn:microsoft.com/office/officeart/2016/7/layout/LinearBlockProcessNumbered"/>
+    <dgm:cxn modelId="{BC8C6FD2-822E-5546-9351-8058C3D7720D}" type="presParOf" srcId="{2116BAC5-5607-AD4E-A79E-96F989F6E7FE}" destId="{9EF727B4-E16E-3D46-A51C-CAA7A27AB3AE}" srcOrd="5" destOrd="0" presId="urn:microsoft.com/office/officeart/2016/7/layout/LinearBlockProcessNumbered"/>
+    <dgm:cxn modelId="{6B93E4E2-576D-B14F-9717-7A5F0911D068}" type="presParOf" srcId="{2116BAC5-5607-AD4E-A79E-96F989F6E7FE}" destId="{DABFA330-DEBD-0043-ACD1-86AC96D2E3D3}" srcOrd="6" destOrd="0" presId="urn:microsoft.com/office/officeart/2016/7/layout/LinearBlockProcessNumbered"/>
+    <dgm:cxn modelId="{AB2FCD21-1E59-FF4A-BC67-5931F7A83751}" type="presParOf" srcId="{DABFA330-DEBD-0043-ACD1-86AC96D2E3D3}" destId="{883CC60E-E7FB-144A-9044-F3FA1C61C522}" srcOrd="0" destOrd="0" presId="urn:microsoft.com/office/officeart/2016/7/layout/LinearBlockProcessNumbered"/>
+    <dgm:cxn modelId="{74F6DF28-7017-D84B-9B19-EA8483F1DC5E}" type="presParOf" srcId="{DABFA330-DEBD-0043-ACD1-86AC96D2E3D3}" destId="{CE03AFCD-BADC-A64F-BF4F-9675E13B1EF0}" srcOrd="1" destOrd="0" presId="urn:microsoft.com/office/officeart/2016/7/layout/LinearBlockProcessNumbered"/>
+    <dgm:cxn modelId="{88E5C88B-631F-A944-A307-3C4FF30C94BB}" type="presParOf" srcId="{DABFA330-DEBD-0043-ACD1-86AC96D2E3D3}" destId="{892C13B1-C1F3-1144-8730-130BF6BF4415}" srcOrd="2" destOrd="0" presId="urn:microsoft.com/office/officeart/2016/7/layout/LinearBlockProcessNumbered"/>
+    <dgm:cxn modelId="{E6CC99CB-386D-D745-B63C-4342D3DD93AC}" type="presParOf" srcId="{2116BAC5-5607-AD4E-A79E-96F989F6E7FE}" destId="{0E31803F-4849-7C4C-A0EF-64128D7ECA63}" srcOrd="7" destOrd="0" presId="urn:microsoft.com/office/officeart/2016/7/layout/LinearBlockProcessNumbered"/>
+    <dgm:cxn modelId="{17A03C8C-4081-7247-8028-E783F8B5D12D}" type="presParOf" srcId="{2116BAC5-5607-AD4E-A79E-96F989F6E7FE}" destId="{212C85DF-232E-9C4D-8632-C9B8774AC51B}" srcOrd="8" destOrd="0" presId="urn:microsoft.com/office/officeart/2016/7/layout/LinearBlockProcessNumbered"/>
+    <dgm:cxn modelId="{4300703E-D1B3-734D-8845-FAB7F13A4FD0}" type="presParOf" srcId="{212C85DF-232E-9C4D-8632-C9B8774AC51B}" destId="{B86C0EDD-1134-6D47-BD25-34566A4AC637}" srcOrd="0" destOrd="0" presId="urn:microsoft.com/office/officeart/2016/7/layout/LinearBlockProcessNumbered"/>
+    <dgm:cxn modelId="{C09423DB-CEB0-994F-9AC2-EF23D4A8DFB5}" type="presParOf" srcId="{212C85DF-232E-9C4D-8632-C9B8774AC51B}" destId="{B304EFC9-2DB5-8540-919B-B0D521F221EC}" srcOrd="1" destOrd="0" presId="urn:microsoft.com/office/officeart/2016/7/layout/LinearBlockProcessNumbered"/>
+    <dgm:cxn modelId="{6BC70C0C-8C12-AB4D-A90A-7B50FB4F5C08}" type="presParOf" srcId="{212C85DF-232E-9C4D-8632-C9B8774AC51B}" destId="{F99F09CA-FF31-1145-AA87-01B74946D529}" srcOrd="2" destOrd="0" presId="urn:microsoft.com/office/officeart/2016/7/layout/LinearBlockProcessNumbered"/>
+  </dgm:cxnLst>
+  <dgm:bg/>
+  <dgm:whole/>
+  <dgm:extLst>
+    <a:ext uri="http://schemas.microsoft.com/office/drawing/2008/diagram">
+      <dsp:dataModelExt xmlns:dsp="http://schemas.microsoft.com/office/drawing/2008/diagram" relId="rId6" minVer="http://schemas.openxmlformats.org/drawingml/2006/diagram"/>
+    </a:ext>
+  </dgm:extLst>
+</dgm:dataModel>
+</file>
+
+<file path=ppt/diagrams/data3.xml><?xml version="1.0" encoding="utf-8"?>
+<dgm:dataModel xmlns:dgm="http://schemas.openxmlformats.org/drawingml/2006/diagram" xmlns:a="http://schemas.openxmlformats.org/drawingml/2006/main">
+  <dgm:ptLst>
+    <dgm:pt modelId="{E3038ED6-C34C-4B2D-A170-64F9C18E884B}" type="doc">
+      <dgm:prSet loTypeId="urn:microsoft.com/office/officeart/2005/8/layout/vList2" loCatId="list" qsTypeId="urn:microsoft.com/office/officeart/2005/8/quickstyle/simple1" qsCatId="simple" csTypeId="urn:microsoft.com/office/officeart/2005/8/colors/accent1_2" csCatId="accent1"/>
+      <dgm:spPr/>
+      <dgm:t>
+        <a:bodyPr/>
+        <a:lstStyle/>
+        <a:p>
+          <a:endParaRPr lang="en-US"/>
+        </a:p>
+      </dgm:t>
+    </dgm:pt>
+    <dgm:pt modelId="{F0218DBA-7F8F-4A0D-BFDB-5C7A8CAA8ED0}">
+      <dgm:prSet/>
+      <dgm:spPr/>
+      <dgm:t>
+        <a:bodyPr/>
+        <a:lstStyle/>
+        <a:p>
+          <a:r>
+            <a:rPr lang="en-US"/>
+            <a:t>Dark patterns make cancellation difficult</a:t>
+          </a:r>
+        </a:p>
+      </dgm:t>
+    </dgm:pt>
+    <dgm:pt modelId="{6C1814D4-3AF8-4F42-A433-4891F051AA12}" type="parTrans" cxnId="{BA4B204C-C318-4AF1-806E-D3DF1341B06B}">
+      <dgm:prSet/>
+      <dgm:spPr/>
+      <dgm:t>
+        <a:bodyPr/>
+        <a:lstStyle/>
+        <a:p>
+          <a:endParaRPr lang="en-US"/>
+        </a:p>
+      </dgm:t>
+    </dgm:pt>
+    <dgm:pt modelId="{FD645225-698A-4624-8AC4-73B897ED9CFE}" type="sibTrans" cxnId="{BA4B204C-C318-4AF1-806E-D3DF1341B06B}">
+      <dgm:prSet/>
+      <dgm:spPr/>
+      <dgm:t>
+        <a:bodyPr/>
+        <a:lstStyle/>
+        <a:p>
+          <a:endParaRPr lang="en-US"/>
+        </a:p>
+      </dgm:t>
+    </dgm:pt>
+    <dgm:pt modelId="{30E5CAEA-3AA7-4994-A321-2049B8997147}">
+      <dgm:prSet/>
+      <dgm:spPr/>
+      <dgm:t>
+        <a:bodyPr/>
+        <a:lstStyle/>
+        <a:p>
+          <a:r>
+            <a:rPr lang="en-US"/>
+            <a:t>Privacy concerns</a:t>
+          </a:r>
+        </a:p>
+      </dgm:t>
+    </dgm:pt>
+    <dgm:pt modelId="{E0C85F54-44DC-417A-92F9-A270FF176F85}" type="parTrans" cxnId="{B82A3A26-9B60-42B0-81B5-050CBF7A61DE}">
+      <dgm:prSet/>
+      <dgm:spPr/>
+      <dgm:t>
+        <a:bodyPr/>
+        <a:lstStyle/>
+        <a:p>
+          <a:endParaRPr lang="en-US"/>
+        </a:p>
+      </dgm:t>
+    </dgm:pt>
+    <dgm:pt modelId="{23421743-2D10-4729-B49B-2FE399F51876}" type="sibTrans" cxnId="{B82A3A26-9B60-42B0-81B5-050CBF7A61DE}">
+      <dgm:prSet/>
+      <dgm:spPr/>
+      <dgm:t>
+        <a:bodyPr/>
+        <a:lstStyle/>
+        <a:p>
+          <a:endParaRPr lang="en-US"/>
+        </a:p>
+      </dgm:t>
+    </dgm:pt>
+    <dgm:pt modelId="{A9946978-5D40-490B-A1E8-13D0BCC9F960}">
+      <dgm:prSet/>
+      <dgm:spPr/>
+      <dgm:t>
+        <a:bodyPr/>
+        <a:lstStyle/>
+        <a:p>
+          <a:r>
+            <a:rPr lang="en-US"/>
+            <a:t>Pay disputes</a:t>
+          </a:r>
+        </a:p>
+      </dgm:t>
+    </dgm:pt>
+    <dgm:pt modelId="{94C27CDF-5CC5-4898-A4E8-8B0791B51098}" type="parTrans" cxnId="{B99F8C41-A38C-4A07-B254-C7A41968C3AE}">
+      <dgm:prSet/>
+      <dgm:spPr/>
+      <dgm:t>
+        <a:bodyPr/>
+        <a:lstStyle/>
+        <a:p>
+          <a:endParaRPr lang="en-US"/>
+        </a:p>
+      </dgm:t>
+    </dgm:pt>
+    <dgm:pt modelId="{855BCB4E-4BB1-4760-9C47-64D74AFD64E0}" type="sibTrans" cxnId="{B99F8C41-A38C-4A07-B254-C7A41968C3AE}">
+      <dgm:prSet/>
+      <dgm:spPr/>
+      <dgm:t>
+        <a:bodyPr/>
+        <a:lstStyle/>
+        <a:p>
+          <a:endParaRPr lang="en-US"/>
+        </a:p>
+      </dgm:t>
+    </dgm:pt>
+    <dgm:pt modelId="{AC3B0E37-6D14-4E8F-A48C-814A1303C166}">
+      <dgm:prSet/>
+      <dgm:spPr/>
+      <dgm:t>
+        <a:bodyPr/>
+        <a:lstStyle/>
+        <a:p>
+          <a:r>
+            <a:rPr lang="en-US"/>
+            <a:t>Environmental impact</a:t>
+          </a:r>
+        </a:p>
+      </dgm:t>
+    </dgm:pt>
+    <dgm:pt modelId="{C9CB2EAC-A232-4043-B08B-9265E5942EF1}" type="parTrans" cxnId="{4782B7FC-031A-4E7B-AA9D-2B48EE082AEF}">
+      <dgm:prSet/>
+      <dgm:spPr/>
+      <dgm:t>
+        <a:bodyPr/>
+        <a:lstStyle/>
+        <a:p>
+          <a:endParaRPr lang="en-US"/>
+        </a:p>
+      </dgm:t>
+    </dgm:pt>
+    <dgm:pt modelId="{A75CF07A-7D73-49A8-B96C-C100872E12F2}" type="sibTrans" cxnId="{4782B7FC-031A-4E7B-AA9D-2B48EE082AEF}">
+      <dgm:prSet/>
+      <dgm:spPr/>
+      <dgm:t>
+        <a:bodyPr/>
+        <a:lstStyle/>
+        <a:p>
+          <a:endParaRPr lang="en-US"/>
+        </a:p>
+      </dgm:t>
+    </dgm:pt>
+    <dgm:pt modelId="{04CCE873-705E-4B52-BFB8-8C843D3FCD45}">
+      <dgm:prSet/>
+      <dgm:spPr/>
+      <dgm:t>
+        <a:bodyPr/>
+        <a:lstStyle/>
+        <a:p>
+          <a:r>
+            <a:rPr lang="en-US"/>
+            <a:t>Content can disappear at any time</a:t>
+          </a:r>
+        </a:p>
+      </dgm:t>
+    </dgm:pt>
+    <dgm:pt modelId="{06D54078-DC8C-4CF3-AE82-6607CFA474FC}" type="parTrans" cxnId="{4E4F17D2-1C43-4698-A2E5-803A41122980}">
+      <dgm:prSet/>
+      <dgm:spPr/>
+      <dgm:t>
+        <a:bodyPr/>
+        <a:lstStyle/>
+        <a:p>
+          <a:endParaRPr lang="en-US"/>
+        </a:p>
+      </dgm:t>
+    </dgm:pt>
+    <dgm:pt modelId="{5036D40E-4C91-46D8-8C60-3B797DE11873}" type="sibTrans" cxnId="{4E4F17D2-1C43-4698-A2E5-803A41122980}">
+      <dgm:prSet/>
+      <dgm:spPr/>
+      <dgm:t>
+        <a:bodyPr/>
+        <a:lstStyle/>
+        <a:p>
+          <a:endParaRPr lang="en-US"/>
+        </a:p>
+      </dgm:t>
+    </dgm:pt>
+    <dgm:pt modelId="{128896C4-E601-FC41-B955-53F64A48652D}" type="pres">
+      <dgm:prSet presAssocID="{E3038ED6-C34C-4B2D-A170-64F9C18E884B}" presName="linear" presStyleCnt="0">
+        <dgm:presLayoutVars>
+          <dgm:animLvl val="lvl"/>
+          <dgm:resizeHandles val="exact"/>
+        </dgm:presLayoutVars>
+      </dgm:prSet>
+      <dgm:spPr/>
+    </dgm:pt>
+    <dgm:pt modelId="{FDCB049F-0D16-904C-A962-90BDC03BF72C}" type="pres">
+      <dgm:prSet presAssocID="{F0218DBA-7F8F-4A0D-BFDB-5C7A8CAA8ED0}" presName="parentText" presStyleLbl="node1" presStyleIdx="0" presStyleCnt="5">
+        <dgm:presLayoutVars>
+          <dgm:chMax val="0"/>
+          <dgm:bulletEnabled val="1"/>
+        </dgm:presLayoutVars>
+      </dgm:prSet>
+      <dgm:spPr/>
+    </dgm:pt>
+    <dgm:pt modelId="{9F5520C0-B3FC-0540-8BEB-C043175835F4}" type="pres">
+      <dgm:prSet presAssocID="{FD645225-698A-4624-8AC4-73B897ED9CFE}" presName="spacer" presStyleCnt="0"/>
+      <dgm:spPr/>
+    </dgm:pt>
+    <dgm:pt modelId="{EFFA7940-1F51-EA46-8153-21C7188FD78B}" type="pres">
+      <dgm:prSet presAssocID="{30E5CAEA-3AA7-4994-A321-2049B8997147}" presName="parentText" presStyleLbl="node1" presStyleIdx="1" presStyleCnt="5">
+        <dgm:presLayoutVars>
+          <dgm:chMax val="0"/>
+          <dgm:bulletEnabled val="1"/>
+        </dgm:presLayoutVars>
+      </dgm:prSet>
+      <dgm:spPr/>
+    </dgm:pt>
+    <dgm:pt modelId="{3615D606-4E9C-3F4F-AD5B-D750B48B56C4}" type="pres">
+      <dgm:prSet presAssocID="{23421743-2D10-4729-B49B-2FE399F51876}" presName="spacer" presStyleCnt="0"/>
+      <dgm:spPr/>
+    </dgm:pt>
+    <dgm:pt modelId="{5844E3CB-A280-714A-ABF7-8B56DB23E8C5}" type="pres">
+      <dgm:prSet presAssocID="{A9946978-5D40-490B-A1E8-13D0BCC9F960}" presName="parentText" presStyleLbl="node1" presStyleIdx="2" presStyleCnt="5">
+        <dgm:presLayoutVars>
+          <dgm:chMax val="0"/>
+          <dgm:bulletEnabled val="1"/>
+        </dgm:presLayoutVars>
+      </dgm:prSet>
+      <dgm:spPr/>
+    </dgm:pt>
+    <dgm:pt modelId="{B8EC339D-D208-0645-94C7-24EBAED2A9BD}" type="pres">
+      <dgm:prSet presAssocID="{855BCB4E-4BB1-4760-9C47-64D74AFD64E0}" presName="spacer" presStyleCnt="0"/>
+      <dgm:spPr/>
+    </dgm:pt>
+    <dgm:pt modelId="{D1834EB3-76CE-8C48-888D-9F058CA99D33}" type="pres">
+      <dgm:prSet presAssocID="{AC3B0E37-6D14-4E8F-A48C-814A1303C166}" presName="parentText" presStyleLbl="node1" presStyleIdx="3" presStyleCnt="5">
+        <dgm:presLayoutVars>
+          <dgm:chMax val="0"/>
+          <dgm:bulletEnabled val="1"/>
+        </dgm:presLayoutVars>
+      </dgm:prSet>
+      <dgm:spPr/>
+    </dgm:pt>
+    <dgm:pt modelId="{7FB6D6DD-1895-3947-A925-454157814E64}" type="pres">
+      <dgm:prSet presAssocID="{A75CF07A-7D73-49A8-B96C-C100872E12F2}" presName="spacer" presStyleCnt="0"/>
+      <dgm:spPr/>
+    </dgm:pt>
+    <dgm:pt modelId="{44AC0559-AE0C-CD43-AA43-F9E1B6691E3D}" type="pres">
+      <dgm:prSet presAssocID="{04CCE873-705E-4B52-BFB8-8C843D3FCD45}" presName="parentText" presStyleLbl="node1" presStyleIdx="4" presStyleCnt="5">
+        <dgm:presLayoutVars>
+          <dgm:chMax val="0"/>
+          <dgm:bulletEnabled val="1"/>
+        </dgm:presLayoutVars>
+      </dgm:prSet>
+      <dgm:spPr/>
+    </dgm:pt>
+  </dgm:ptLst>
+  <dgm:cxnLst>
+    <dgm:cxn modelId="{B82A3A26-9B60-42B0-81B5-050CBF7A61DE}" srcId="{E3038ED6-C34C-4B2D-A170-64F9C18E884B}" destId="{30E5CAEA-3AA7-4994-A321-2049B8997147}" srcOrd="1" destOrd="0" parTransId="{E0C85F54-44DC-417A-92F9-A270FF176F85}" sibTransId="{23421743-2D10-4729-B49B-2FE399F51876}"/>
+    <dgm:cxn modelId="{DA74C53A-F266-BC43-837C-DC2143248BC4}" type="presOf" srcId="{04CCE873-705E-4B52-BFB8-8C843D3FCD45}" destId="{44AC0559-AE0C-CD43-AA43-F9E1B6691E3D}" srcOrd="0" destOrd="0" presId="urn:microsoft.com/office/officeart/2005/8/layout/vList2"/>
+    <dgm:cxn modelId="{B99F8C41-A38C-4A07-B254-C7A41968C3AE}" srcId="{E3038ED6-C34C-4B2D-A170-64F9C18E884B}" destId="{A9946978-5D40-490B-A1E8-13D0BCC9F960}" srcOrd="2" destOrd="0" parTransId="{94C27CDF-5CC5-4898-A4E8-8B0791B51098}" sibTransId="{855BCB4E-4BB1-4760-9C47-64D74AFD64E0}"/>
+    <dgm:cxn modelId="{BA4B204C-C318-4AF1-806E-D3DF1341B06B}" srcId="{E3038ED6-C34C-4B2D-A170-64F9C18E884B}" destId="{F0218DBA-7F8F-4A0D-BFDB-5C7A8CAA8ED0}" srcOrd="0" destOrd="0" parTransId="{6C1814D4-3AF8-4F42-A433-4891F051AA12}" sibTransId="{FD645225-698A-4624-8AC4-73B897ED9CFE}"/>
+    <dgm:cxn modelId="{A12B3A94-2CC1-3543-880B-4F831FDCCE6A}" type="presOf" srcId="{30E5CAEA-3AA7-4994-A321-2049B8997147}" destId="{EFFA7940-1F51-EA46-8153-21C7188FD78B}" srcOrd="0" destOrd="0" presId="urn:microsoft.com/office/officeart/2005/8/layout/vList2"/>
+    <dgm:cxn modelId="{F4C4AC9A-746D-F948-AA9F-8781C531EBAF}" type="presOf" srcId="{A9946978-5D40-490B-A1E8-13D0BCC9F960}" destId="{5844E3CB-A280-714A-ABF7-8B56DB23E8C5}" srcOrd="0" destOrd="0" presId="urn:microsoft.com/office/officeart/2005/8/layout/vList2"/>
+    <dgm:cxn modelId="{EB97209B-5DEC-2140-847F-694AB55F1D13}" type="presOf" srcId="{E3038ED6-C34C-4B2D-A170-64F9C18E884B}" destId="{128896C4-E601-FC41-B955-53F64A48652D}" srcOrd="0" destOrd="0" presId="urn:microsoft.com/office/officeart/2005/8/layout/vList2"/>
+    <dgm:cxn modelId="{943488BB-E876-6B47-A533-3F1C63D92461}" type="presOf" srcId="{AC3B0E37-6D14-4E8F-A48C-814A1303C166}" destId="{D1834EB3-76CE-8C48-888D-9F058CA99D33}" srcOrd="0" destOrd="0" presId="urn:microsoft.com/office/officeart/2005/8/layout/vList2"/>
+    <dgm:cxn modelId="{80EFDCC8-7DD1-684D-B65C-8E8D4571E47D}" type="presOf" srcId="{F0218DBA-7F8F-4A0D-BFDB-5C7A8CAA8ED0}" destId="{FDCB049F-0D16-904C-A962-90BDC03BF72C}" srcOrd="0" destOrd="0" presId="urn:microsoft.com/office/officeart/2005/8/layout/vList2"/>
+    <dgm:cxn modelId="{4E4F17D2-1C43-4698-A2E5-803A41122980}" srcId="{E3038ED6-C34C-4B2D-A170-64F9C18E884B}" destId="{04CCE873-705E-4B52-BFB8-8C843D3FCD45}" srcOrd="4" destOrd="0" parTransId="{06D54078-DC8C-4CF3-AE82-6607CFA474FC}" sibTransId="{5036D40E-4C91-46D8-8C60-3B797DE11873}"/>
+    <dgm:cxn modelId="{4782B7FC-031A-4E7B-AA9D-2B48EE082AEF}" srcId="{E3038ED6-C34C-4B2D-A170-64F9C18E884B}" destId="{AC3B0E37-6D14-4E8F-A48C-814A1303C166}" srcOrd="3" destOrd="0" parTransId="{C9CB2EAC-A232-4043-B08B-9265E5942EF1}" sibTransId="{A75CF07A-7D73-49A8-B96C-C100872E12F2}"/>
+    <dgm:cxn modelId="{16BA4E48-7771-9B4A-B969-A5AF4C486C73}" type="presParOf" srcId="{128896C4-E601-FC41-B955-53F64A48652D}" destId="{FDCB049F-0D16-904C-A962-90BDC03BF72C}" srcOrd="0" destOrd="0" presId="urn:microsoft.com/office/officeart/2005/8/layout/vList2"/>
+    <dgm:cxn modelId="{087F9C55-E040-8B45-A968-509C679E44C4}" type="presParOf" srcId="{128896C4-E601-FC41-B955-53F64A48652D}" destId="{9F5520C0-B3FC-0540-8BEB-C043175835F4}" srcOrd="1" destOrd="0" presId="urn:microsoft.com/office/officeart/2005/8/layout/vList2"/>
+    <dgm:cxn modelId="{748E22DD-BD9A-BC46-A619-8E9E18FD07BA}" type="presParOf" srcId="{128896C4-E601-FC41-B955-53F64A48652D}" destId="{EFFA7940-1F51-EA46-8153-21C7188FD78B}" srcOrd="2" destOrd="0" presId="urn:microsoft.com/office/officeart/2005/8/layout/vList2"/>
+    <dgm:cxn modelId="{AEA13B6E-F298-884B-B38D-B1D5F919BEB8}" type="presParOf" srcId="{128896C4-E601-FC41-B955-53F64A48652D}" destId="{3615D606-4E9C-3F4F-AD5B-D750B48B56C4}" srcOrd="3" destOrd="0" presId="urn:microsoft.com/office/officeart/2005/8/layout/vList2"/>
+    <dgm:cxn modelId="{485A94CB-BDE5-2D4F-828A-6722A006DD4B}" type="presParOf" srcId="{128896C4-E601-FC41-B955-53F64A48652D}" destId="{5844E3CB-A280-714A-ABF7-8B56DB23E8C5}" srcOrd="4" destOrd="0" presId="urn:microsoft.com/office/officeart/2005/8/layout/vList2"/>
+    <dgm:cxn modelId="{157DD921-1FF8-D748-8415-127AD243C097}" type="presParOf" srcId="{128896C4-E601-FC41-B955-53F64A48652D}" destId="{B8EC339D-D208-0645-94C7-24EBAED2A9BD}" srcOrd="5" destOrd="0" presId="urn:microsoft.com/office/officeart/2005/8/layout/vList2"/>
+    <dgm:cxn modelId="{F3EB8389-01C7-C446-BC76-AE24F76F93D6}" type="presParOf" srcId="{128896C4-E601-FC41-B955-53F64A48652D}" destId="{D1834EB3-76CE-8C48-888D-9F058CA99D33}" srcOrd="6" destOrd="0" presId="urn:microsoft.com/office/officeart/2005/8/layout/vList2"/>
+    <dgm:cxn modelId="{61403803-002F-C548-B9EF-EAA6AC390AD1}" type="presParOf" srcId="{128896C4-E601-FC41-B955-53F64A48652D}" destId="{7FB6D6DD-1895-3947-A925-454157814E64}" srcOrd="7" destOrd="0" presId="urn:microsoft.com/office/officeart/2005/8/layout/vList2"/>
+    <dgm:cxn modelId="{2CABB7B1-5D68-9843-9790-055A5394B511}" type="presParOf" srcId="{128896C4-E601-FC41-B955-53F64A48652D}" destId="{44AC0559-AE0C-CD43-AA43-F9E1B6691E3D}" srcOrd="8" destOrd="0" presId="urn:microsoft.com/office/officeart/2005/8/layout/vList2"/>
   </dgm:cxnLst>
   <dgm:bg/>
   <dgm:whole/>
@@ -1456,6 +3865,1135 @@
 </dsp:drawing>
 </file>
 
+<file path=ppt/diagrams/drawing2.xml><?xml version="1.0" encoding="utf-8"?>
+<dsp:drawing xmlns:dgm="http://schemas.openxmlformats.org/drawingml/2006/diagram" xmlns:dsp="http://schemas.microsoft.com/office/drawing/2008/diagram" xmlns:a="http://schemas.openxmlformats.org/drawingml/2006/main">
+  <dsp:spTree>
+    <dsp:nvGrpSpPr>
+      <dsp:cNvPr id="0" name=""/>
+      <dsp:cNvGrpSpPr/>
+    </dsp:nvGrpSpPr>
+    <dsp:grpSpPr/>
+    <dsp:sp modelId="{E6AF8508-21FA-084A-BC1E-B08AA82E6B5F}">
+      <dsp:nvSpPr>
+        <dsp:cNvPr id="0" name=""/>
+        <dsp:cNvSpPr/>
+      </dsp:nvSpPr>
+      <dsp:spPr>
+        <a:xfrm>
+          <a:off x="6540" y="642606"/>
+          <a:ext cx="2044708" cy="2453649"/>
+        </a:xfrm>
+        <a:prstGeom prst="rect">
+          <a:avLst/>
+        </a:prstGeom>
+        <a:solidFill>
+          <a:schemeClr val="accent2">
+            <a:hueOff val="0"/>
+            <a:satOff val="0"/>
+            <a:lumOff val="0"/>
+            <a:alphaOff val="0"/>
+          </a:schemeClr>
+        </a:solidFill>
+        <a:ln w="12700" cap="flat" cmpd="sng" algn="ctr">
+          <a:solidFill>
+            <a:schemeClr val="accent2">
+              <a:hueOff val="0"/>
+              <a:satOff val="0"/>
+              <a:lumOff val="0"/>
+              <a:alphaOff val="0"/>
+            </a:schemeClr>
+          </a:solidFill>
+          <a:prstDash val="solid"/>
+          <a:miter lim="800000"/>
+        </a:ln>
+        <a:effectLst/>
+      </dsp:spPr>
+      <dsp:style>
+        <a:lnRef idx="2">
+          <a:scrgbClr r="0" g="0" b="0"/>
+        </a:lnRef>
+        <a:fillRef idx="1">
+          <a:scrgbClr r="0" g="0" b="0"/>
+        </a:fillRef>
+        <a:effectRef idx="0">
+          <a:scrgbClr r="0" g="0" b="0"/>
+        </a:effectRef>
+        <a:fontRef idx="minor">
+          <a:schemeClr val="lt1"/>
+        </a:fontRef>
+      </dsp:style>
+      <dsp:txBody>
+        <a:bodyPr spcFirstLastPara="0" vert="horz" wrap="square" lIns="201972" tIns="0" rIns="201972" bIns="330200" numCol="1" spcCol="1270" anchor="t" anchorCtr="0">
+          <a:noAutofit/>
+        </a:bodyPr>
+        <a:lstStyle/>
+        <a:p>
+          <a:pPr marL="0" lvl="0" indent="0" algn="l" defTabSz="889000">
+            <a:lnSpc>
+              <a:spcPct val="90000"/>
+            </a:lnSpc>
+            <a:spcBef>
+              <a:spcPct val="0"/>
+            </a:spcBef>
+            <a:spcAft>
+              <a:spcPct val="35000"/>
+            </a:spcAft>
+            <a:buNone/>
+          </a:pPr>
+          <a:r>
+            <a:rPr lang="en-US" sz="2000" kern="1200"/>
+            <a:t>Accessibility</a:t>
+          </a:r>
+        </a:p>
+      </dsp:txBody>
+      <dsp:txXfrm>
+        <a:off x="6540" y="1624066"/>
+        <a:ext cx="2044708" cy="1472189"/>
+      </dsp:txXfrm>
+    </dsp:sp>
+    <dsp:sp modelId="{008AF6EB-101C-8F4D-8D7C-04BF40D4FEBB}">
+      <dsp:nvSpPr>
+        <dsp:cNvPr id="0" name=""/>
+        <dsp:cNvSpPr/>
+      </dsp:nvSpPr>
+      <dsp:spPr>
+        <a:xfrm>
+          <a:off x="6540" y="642606"/>
+          <a:ext cx="2044708" cy="981459"/>
+        </a:xfrm>
+        <a:prstGeom prst="rect">
+          <a:avLst/>
+        </a:prstGeom>
+        <a:noFill/>
+        <a:ln w="12700" cap="flat" cmpd="sng" algn="ctr">
+          <a:noFill/>
+          <a:prstDash val="solid"/>
+          <a:miter lim="800000"/>
+        </a:ln>
+        <a:effectLst/>
+        <a:sp3d/>
+      </dsp:spPr>
+      <dsp:style>
+        <a:lnRef idx="2">
+          <a:scrgbClr r="0" g="0" b="0"/>
+        </a:lnRef>
+        <a:fillRef idx="1">
+          <a:scrgbClr r="0" g="0" b="0"/>
+        </a:fillRef>
+        <a:effectRef idx="0">
+          <a:scrgbClr r="0" g="0" b="0"/>
+        </a:effectRef>
+        <a:fontRef idx="minor">
+          <a:schemeClr val="lt1"/>
+        </a:fontRef>
+      </dsp:style>
+      <dsp:txBody>
+        <a:bodyPr spcFirstLastPara="0" vert="horz" wrap="square" lIns="201972" tIns="165100" rIns="201972" bIns="165100" numCol="1" spcCol="1270" anchor="ctr" anchorCtr="0">
+          <a:noAutofit/>
+        </a:bodyPr>
+        <a:lstStyle/>
+        <a:p>
+          <a:pPr marL="0" lvl="0" indent="0" algn="l" defTabSz="2089150">
+            <a:lnSpc>
+              <a:spcPct val="90000"/>
+            </a:lnSpc>
+            <a:spcBef>
+              <a:spcPct val="0"/>
+            </a:spcBef>
+            <a:spcAft>
+              <a:spcPct val="35000"/>
+            </a:spcAft>
+            <a:buNone/>
+          </a:pPr>
+          <a:r>
+            <a:rPr lang="en-US" sz="4700" kern="1200"/>
+            <a:t>01</a:t>
+          </a:r>
+        </a:p>
+      </dsp:txBody>
+      <dsp:txXfrm>
+        <a:off x="6540" y="642606"/>
+        <a:ext cx="2044708" cy="981459"/>
+      </dsp:txXfrm>
+    </dsp:sp>
+    <dsp:sp modelId="{D362F117-9B78-E24F-87FD-58A3F9A6CF11}">
+      <dsp:nvSpPr>
+        <dsp:cNvPr id="0" name=""/>
+        <dsp:cNvSpPr/>
+      </dsp:nvSpPr>
+      <dsp:spPr>
+        <a:xfrm>
+          <a:off x="2214825" y="642606"/>
+          <a:ext cx="2044708" cy="2453649"/>
+        </a:xfrm>
+        <a:prstGeom prst="rect">
+          <a:avLst/>
+        </a:prstGeom>
+        <a:solidFill>
+          <a:schemeClr val="accent3">
+            <a:hueOff val="0"/>
+            <a:satOff val="0"/>
+            <a:lumOff val="0"/>
+            <a:alphaOff val="0"/>
+          </a:schemeClr>
+        </a:solidFill>
+        <a:ln w="12700" cap="flat" cmpd="sng" algn="ctr">
+          <a:solidFill>
+            <a:schemeClr val="accent3">
+              <a:hueOff val="0"/>
+              <a:satOff val="0"/>
+              <a:lumOff val="0"/>
+              <a:alphaOff val="0"/>
+            </a:schemeClr>
+          </a:solidFill>
+          <a:prstDash val="solid"/>
+          <a:miter lim="800000"/>
+        </a:ln>
+        <a:effectLst/>
+      </dsp:spPr>
+      <dsp:style>
+        <a:lnRef idx="2">
+          <a:scrgbClr r="0" g="0" b="0"/>
+        </a:lnRef>
+        <a:fillRef idx="1">
+          <a:scrgbClr r="0" g="0" b="0"/>
+        </a:fillRef>
+        <a:effectRef idx="0">
+          <a:scrgbClr r="0" g="0" b="0"/>
+        </a:effectRef>
+        <a:fontRef idx="minor">
+          <a:schemeClr val="lt1"/>
+        </a:fontRef>
+      </dsp:style>
+      <dsp:txBody>
+        <a:bodyPr spcFirstLastPara="0" vert="horz" wrap="square" lIns="201972" tIns="0" rIns="201972" bIns="330200" numCol="1" spcCol="1270" anchor="t" anchorCtr="0">
+          <a:noAutofit/>
+        </a:bodyPr>
+        <a:lstStyle/>
+        <a:p>
+          <a:pPr marL="0" lvl="0" indent="0" algn="l" defTabSz="889000">
+            <a:lnSpc>
+              <a:spcPct val="90000"/>
+            </a:lnSpc>
+            <a:spcBef>
+              <a:spcPct val="0"/>
+            </a:spcBef>
+            <a:spcAft>
+              <a:spcPct val="35000"/>
+            </a:spcAft>
+            <a:buNone/>
+          </a:pPr>
+          <a:r>
+            <a:rPr lang="en-US" sz="2000" kern="1200"/>
+            <a:t>COVID-19 accelerated streaming popularity</a:t>
+          </a:r>
+        </a:p>
+      </dsp:txBody>
+      <dsp:txXfrm>
+        <a:off x="2214825" y="1624066"/>
+        <a:ext cx="2044708" cy="1472189"/>
+      </dsp:txXfrm>
+    </dsp:sp>
+    <dsp:sp modelId="{7EAD27D4-D6E5-3248-9F20-6BFC7B07B06B}">
+      <dsp:nvSpPr>
+        <dsp:cNvPr id="0" name=""/>
+        <dsp:cNvSpPr/>
+      </dsp:nvSpPr>
+      <dsp:spPr>
+        <a:xfrm>
+          <a:off x="2214825" y="642606"/>
+          <a:ext cx="2044708" cy="981459"/>
+        </a:xfrm>
+        <a:prstGeom prst="rect">
+          <a:avLst/>
+        </a:prstGeom>
+        <a:noFill/>
+        <a:ln w="12700" cap="flat" cmpd="sng" algn="ctr">
+          <a:noFill/>
+          <a:prstDash val="solid"/>
+          <a:miter lim="800000"/>
+        </a:ln>
+        <a:effectLst/>
+        <a:sp3d/>
+      </dsp:spPr>
+      <dsp:style>
+        <a:lnRef idx="2">
+          <a:scrgbClr r="0" g="0" b="0"/>
+        </a:lnRef>
+        <a:fillRef idx="1">
+          <a:scrgbClr r="0" g="0" b="0"/>
+        </a:fillRef>
+        <a:effectRef idx="0">
+          <a:scrgbClr r="0" g="0" b="0"/>
+        </a:effectRef>
+        <a:fontRef idx="minor">
+          <a:schemeClr val="lt1"/>
+        </a:fontRef>
+      </dsp:style>
+      <dsp:txBody>
+        <a:bodyPr spcFirstLastPara="0" vert="horz" wrap="square" lIns="201972" tIns="165100" rIns="201972" bIns="165100" numCol="1" spcCol="1270" anchor="ctr" anchorCtr="0">
+          <a:noAutofit/>
+        </a:bodyPr>
+        <a:lstStyle/>
+        <a:p>
+          <a:pPr marL="0" lvl="0" indent="0" algn="l" defTabSz="2089150">
+            <a:lnSpc>
+              <a:spcPct val="90000"/>
+            </a:lnSpc>
+            <a:spcBef>
+              <a:spcPct val="0"/>
+            </a:spcBef>
+            <a:spcAft>
+              <a:spcPct val="35000"/>
+            </a:spcAft>
+            <a:buNone/>
+          </a:pPr>
+          <a:r>
+            <a:rPr lang="en-US" sz="4700" kern="1200"/>
+            <a:t>02</a:t>
+          </a:r>
+        </a:p>
+      </dsp:txBody>
+      <dsp:txXfrm>
+        <a:off x="2214825" y="642606"/>
+        <a:ext cx="2044708" cy="981459"/>
+      </dsp:txXfrm>
+    </dsp:sp>
+    <dsp:sp modelId="{F852BACF-B6B2-B748-8DE0-CD7BF8DFBE45}">
+      <dsp:nvSpPr>
+        <dsp:cNvPr id="0" name=""/>
+        <dsp:cNvSpPr/>
+      </dsp:nvSpPr>
+      <dsp:spPr>
+        <a:xfrm>
+          <a:off x="4423110" y="642606"/>
+          <a:ext cx="2044708" cy="2453649"/>
+        </a:xfrm>
+        <a:prstGeom prst="rect">
+          <a:avLst/>
+        </a:prstGeom>
+        <a:solidFill>
+          <a:schemeClr val="accent4">
+            <a:hueOff val="0"/>
+            <a:satOff val="0"/>
+            <a:lumOff val="0"/>
+            <a:alphaOff val="0"/>
+          </a:schemeClr>
+        </a:solidFill>
+        <a:ln w="12700" cap="flat" cmpd="sng" algn="ctr">
+          <a:solidFill>
+            <a:schemeClr val="accent4">
+              <a:hueOff val="0"/>
+              <a:satOff val="0"/>
+              <a:lumOff val="0"/>
+              <a:alphaOff val="0"/>
+            </a:schemeClr>
+          </a:solidFill>
+          <a:prstDash val="solid"/>
+          <a:miter lim="800000"/>
+        </a:ln>
+        <a:effectLst/>
+      </dsp:spPr>
+      <dsp:style>
+        <a:lnRef idx="2">
+          <a:scrgbClr r="0" g="0" b="0"/>
+        </a:lnRef>
+        <a:fillRef idx="1">
+          <a:scrgbClr r="0" g="0" b="0"/>
+        </a:fillRef>
+        <a:effectRef idx="0">
+          <a:scrgbClr r="0" g="0" b="0"/>
+        </a:effectRef>
+        <a:fontRef idx="minor">
+          <a:schemeClr val="lt1"/>
+        </a:fontRef>
+      </dsp:style>
+      <dsp:txBody>
+        <a:bodyPr spcFirstLastPara="0" vert="horz" wrap="square" lIns="201972" tIns="0" rIns="201972" bIns="330200" numCol="1" spcCol="1270" anchor="t" anchorCtr="0">
+          <a:noAutofit/>
+        </a:bodyPr>
+        <a:lstStyle/>
+        <a:p>
+          <a:pPr marL="0" lvl="0" indent="0" algn="l" defTabSz="889000">
+            <a:lnSpc>
+              <a:spcPct val="90000"/>
+            </a:lnSpc>
+            <a:spcBef>
+              <a:spcPct val="0"/>
+            </a:spcBef>
+            <a:spcAft>
+              <a:spcPct val="35000"/>
+            </a:spcAft>
+            <a:buNone/>
+          </a:pPr>
+          <a:r>
+            <a:rPr lang="en-US" sz="2000" kern="1200"/>
+            <a:t>Increase in piracy due to price hikes</a:t>
+          </a:r>
+        </a:p>
+      </dsp:txBody>
+      <dsp:txXfrm>
+        <a:off x="4423110" y="1624066"/>
+        <a:ext cx="2044708" cy="1472189"/>
+      </dsp:txXfrm>
+    </dsp:sp>
+    <dsp:sp modelId="{AAF28E41-9565-5842-861A-2F79A9945C98}">
+      <dsp:nvSpPr>
+        <dsp:cNvPr id="0" name=""/>
+        <dsp:cNvSpPr/>
+      </dsp:nvSpPr>
+      <dsp:spPr>
+        <a:xfrm>
+          <a:off x="4423110" y="642606"/>
+          <a:ext cx="2044708" cy="981459"/>
+        </a:xfrm>
+        <a:prstGeom prst="rect">
+          <a:avLst/>
+        </a:prstGeom>
+        <a:noFill/>
+        <a:ln w="12700" cap="flat" cmpd="sng" algn="ctr">
+          <a:noFill/>
+          <a:prstDash val="solid"/>
+          <a:miter lim="800000"/>
+        </a:ln>
+        <a:effectLst/>
+        <a:sp3d/>
+      </dsp:spPr>
+      <dsp:style>
+        <a:lnRef idx="2">
+          <a:scrgbClr r="0" g="0" b="0"/>
+        </a:lnRef>
+        <a:fillRef idx="1">
+          <a:scrgbClr r="0" g="0" b="0"/>
+        </a:fillRef>
+        <a:effectRef idx="0">
+          <a:scrgbClr r="0" g="0" b="0"/>
+        </a:effectRef>
+        <a:fontRef idx="minor">
+          <a:schemeClr val="lt1"/>
+        </a:fontRef>
+      </dsp:style>
+      <dsp:txBody>
+        <a:bodyPr spcFirstLastPara="0" vert="horz" wrap="square" lIns="201972" tIns="165100" rIns="201972" bIns="165100" numCol="1" spcCol="1270" anchor="ctr" anchorCtr="0">
+          <a:noAutofit/>
+        </a:bodyPr>
+        <a:lstStyle/>
+        <a:p>
+          <a:pPr marL="0" lvl="0" indent="0" algn="l" defTabSz="2089150">
+            <a:lnSpc>
+              <a:spcPct val="90000"/>
+            </a:lnSpc>
+            <a:spcBef>
+              <a:spcPct val="0"/>
+            </a:spcBef>
+            <a:spcAft>
+              <a:spcPct val="35000"/>
+            </a:spcAft>
+            <a:buNone/>
+          </a:pPr>
+          <a:r>
+            <a:rPr lang="en-US" sz="4700" kern="1200"/>
+            <a:t>03</a:t>
+          </a:r>
+        </a:p>
+      </dsp:txBody>
+      <dsp:txXfrm>
+        <a:off x="4423110" y="642606"/>
+        <a:ext cx="2044708" cy="981459"/>
+      </dsp:txXfrm>
+    </dsp:sp>
+    <dsp:sp modelId="{883CC60E-E7FB-144A-9044-F3FA1C61C522}">
+      <dsp:nvSpPr>
+        <dsp:cNvPr id="0" name=""/>
+        <dsp:cNvSpPr/>
+      </dsp:nvSpPr>
+      <dsp:spPr>
+        <a:xfrm>
+          <a:off x="6631395" y="642606"/>
+          <a:ext cx="2044708" cy="2453649"/>
+        </a:xfrm>
+        <a:prstGeom prst="rect">
+          <a:avLst/>
+        </a:prstGeom>
+        <a:solidFill>
+          <a:schemeClr val="accent5">
+            <a:hueOff val="0"/>
+            <a:satOff val="0"/>
+            <a:lumOff val="0"/>
+            <a:alphaOff val="0"/>
+          </a:schemeClr>
+        </a:solidFill>
+        <a:ln w="12700" cap="flat" cmpd="sng" algn="ctr">
+          <a:solidFill>
+            <a:schemeClr val="accent5">
+              <a:hueOff val="0"/>
+              <a:satOff val="0"/>
+              <a:lumOff val="0"/>
+              <a:alphaOff val="0"/>
+            </a:schemeClr>
+          </a:solidFill>
+          <a:prstDash val="solid"/>
+          <a:miter lim="800000"/>
+        </a:ln>
+        <a:effectLst/>
+      </dsp:spPr>
+      <dsp:style>
+        <a:lnRef idx="2">
+          <a:scrgbClr r="0" g="0" b="0"/>
+        </a:lnRef>
+        <a:fillRef idx="1">
+          <a:scrgbClr r="0" g="0" b="0"/>
+        </a:fillRef>
+        <a:effectRef idx="0">
+          <a:scrgbClr r="0" g="0" b="0"/>
+        </a:effectRef>
+        <a:fontRef idx="minor">
+          <a:schemeClr val="lt1"/>
+        </a:fontRef>
+      </dsp:style>
+      <dsp:txBody>
+        <a:bodyPr spcFirstLastPara="0" vert="horz" wrap="square" lIns="201972" tIns="0" rIns="201972" bIns="330200" numCol="1" spcCol="1270" anchor="t" anchorCtr="0">
+          <a:noAutofit/>
+        </a:bodyPr>
+        <a:lstStyle/>
+        <a:p>
+          <a:pPr marL="0" lvl="0" indent="0" algn="l" defTabSz="889000">
+            <a:lnSpc>
+              <a:spcPct val="90000"/>
+            </a:lnSpc>
+            <a:spcBef>
+              <a:spcPct val="0"/>
+            </a:spcBef>
+            <a:spcAft>
+              <a:spcPct val="35000"/>
+            </a:spcAft>
+            <a:buNone/>
+          </a:pPr>
+          <a:r>
+            <a:rPr lang="en-US" sz="2000" kern="1200"/>
+            <a:t>Platform loyalty through original series</a:t>
+          </a:r>
+        </a:p>
+      </dsp:txBody>
+      <dsp:txXfrm>
+        <a:off x="6631395" y="1624066"/>
+        <a:ext cx="2044708" cy="1472189"/>
+      </dsp:txXfrm>
+    </dsp:sp>
+    <dsp:sp modelId="{CE03AFCD-BADC-A64F-BF4F-9675E13B1EF0}">
+      <dsp:nvSpPr>
+        <dsp:cNvPr id="0" name=""/>
+        <dsp:cNvSpPr/>
+      </dsp:nvSpPr>
+      <dsp:spPr>
+        <a:xfrm>
+          <a:off x="6631395" y="642606"/>
+          <a:ext cx="2044708" cy="981459"/>
+        </a:xfrm>
+        <a:prstGeom prst="rect">
+          <a:avLst/>
+        </a:prstGeom>
+        <a:noFill/>
+        <a:ln w="12700" cap="flat" cmpd="sng" algn="ctr">
+          <a:noFill/>
+          <a:prstDash val="solid"/>
+          <a:miter lim="800000"/>
+        </a:ln>
+        <a:effectLst/>
+        <a:sp3d/>
+      </dsp:spPr>
+      <dsp:style>
+        <a:lnRef idx="2">
+          <a:scrgbClr r="0" g="0" b="0"/>
+        </a:lnRef>
+        <a:fillRef idx="1">
+          <a:scrgbClr r="0" g="0" b="0"/>
+        </a:fillRef>
+        <a:effectRef idx="0">
+          <a:scrgbClr r="0" g="0" b="0"/>
+        </a:effectRef>
+        <a:fontRef idx="minor">
+          <a:schemeClr val="lt1"/>
+        </a:fontRef>
+      </dsp:style>
+      <dsp:txBody>
+        <a:bodyPr spcFirstLastPara="0" vert="horz" wrap="square" lIns="201972" tIns="165100" rIns="201972" bIns="165100" numCol="1" spcCol="1270" anchor="ctr" anchorCtr="0">
+          <a:noAutofit/>
+        </a:bodyPr>
+        <a:lstStyle/>
+        <a:p>
+          <a:pPr marL="0" lvl="0" indent="0" algn="l" defTabSz="2089150">
+            <a:lnSpc>
+              <a:spcPct val="90000"/>
+            </a:lnSpc>
+            <a:spcBef>
+              <a:spcPct val="0"/>
+            </a:spcBef>
+            <a:spcAft>
+              <a:spcPct val="35000"/>
+            </a:spcAft>
+            <a:buNone/>
+          </a:pPr>
+          <a:r>
+            <a:rPr lang="en-US" sz="4700" kern="1200"/>
+            <a:t>04</a:t>
+          </a:r>
+        </a:p>
+      </dsp:txBody>
+      <dsp:txXfrm>
+        <a:off x="6631395" y="642606"/>
+        <a:ext cx="2044708" cy="981459"/>
+      </dsp:txXfrm>
+    </dsp:sp>
+    <dsp:sp modelId="{B86C0EDD-1134-6D47-BD25-34566A4AC637}">
+      <dsp:nvSpPr>
+        <dsp:cNvPr id="0" name=""/>
+        <dsp:cNvSpPr/>
+      </dsp:nvSpPr>
+      <dsp:spPr>
+        <a:xfrm>
+          <a:off x="8839679" y="642606"/>
+          <a:ext cx="2044708" cy="2453649"/>
+        </a:xfrm>
+        <a:prstGeom prst="rect">
+          <a:avLst/>
+        </a:prstGeom>
+        <a:solidFill>
+          <a:schemeClr val="accent6">
+            <a:hueOff val="0"/>
+            <a:satOff val="0"/>
+            <a:lumOff val="0"/>
+            <a:alphaOff val="0"/>
+          </a:schemeClr>
+        </a:solidFill>
+        <a:ln w="12700" cap="flat" cmpd="sng" algn="ctr">
+          <a:solidFill>
+            <a:schemeClr val="accent6">
+              <a:hueOff val="0"/>
+              <a:satOff val="0"/>
+              <a:lumOff val="0"/>
+              <a:alphaOff val="0"/>
+            </a:schemeClr>
+          </a:solidFill>
+          <a:prstDash val="solid"/>
+          <a:miter lim="800000"/>
+        </a:ln>
+        <a:effectLst/>
+      </dsp:spPr>
+      <dsp:style>
+        <a:lnRef idx="2">
+          <a:scrgbClr r="0" g="0" b="0"/>
+        </a:lnRef>
+        <a:fillRef idx="1">
+          <a:scrgbClr r="0" g="0" b="0"/>
+        </a:fillRef>
+        <a:effectRef idx="0">
+          <a:scrgbClr r="0" g="0" b="0"/>
+        </a:effectRef>
+        <a:fontRef idx="minor">
+          <a:schemeClr val="lt1"/>
+        </a:fontRef>
+      </dsp:style>
+      <dsp:txBody>
+        <a:bodyPr spcFirstLastPara="0" vert="horz" wrap="square" lIns="201972" tIns="0" rIns="201972" bIns="330200" numCol="1" spcCol="1270" anchor="t" anchorCtr="0">
+          <a:noAutofit/>
+        </a:bodyPr>
+        <a:lstStyle/>
+        <a:p>
+          <a:pPr marL="0" lvl="0" indent="0" algn="l" defTabSz="889000">
+            <a:lnSpc>
+              <a:spcPct val="90000"/>
+            </a:lnSpc>
+            <a:spcBef>
+              <a:spcPct val="0"/>
+            </a:spcBef>
+            <a:spcAft>
+              <a:spcPct val="35000"/>
+            </a:spcAft>
+            <a:buNone/>
+          </a:pPr>
+          <a:r>
+            <a:rPr lang="en-US" sz="2000" kern="1200"/>
+            <a:t>Reduced demand of physical media</a:t>
+          </a:r>
+        </a:p>
+      </dsp:txBody>
+      <dsp:txXfrm>
+        <a:off x="8839679" y="1624066"/>
+        <a:ext cx="2044708" cy="1472189"/>
+      </dsp:txXfrm>
+    </dsp:sp>
+    <dsp:sp modelId="{B304EFC9-2DB5-8540-919B-B0D521F221EC}">
+      <dsp:nvSpPr>
+        <dsp:cNvPr id="0" name=""/>
+        <dsp:cNvSpPr/>
+      </dsp:nvSpPr>
+      <dsp:spPr>
+        <a:xfrm>
+          <a:off x="8839679" y="642606"/>
+          <a:ext cx="2044708" cy="981459"/>
+        </a:xfrm>
+        <a:prstGeom prst="rect">
+          <a:avLst/>
+        </a:prstGeom>
+        <a:noFill/>
+        <a:ln w="12700" cap="flat" cmpd="sng" algn="ctr">
+          <a:noFill/>
+          <a:prstDash val="solid"/>
+          <a:miter lim="800000"/>
+        </a:ln>
+        <a:effectLst/>
+        <a:sp3d/>
+      </dsp:spPr>
+      <dsp:style>
+        <a:lnRef idx="2">
+          <a:scrgbClr r="0" g="0" b="0"/>
+        </a:lnRef>
+        <a:fillRef idx="1">
+          <a:scrgbClr r="0" g="0" b="0"/>
+        </a:fillRef>
+        <a:effectRef idx="0">
+          <a:scrgbClr r="0" g="0" b="0"/>
+        </a:effectRef>
+        <a:fontRef idx="minor">
+          <a:schemeClr val="lt1"/>
+        </a:fontRef>
+      </dsp:style>
+      <dsp:txBody>
+        <a:bodyPr spcFirstLastPara="0" vert="horz" wrap="square" lIns="201972" tIns="165100" rIns="201972" bIns="165100" numCol="1" spcCol="1270" anchor="ctr" anchorCtr="0">
+          <a:noAutofit/>
+        </a:bodyPr>
+        <a:lstStyle/>
+        <a:p>
+          <a:pPr marL="0" lvl="0" indent="0" algn="l" defTabSz="2089150">
+            <a:lnSpc>
+              <a:spcPct val="90000"/>
+            </a:lnSpc>
+            <a:spcBef>
+              <a:spcPct val="0"/>
+            </a:spcBef>
+            <a:spcAft>
+              <a:spcPct val="35000"/>
+            </a:spcAft>
+            <a:buNone/>
+          </a:pPr>
+          <a:r>
+            <a:rPr lang="en-US" sz="4700" kern="1200"/>
+            <a:t>05</a:t>
+          </a:r>
+        </a:p>
+      </dsp:txBody>
+      <dsp:txXfrm>
+        <a:off x="8839679" y="642606"/>
+        <a:ext cx="2044708" cy="981459"/>
+      </dsp:txXfrm>
+    </dsp:sp>
+  </dsp:spTree>
+</dsp:drawing>
+</file>
+
+<file path=ppt/diagrams/drawing3.xml><?xml version="1.0" encoding="utf-8"?>
+<dsp:drawing xmlns:dgm="http://schemas.openxmlformats.org/drawingml/2006/diagram" xmlns:dsp="http://schemas.microsoft.com/office/drawing/2008/diagram" xmlns:a="http://schemas.openxmlformats.org/drawingml/2006/main">
+  <dsp:spTree>
+    <dsp:nvGrpSpPr>
+      <dsp:cNvPr id="0" name=""/>
+      <dsp:cNvGrpSpPr/>
+    </dsp:nvGrpSpPr>
+    <dsp:grpSpPr/>
+    <dsp:sp modelId="{FDCB049F-0D16-904C-A962-90BDC03BF72C}">
+      <dsp:nvSpPr>
+        <dsp:cNvPr id="0" name=""/>
+        <dsp:cNvSpPr/>
+      </dsp:nvSpPr>
+      <dsp:spPr>
+        <a:xfrm>
+          <a:off x="0" y="8572"/>
+          <a:ext cx="10890928" cy="647595"/>
+        </a:xfrm>
+        <a:prstGeom prst="roundRect">
+          <a:avLst/>
+        </a:prstGeom>
+        <a:solidFill>
+          <a:schemeClr val="accent1">
+            <a:hueOff val="0"/>
+            <a:satOff val="0"/>
+            <a:lumOff val="0"/>
+            <a:alphaOff val="0"/>
+          </a:schemeClr>
+        </a:solidFill>
+        <a:ln w="12700" cap="flat" cmpd="sng" algn="ctr">
+          <a:solidFill>
+            <a:schemeClr val="lt1">
+              <a:hueOff val="0"/>
+              <a:satOff val="0"/>
+              <a:lumOff val="0"/>
+              <a:alphaOff val="0"/>
+            </a:schemeClr>
+          </a:solidFill>
+          <a:prstDash val="solid"/>
+          <a:miter lim="800000"/>
+        </a:ln>
+        <a:effectLst/>
+      </dsp:spPr>
+      <dsp:style>
+        <a:lnRef idx="2">
+          <a:scrgbClr r="0" g="0" b="0"/>
+        </a:lnRef>
+        <a:fillRef idx="1">
+          <a:scrgbClr r="0" g="0" b="0"/>
+        </a:fillRef>
+        <a:effectRef idx="0">
+          <a:scrgbClr r="0" g="0" b="0"/>
+        </a:effectRef>
+        <a:fontRef idx="minor">
+          <a:schemeClr val="lt1"/>
+        </a:fontRef>
+      </dsp:style>
+      <dsp:txBody>
+        <a:bodyPr spcFirstLastPara="0" vert="horz" wrap="square" lIns="102870" tIns="102870" rIns="102870" bIns="102870" numCol="1" spcCol="1270" anchor="ctr" anchorCtr="0">
+          <a:noAutofit/>
+        </a:bodyPr>
+        <a:lstStyle/>
+        <a:p>
+          <a:pPr marL="0" lvl="0" indent="0" algn="l" defTabSz="1200150">
+            <a:lnSpc>
+              <a:spcPct val="90000"/>
+            </a:lnSpc>
+            <a:spcBef>
+              <a:spcPct val="0"/>
+            </a:spcBef>
+            <a:spcAft>
+              <a:spcPct val="35000"/>
+            </a:spcAft>
+            <a:buNone/>
+          </a:pPr>
+          <a:r>
+            <a:rPr lang="en-US" sz="2700" kern="1200"/>
+            <a:t>Dark patterns make cancellation difficult</a:t>
+          </a:r>
+        </a:p>
+      </dsp:txBody>
+      <dsp:txXfrm>
+        <a:off x="31613" y="40185"/>
+        <a:ext cx="10827702" cy="584369"/>
+      </dsp:txXfrm>
+    </dsp:sp>
+    <dsp:sp modelId="{EFFA7940-1F51-EA46-8153-21C7188FD78B}">
+      <dsp:nvSpPr>
+        <dsp:cNvPr id="0" name=""/>
+        <dsp:cNvSpPr/>
+      </dsp:nvSpPr>
+      <dsp:spPr>
+        <a:xfrm>
+          <a:off x="0" y="733927"/>
+          <a:ext cx="10890928" cy="647595"/>
+        </a:xfrm>
+        <a:prstGeom prst="roundRect">
+          <a:avLst/>
+        </a:prstGeom>
+        <a:solidFill>
+          <a:schemeClr val="accent1">
+            <a:hueOff val="0"/>
+            <a:satOff val="0"/>
+            <a:lumOff val="0"/>
+            <a:alphaOff val="0"/>
+          </a:schemeClr>
+        </a:solidFill>
+        <a:ln w="12700" cap="flat" cmpd="sng" algn="ctr">
+          <a:solidFill>
+            <a:schemeClr val="lt1">
+              <a:hueOff val="0"/>
+              <a:satOff val="0"/>
+              <a:lumOff val="0"/>
+              <a:alphaOff val="0"/>
+            </a:schemeClr>
+          </a:solidFill>
+          <a:prstDash val="solid"/>
+          <a:miter lim="800000"/>
+        </a:ln>
+        <a:effectLst/>
+      </dsp:spPr>
+      <dsp:style>
+        <a:lnRef idx="2">
+          <a:scrgbClr r="0" g="0" b="0"/>
+        </a:lnRef>
+        <a:fillRef idx="1">
+          <a:scrgbClr r="0" g="0" b="0"/>
+        </a:fillRef>
+        <a:effectRef idx="0">
+          <a:scrgbClr r="0" g="0" b="0"/>
+        </a:effectRef>
+        <a:fontRef idx="minor">
+          <a:schemeClr val="lt1"/>
+        </a:fontRef>
+      </dsp:style>
+      <dsp:txBody>
+        <a:bodyPr spcFirstLastPara="0" vert="horz" wrap="square" lIns="102870" tIns="102870" rIns="102870" bIns="102870" numCol="1" spcCol="1270" anchor="ctr" anchorCtr="0">
+          <a:noAutofit/>
+        </a:bodyPr>
+        <a:lstStyle/>
+        <a:p>
+          <a:pPr marL="0" lvl="0" indent="0" algn="l" defTabSz="1200150">
+            <a:lnSpc>
+              <a:spcPct val="90000"/>
+            </a:lnSpc>
+            <a:spcBef>
+              <a:spcPct val="0"/>
+            </a:spcBef>
+            <a:spcAft>
+              <a:spcPct val="35000"/>
+            </a:spcAft>
+            <a:buNone/>
+          </a:pPr>
+          <a:r>
+            <a:rPr lang="en-US" sz="2700" kern="1200"/>
+            <a:t>Privacy concerns</a:t>
+          </a:r>
+        </a:p>
+      </dsp:txBody>
+      <dsp:txXfrm>
+        <a:off x="31613" y="765540"/>
+        <a:ext cx="10827702" cy="584369"/>
+      </dsp:txXfrm>
+    </dsp:sp>
+    <dsp:sp modelId="{5844E3CB-A280-714A-ABF7-8B56DB23E8C5}">
+      <dsp:nvSpPr>
+        <dsp:cNvPr id="0" name=""/>
+        <dsp:cNvSpPr/>
+      </dsp:nvSpPr>
+      <dsp:spPr>
+        <a:xfrm>
+          <a:off x="0" y="1459282"/>
+          <a:ext cx="10890928" cy="647595"/>
+        </a:xfrm>
+        <a:prstGeom prst="roundRect">
+          <a:avLst/>
+        </a:prstGeom>
+        <a:solidFill>
+          <a:schemeClr val="accent1">
+            <a:hueOff val="0"/>
+            <a:satOff val="0"/>
+            <a:lumOff val="0"/>
+            <a:alphaOff val="0"/>
+          </a:schemeClr>
+        </a:solidFill>
+        <a:ln w="12700" cap="flat" cmpd="sng" algn="ctr">
+          <a:solidFill>
+            <a:schemeClr val="lt1">
+              <a:hueOff val="0"/>
+              <a:satOff val="0"/>
+              <a:lumOff val="0"/>
+              <a:alphaOff val="0"/>
+            </a:schemeClr>
+          </a:solidFill>
+          <a:prstDash val="solid"/>
+          <a:miter lim="800000"/>
+        </a:ln>
+        <a:effectLst/>
+      </dsp:spPr>
+      <dsp:style>
+        <a:lnRef idx="2">
+          <a:scrgbClr r="0" g="0" b="0"/>
+        </a:lnRef>
+        <a:fillRef idx="1">
+          <a:scrgbClr r="0" g="0" b="0"/>
+        </a:fillRef>
+        <a:effectRef idx="0">
+          <a:scrgbClr r="0" g="0" b="0"/>
+        </a:effectRef>
+        <a:fontRef idx="minor">
+          <a:schemeClr val="lt1"/>
+        </a:fontRef>
+      </dsp:style>
+      <dsp:txBody>
+        <a:bodyPr spcFirstLastPara="0" vert="horz" wrap="square" lIns="102870" tIns="102870" rIns="102870" bIns="102870" numCol="1" spcCol="1270" anchor="ctr" anchorCtr="0">
+          <a:noAutofit/>
+        </a:bodyPr>
+        <a:lstStyle/>
+        <a:p>
+          <a:pPr marL="0" lvl="0" indent="0" algn="l" defTabSz="1200150">
+            <a:lnSpc>
+              <a:spcPct val="90000"/>
+            </a:lnSpc>
+            <a:spcBef>
+              <a:spcPct val="0"/>
+            </a:spcBef>
+            <a:spcAft>
+              <a:spcPct val="35000"/>
+            </a:spcAft>
+            <a:buNone/>
+          </a:pPr>
+          <a:r>
+            <a:rPr lang="en-US" sz="2700" kern="1200"/>
+            <a:t>Pay disputes</a:t>
+          </a:r>
+        </a:p>
+      </dsp:txBody>
+      <dsp:txXfrm>
+        <a:off x="31613" y="1490895"/>
+        <a:ext cx="10827702" cy="584369"/>
+      </dsp:txXfrm>
+    </dsp:sp>
+    <dsp:sp modelId="{D1834EB3-76CE-8C48-888D-9F058CA99D33}">
+      <dsp:nvSpPr>
+        <dsp:cNvPr id="0" name=""/>
+        <dsp:cNvSpPr/>
+      </dsp:nvSpPr>
+      <dsp:spPr>
+        <a:xfrm>
+          <a:off x="0" y="2184637"/>
+          <a:ext cx="10890928" cy="647595"/>
+        </a:xfrm>
+        <a:prstGeom prst="roundRect">
+          <a:avLst/>
+        </a:prstGeom>
+        <a:solidFill>
+          <a:schemeClr val="accent1">
+            <a:hueOff val="0"/>
+            <a:satOff val="0"/>
+            <a:lumOff val="0"/>
+            <a:alphaOff val="0"/>
+          </a:schemeClr>
+        </a:solidFill>
+        <a:ln w="12700" cap="flat" cmpd="sng" algn="ctr">
+          <a:solidFill>
+            <a:schemeClr val="lt1">
+              <a:hueOff val="0"/>
+              <a:satOff val="0"/>
+              <a:lumOff val="0"/>
+              <a:alphaOff val="0"/>
+            </a:schemeClr>
+          </a:solidFill>
+          <a:prstDash val="solid"/>
+          <a:miter lim="800000"/>
+        </a:ln>
+        <a:effectLst/>
+      </dsp:spPr>
+      <dsp:style>
+        <a:lnRef idx="2">
+          <a:scrgbClr r="0" g="0" b="0"/>
+        </a:lnRef>
+        <a:fillRef idx="1">
+          <a:scrgbClr r="0" g="0" b="0"/>
+        </a:fillRef>
+        <a:effectRef idx="0">
+          <a:scrgbClr r="0" g="0" b="0"/>
+        </a:effectRef>
+        <a:fontRef idx="minor">
+          <a:schemeClr val="lt1"/>
+        </a:fontRef>
+      </dsp:style>
+      <dsp:txBody>
+        <a:bodyPr spcFirstLastPara="0" vert="horz" wrap="square" lIns="102870" tIns="102870" rIns="102870" bIns="102870" numCol="1" spcCol="1270" anchor="ctr" anchorCtr="0">
+          <a:noAutofit/>
+        </a:bodyPr>
+        <a:lstStyle/>
+        <a:p>
+          <a:pPr marL="0" lvl="0" indent="0" algn="l" defTabSz="1200150">
+            <a:lnSpc>
+              <a:spcPct val="90000"/>
+            </a:lnSpc>
+            <a:spcBef>
+              <a:spcPct val="0"/>
+            </a:spcBef>
+            <a:spcAft>
+              <a:spcPct val="35000"/>
+            </a:spcAft>
+            <a:buNone/>
+          </a:pPr>
+          <a:r>
+            <a:rPr lang="en-US" sz="2700" kern="1200"/>
+            <a:t>Environmental impact</a:t>
+          </a:r>
+        </a:p>
+      </dsp:txBody>
+      <dsp:txXfrm>
+        <a:off x="31613" y="2216250"/>
+        <a:ext cx="10827702" cy="584369"/>
+      </dsp:txXfrm>
+    </dsp:sp>
+    <dsp:sp modelId="{44AC0559-AE0C-CD43-AA43-F9E1B6691E3D}">
+      <dsp:nvSpPr>
+        <dsp:cNvPr id="0" name=""/>
+        <dsp:cNvSpPr/>
+      </dsp:nvSpPr>
+      <dsp:spPr>
+        <a:xfrm>
+          <a:off x="0" y="2909992"/>
+          <a:ext cx="10890928" cy="647595"/>
+        </a:xfrm>
+        <a:prstGeom prst="roundRect">
+          <a:avLst/>
+        </a:prstGeom>
+        <a:solidFill>
+          <a:schemeClr val="accent1">
+            <a:hueOff val="0"/>
+            <a:satOff val="0"/>
+            <a:lumOff val="0"/>
+            <a:alphaOff val="0"/>
+          </a:schemeClr>
+        </a:solidFill>
+        <a:ln w="12700" cap="flat" cmpd="sng" algn="ctr">
+          <a:solidFill>
+            <a:schemeClr val="lt1">
+              <a:hueOff val="0"/>
+              <a:satOff val="0"/>
+              <a:lumOff val="0"/>
+              <a:alphaOff val="0"/>
+            </a:schemeClr>
+          </a:solidFill>
+          <a:prstDash val="solid"/>
+          <a:miter lim="800000"/>
+        </a:ln>
+        <a:effectLst/>
+      </dsp:spPr>
+      <dsp:style>
+        <a:lnRef idx="2">
+          <a:scrgbClr r="0" g="0" b="0"/>
+        </a:lnRef>
+        <a:fillRef idx="1">
+          <a:scrgbClr r="0" g="0" b="0"/>
+        </a:fillRef>
+        <a:effectRef idx="0">
+          <a:scrgbClr r="0" g="0" b="0"/>
+        </a:effectRef>
+        <a:fontRef idx="minor">
+          <a:schemeClr val="lt1"/>
+        </a:fontRef>
+      </dsp:style>
+      <dsp:txBody>
+        <a:bodyPr spcFirstLastPara="0" vert="horz" wrap="square" lIns="102870" tIns="102870" rIns="102870" bIns="102870" numCol="1" spcCol="1270" anchor="ctr" anchorCtr="0">
+          <a:noAutofit/>
+        </a:bodyPr>
+        <a:lstStyle/>
+        <a:p>
+          <a:pPr marL="0" lvl="0" indent="0" algn="l" defTabSz="1200150">
+            <a:lnSpc>
+              <a:spcPct val="90000"/>
+            </a:lnSpc>
+            <a:spcBef>
+              <a:spcPct val="0"/>
+            </a:spcBef>
+            <a:spcAft>
+              <a:spcPct val="35000"/>
+            </a:spcAft>
+            <a:buNone/>
+          </a:pPr>
+          <a:r>
+            <a:rPr lang="en-US" sz="2700" kern="1200"/>
+            <a:t>Content can disappear at any time</a:t>
+          </a:r>
+        </a:p>
+      </dsp:txBody>
+      <dsp:txXfrm>
+        <a:off x="31613" y="2941605"/>
+        <a:ext cx="10827702" cy="584369"/>
+      </dsp:txXfrm>
+    </dsp:sp>
+  </dsp:spTree>
+</dsp:drawing>
+</file>
+
 <file path=ppt/diagrams/layout1.xml><?xml version="1.0" encoding="utf-8"?>
 <dgm:layoutDef xmlns:dgm="http://schemas.openxmlformats.org/drawingml/2006/diagram" xmlns:a="http://schemas.openxmlformats.org/drawingml/2006/main" uniqueId="urn:microsoft.com/office/officeart/2005/8/layout/process5">
   <dgm:title val=""/>
@@ -1627,7 +5165,2508 @@
 </dgm:layoutDef>
 </file>
 
+<file path=ppt/diagrams/layout2.xml><?xml version="1.0" encoding="utf-8"?>
+<dgm:layoutDef xmlns:dgm="http://schemas.openxmlformats.org/drawingml/2006/diagram" xmlns:a="http://schemas.openxmlformats.org/drawingml/2006/main" uniqueId="urn:microsoft.com/office/officeart/2016/7/layout/LinearBlockProcessNumbered">
+  <dgm:title val="Linear Block Process Numbered"/>
+  <dgm:desc val="Used to show a progression; a timeline; sequential steps in a task, process, or workflow; or to emphasize movement or direction. Automatic numbers have been introduced to show the steps of the process. Level 1 text and Level 2 text both appears in a rectangle."/>
+  <dgm:catLst>
+    <dgm:cat type="process" pri="500"/>
+  </dgm:catLst>
+  <dgm:sampData>
+    <dgm:dataModel>
+      <dgm:ptLst>
+        <dgm:pt modelId="0" type="doc"/>
+        <dgm:pt modelId="1">
+          <dgm:prSet phldr="1"/>
+        </dgm:pt>
+        <dgm:pt modelId="11">
+          <dgm:prSet phldr="1"/>
+        </dgm:pt>
+        <dgm:pt modelId="2">
+          <dgm:prSet phldr="1"/>
+        </dgm:pt>
+        <dgm:pt modelId="21">
+          <dgm:prSet phldr="1"/>
+        </dgm:pt>
+        <dgm:pt modelId="3">
+          <dgm:prSet phldr="1"/>
+        </dgm:pt>
+        <dgm:pt modelId="31">
+          <dgm:prSet phldr="1"/>
+        </dgm:pt>
+        <dgm:pt modelId="101" type="sibTrans" cxnId="4">
+          <dgm:prSet phldrT="1"/>
+          <dgm:t>
+            <a:bodyPr/>
+            <a:lstStyle/>
+            <a:p>
+              <a:r>
+                <a:t>01</a:t>
+              </a:r>
+            </a:p>
+          </dgm:t>
+        </dgm:pt>
+        <dgm:pt modelId="201" type="sibTrans" cxnId="5">
+          <dgm:prSet phldrT="2"/>
+          <dgm:t>
+            <a:bodyPr/>
+            <a:lstStyle/>
+            <a:p>
+              <a:r>
+                <a:t>02</a:t>
+              </a:r>
+            </a:p>
+          </dgm:t>
+        </dgm:pt>
+        <dgm:pt modelId="301" type="sibTrans" cxnId="6">
+          <dgm:prSet phldrT="3"/>
+          <dgm:t>
+            <a:bodyPr/>
+            <a:lstStyle/>
+            <a:p>
+              <a:r>
+                <a:t>03</a:t>
+              </a:r>
+            </a:p>
+          </dgm:t>
+        </dgm:pt>
+      </dgm:ptLst>
+      <dgm:cxnLst>
+        <dgm:cxn modelId="4" srcId="0" destId="1" srcOrd="0" destOrd="0" sibTransId="101"/>
+        <dgm:cxn modelId="5" srcId="0" destId="2" srcOrd="1" destOrd="0" sibTransId="201"/>
+        <dgm:cxn modelId="6" srcId="0" destId="3" srcOrd="2" destOrd="0" sibTransId="301"/>
+        <dgm:cxn modelId="13" srcId="1" destId="11" srcOrd="0" destOrd="0"/>
+        <dgm:cxn modelId="23" srcId="2" destId="21" srcOrd="0" destOrd="0"/>
+        <dgm:cxn modelId="33" srcId="3" destId="31" srcOrd="0" destOrd="0"/>
+      </dgm:cxnLst>
+      <dgm:bg/>
+      <dgm:whole/>
+    </dgm:dataModel>
+  </dgm:sampData>
+  <dgm:styleData>
+    <dgm:dataModel>
+      <dgm:ptLst>
+        <dgm:pt modelId="0" type="doc"/>
+        <dgm:pt modelId="1"/>
+        <dgm:pt modelId="11"/>
+        <dgm:pt modelId="2"/>
+        <dgm:pt modelId="21"/>
+      </dgm:ptLst>
+      <dgm:cxnLst>
+        <dgm:cxn modelId="4" srcId="0" destId="1" srcOrd="0" destOrd="0"/>
+        <dgm:cxn modelId="5" srcId="0" destId="2" srcOrd="1" destOrd="0"/>
+        <dgm:cxn modelId="13" srcId="1" destId="11" srcOrd="0" destOrd="0"/>
+        <dgm:cxn modelId="23" srcId="2" destId="21" srcOrd="0" destOrd="0"/>
+      </dgm:cxnLst>
+      <dgm:bg/>
+      <dgm:whole/>
+    </dgm:dataModel>
+  </dgm:styleData>
+  <dgm:clrData>
+    <dgm:dataModel>
+      <dgm:ptLst>
+        <dgm:pt modelId="0" type="doc"/>
+        <dgm:pt modelId="1"/>
+        <dgm:pt modelId="11"/>
+        <dgm:pt modelId="2"/>
+        <dgm:pt modelId="21"/>
+        <dgm:pt modelId="3"/>
+        <dgm:pt modelId="31"/>
+        <dgm:pt modelId="4"/>
+        <dgm:pt modelId="41"/>
+      </dgm:ptLst>
+      <dgm:cxnLst>
+        <dgm:cxn modelId="5" srcId="0" destId="1" srcOrd="0" destOrd="0"/>
+        <dgm:cxn modelId="6" srcId="0" destId="2" srcOrd="1" destOrd="0"/>
+        <dgm:cxn modelId="7" srcId="0" destId="3" srcOrd="2" destOrd="0"/>
+        <dgm:cxn modelId="8" srcId="0" destId="4" srcOrd="3" destOrd="0"/>
+        <dgm:cxn modelId="13" srcId="1" destId="11" srcOrd="0" destOrd="0"/>
+        <dgm:cxn modelId="23" srcId="2" destId="21" srcOrd="0" destOrd="0"/>
+        <dgm:cxn modelId="33" srcId="3" destId="31" srcOrd="0" destOrd="0"/>
+        <dgm:cxn modelId="43" srcId="4" destId="41" srcOrd="0" destOrd="0"/>
+      </dgm:cxnLst>
+      <dgm:bg/>
+      <dgm:whole/>
+    </dgm:dataModel>
+  </dgm:clrData>
+  <dgm:layoutNode name="Name0">
+    <dgm:varLst>
+      <dgm:animLvl val="lvl"/>
+      <dgm:resizeHandles val="exact"/>
+    </dgm:varLst>
+    <dgm:alg type="lin">
+      <dgm:param type="linDir" val="fromL"/>
+      <dgm:param type="nodeVertAlign" val="t"/>
+    </dgm:alg>
+    <dgm:shape xmlns:r="http://schemas.openxmlformats.org/officeDocument/2006/relationships" r:blip="">
+      <dgm:adjLst/>
+    </dgm:shape>
+    <dgm:presOf/>
+    <dgm:constrLst>
+      <dgm:constr type="h" for="ch" forName="compositeNode" refType="h"/>
+      <dgm:constr type="w" for="ch" forName="compositeNode" refType="w"/>
+      <dgm:constr type="w" for="des" forName="simulatedConn" refType="w" refFor="ch" refForName="compositeNode" fact="0.15"/>
+      <dgm:constr type="h" for="des" forName="simulatedConn" refType="w" refFor="des" refForName="simulatedConn"/>
+      <dgm:constr type="h" for="des" forName="vSp1" refType="w" refFor="ch" refForName="compositeNode" fact="0.8"/>
+      <dgm:constr type="h" for="des" forName="vSp2" refType="w" refFor="ch" refForName="compositeNode" fact="0.07"/>
+      <dgm:constr type="w" for="ch" forName="vProcSp" refType="w" refFor="des" refForName="simulatedConn" op="equ"/>
+      <dgm:constr type="h" for="ch" forName="vProcSp" refType="h" refFor="ch" refForName="compositeNode" op="equ"/>
+      <dgm:constr type="w" for="ch" forName="sibTrans" refType="w" refFor="ch" refForName="compositeNode" fact="0.08"/>
+      <dgm:constr type="primFontSz" for="des" forName="sibTransNodeRect" op="equ"/>
+      <dgm:constr type="primFontSz" for="des" forName="nodeRect" op="equ"/>
+    </dgm:constrLst>
+    <dgm:ruleLst/>
+    <dgm:forEach name="Name4" axis="ch" ptType="node">
+      <dgm:layoutNode name="compositeNode">
+        <dgm:varLst>
+          <dgm:bulletEnabled val="1"/>
+        </dgm:varLst>
+        <dgm:alg type="composite"/>
+        <dgm:constrLst>
+          <dgm:constr type="h" refType="w" op="lte" fact="1.2"/>
+          <dgm:constr type="w" for="ch" forName="bgRect" refType="w"/>
+          <dgm:constr type="h" for="ch" forName="bgRect" refType="h"/>
+          <dgm:constr type="t" for="ch" forName="bgRect"/>
+          <dgm:constr type="l" for="ch" forName="bgRect"/>
+          <dgm:constr type="w" for="ch" forName="sibTransNodeRect" refType="w" refFor="ch" refForName="bgRect"/>
+          <dgm:constr type="h" for="ch" forName="sibTransNodeRect" refType="h" refFor="ch" refForName="bgRect" fact="0.4"/>
+          <dgm:constr type="t" for="ch" forName="sibTransNodeRect"/>
+          <dgm:constr type="l" for="ch" forName="sibTransNodeRect"/>
+          <dgm:constr type="r" for="ch" forName="nodeRect" refType="r" refFor="ch" refForName="bgRect"/>
+          <dgm:constr type="h" for="ch" forName="nodeRect" refType="h" refFor="ch" refForName="bgRect" fact="0.6"/>
+          <dgm:constr type="t" for="ch" forName="nodeRect" refType="b" refFor="ch" refForName="sibTransNodeRect"/>
+          <dgm:constr type="l" for="ch" forName="nodeRect" refType="l" refFor="ch" refForName="bgRect"/>
+        </dgm:constrLst>
+        <dgm:ruleLst>
+          <dgm:rule type="w" for="ch" forName="nodeRect" val="NaN" fact="NaN" max="30"/>
+        </dgm:ruleLst>
+        <dgm:layoutNode name="bgRect" styleLbl="alignNode1">
+          <dgm:alg type="sp"/>
+          <dgm:shape xmlns:r="http://schemas.openxmlformats.org/officeDocument/2006/relationships" type="rect" r:blip="">
+            <dgm:adjLst>
+              <dgm:adj idx="1" val="0.05"/>
+            </dgm:adjLst>
+          </dgm:shape>
+          <dgm:presOf axis="self"/>
+          <dgm:constrLst/>
+          <dgm:ruleLst/>
+        </dgm:layoutNode>
+        <dgm:forEach name="Name19" axis="followSib" ptType="sibTrans" hideLastTrans="0" cnt="1">
+          <dgm:layoutNode name="sibTransNodeRect" styleLbl="alignNode1">
+            <dgm:varLst>
+              <dgm:chMax val="0"/>
+              <dgm:bulletEnabled val="1"/>
+            </dgm:varLst>
+            <dgm:presOf axis="self"/>
+            <dgm:alg type="tx">
+              <dgm:param type="parTxLTRAlign" val="l"/>
+              <dgm:param type="parTxRTLAlign" val="l"/>
+            </dgm:alg>
+            <dgm:shape xmlns:r="http://schemas.openxmlformats.org/officeDocument/2006/relationships" type="rect" r:blip="" hideGeom="1">
+              <dgm:adjLst/>
+            </dgm:shape>
+            <dgm:constrLst>
+              <dgm:constr type="primFontSz" val="66"/>
+              <dgm:constr type="tMarg" val="13"/>
+              <dgm:constr type="lMarg" refType="w" fact="0.28"/>
+              <dgm:constr type="rMarg" refType="w" fact="0.28"/>
+              <dgm:constr type="bMarg" val="13"/>
+            </dgm:constrLst>
+            <dgm:ruleLst>
+              <dgm:rule type="primFontSz" val="14" fact="NaN" max="NaN"/>
+              <dgm:rule type="tMarg" val="13" fact="NaN" max="NaN"/>
+            </dgm:ruleLst>
+          </dgm:layoutNode>
+        </dgm:forEach>
+        <dgm:layoutNode name="nodeRect" styleLbl="alignNode1" moveWith="bgRect">
+          <dgm:varLst>
+            <dgm:bulletEnabled val="1"/>
+          </dgm:varLst>
+          <dgm:alg type="tx">
+            <dgm:param type="parTxLTRAlign" val="l"/>
+            <dgm:param type="parTxRTLAlign" val="r"/>
+            <dgm:param type="txAnchorVert" val="t"/>
+            <dgm:param type="stBulletLvl" val="2"/>
+          </dgm:alg>
+          <dgm:shape xmlns:r="http://schemas.openxmlformats.org/officeDocument/2006/relationships" type="rect" r:blip="" hideGeom="1">
+            <dgm:adjLst/>
+          </dgm:shape>
+          <dgm:presOf axis="desOrSelf" ptType="node"/>
+          <dgm:constrLst>
+            <dgm:constr type="primFontSz" val="26"/>
+            <dgm:constr type="tMarg"/>
+            <dgm:constr type="lMarg" refType="w" fact="0.28"/>
+            <dgm:constr type="rMarg" refType="w" fact="0.28"/>
+            <dgm:constr type="bMarg" val="26"/>
+          </dgm:constrLst>
+          <dgm:ruleLst>
+            <dgm:rule type="primFontSz" val="11" fact="NaN" max="NaN"/>
+          </dgm:ruleLst>
+        </dgm:layoutNode>
+      </dgm:layoutNode>
+      <dgm:forEach name="Name14" axis="followSib" ptType="sibTrans" cnt="1">
+        <dgm:layoutNode name="sibTrans">
+          <dgm:alg type="sp"/>
+          <dgm:shape xmlns:r="http://schemas.openxmlformats.org/officeDocument/2006/relationships" r:blip="">
+            <dgm:adjLst/>
+          </dgm:shape>
+          <dgm:presOf/>
+          <dgm:constrLst/>
+          <dgm:ruleLst/>
+        </dgm:layoutNode>
+      </dgm:forEach>
+    </dgm:forEach>
+  </dgm:layoutNode>
+  <dgm:extLst>
+    <a:ext uri="{4F341089-5ED1-44EC-B178-C955D00A3D55}">
+      <dgm1611:autoBuNodeInfoLst xmlns:dgm1611="http://schemas.microsoft.com/office/drawing/2016/11/diagram">
+        <dgm1611:autoBuNodeInfo lvl="1" ptType="sibTrans">
+          <dgm1611:buPr prefix="" leadZeros="1">
+            <a:buAutoNum type="arabicParenBoth"/>
+          </dgm1611:buPr>
+        </dgm1611:autoBuNodeInfo>
+      </dgm1611:autoBuNodeInfoLst>
+    </a:ext>
+  </dgm:extLst>
+</dgm:layoutDef>
+</file>
+
+<file path=ppt/diagrams/layout3.xml><?xml version="1.0" encoding="utf-8"?>
+<dgm:layoutDef xmlns:dgm="http://schemas.openxmlformats.org/drawingml/2006/diagram" xmlns:a="http://schemas.openxmlformats.org/drawingml/2006/main" uniqueId="urn:microsoft.com/office/officeart/2005/8/layout/vList2">
+  <dgm:title val=""/>
+  <dgm:desc val=""/>
+  <dgm:catLst>
+    <dgm:cat type="list" pri="3000"/>
+    <dgm:cat type="convert" pri="1000"/>
+  </dgm:catLst>
+  <dgm:sampData>
+    <dgm:dataModel>
+      <dgm:ptLst>
+        <dgm:pt modelId="0" type="doc"/>
+        <dgm:pt modelId="1">
+          <dgm:prSet phldr="1"/>
+        </dgm:pt>
+        <dgm:pt modelId="11">
+          <dgm:prSet phldr="1"/>
+        </dgm:pt>
+        <dgm:pt modelId="2">
+          <dgm:prSet phldr="1"/>
+        </dgm:pt>
+        <dgm:pt modelId="21">
+          <dgm:prSet phldr="1"/>
+        </dgm:pt>
+      </dgm:ptLst>
+      <dgm:cxnLst>
+        <dgm:cxn modelId="4" srcId="0" destId="1" srcOrd="0" destOrd="0"/>
+        <dgm:cxn modelId="5" srcId="0" destId="2" srcOrd="1" destOrd="0"/>
+        <dgm:cxn modelId="12" srcId="1" destId="11" srcOrd="0" destOrd="0"/>
+        <dgm:cxn modelId="23" srcId="2" destId="21" srcOrd="0" destOrd="0"/>
+      </dgm:cxnLst>
+      <dgm:bg/>
+      <dgm:whole/>
+    </dgm:dataModel>
+  </dgm:sampData>
+  <dgm:styleData>
+    <dgm:dataModel>
+      <dgm:ptLst>
+        <dgm:pt modelId="0" type="doc"/>
+        <dgm:pt modelId="1"/>
+        <dgm:pt modelId="2"/>
+      </dgm:ptLst>
+      <dgm:cxnLst>
+        <dgm:cxn modelId="3" srcId="0" destId="1" srcOrd="0" destOrd="0"/>
+        <dgm:cxn modelId="4" srcId="0" destId="2" srcOrd="1" destOrd="0"/>
+      </dgm:cxnLst>
+      <dgm:bg/>
+      <dgm:whole/>
+    </dgm:dataModel>
+  </dgm:styleData>
+  <dgm:clrData>
+    <dgm:dataModel>
+      <dgm:ptLst>
+        <dgm:pt modelId="0" type="doc"/>
+        <dgm:pt modelId="1"/>
+        <dgm:pt modelId="2"/>
+        <dgm:pt modelId="3"/>
+        <dgm:pt modelId="4"/>
+      </dgm:ptLst>
+      <dgm:cxnLst>
+        <dgm:cxn modelId="5" srcId="0" destId="1" srcOrd="0" destOrd="0"/>
+        <dgm:cxn modelId="6" srcId="0" destId="2" srcOrd="1" destOrd="0"/>
+        <dgm:cxn modelId="7" srcId="0" destId="3" srcOrd="2" destOrd="0"/>
+        <dgm:cxn modelId="8" srcId="0" destId="4" srcOrd="3" destOrd="0"/>
+      </dgm:cxnLst>
+      <dgm:bg/>
+      <dgm:whole/>
+    </dgm:dataModel>
+  </dgm:clrData>
+  <dgm:layoutNode name="linear">
+    <dgm:varLst>
+      <dgm:animLvl val="lvl"/>
+      <dgm:resizeHandles val="exact"/>
+    </dgm:varLst>
+    <dgm:alg type="lin">
+      <dgm:param type="linDir" val="fromT"/>
+      <dgm:param type="vertAlign" val="mid"/>
+    </dgm:alg>
+    <dgm:shape xmlns:r="http://schemas.openxmlformats.org/officeDocument/2006/relationships" r:blip="">
+      <dgm:adjLst/>
+    </dgm:shape>
+    <dgm:presOf/>
+    <dgm:constrLst>
+      <dgm:constr type="w" for="ch" forName="parentText" refType="w"/>
+      <dgm:constr type="h" for="ch" forName="parentText" refType="primFontSz" refFor="ch" refForName="parentText" fact="0.52"/>
+      <dgm:constr type="w" for="ch" forName="childText" refType="w"/>
+      <dgm:constr type="h" for="ch" forName="childText" refType="primFontSz" refFor="ch" refForName="parentText" fact="0.46"/>
+      <dgm:constr type="h" for="ch" forName="parentText" op="equ"/>
+      <dgm:constr type="primFontSz" for="ch" forName="parentText" op="equ" val="65"/>
+      <dgm:constr type="primFontSz" for="ch" forName="childText" refType="primFontSz" refFor="ch" refForName="parentText" op="equ"/>
+      <dgm:constr type="h" for="ch" forName="spacer" refType="primFontSz" refFor="ch" refForName="parentText" fact="0.08"/>
+    </dgm:constrLst>
+    <dgm:ruleLst>
+      <dgm:rule type="primFontSz" for="ch" forName="parentText" val="5" fact="NaN" max="NaN"/>
+    </dgm:ruleLst>
+    <dgm:forEach name="Name0" axis="ch" ptType="node">
+      <dgm:layoutNode name="parentText" styleLbl="node1">
+        <dgm:varLst>
+          <dgm:chMax val="0"/>
+          <dgm:bulletEnabled val="1"/>
+        </dgm:varLst>
+        <dgm:alg type="tx">
+          <dgm:param type="parTxLTRAlign" val="l"/>
+          <dgm:param type="parTxRTLAlign" val="r"/>
+        </dgm:alg>
+        <dgm:shape xmlns:r="http://schemas.openxmlformats.org/officeDocument/2006/relationships" type="roundRect" r:blip="">
+          <dgm:adjLst/>
+        </dgm:shape>
+        <dgm:presOf axis="self"/>
+        <dgm:constrLst>
+          <dgm:constr type="tMarg" refType="primFontSz" fact="0.3"/>
+          <dgm:constr type="bMarg" refType="primFontSz" fact="0.3"/>
+          <dgm:constr type="lMarg" refType="primFontSz" fact="0.3"/>
+          <dgm:constr type="rMarg" refType="primFontSz" fact="0.3"/>
+        </dgm:constrLst>
+        <dgm:ruleLst>
+          <dgm:rule type="h" val="INF" fact="NaN" max="NaN"/>
+        </dgm:ruleLst>
+      </dgm:layoutNode>
+      <dgm:choose name="Name1">
+        <dgm:if name="Name2" axis="ch" ptType="node" func="cnt" op="gte" val="1">
+          <dgm:layoutNode name="childText" styleLbl="revTx">
+            <dgm:varLst>
+              <dgm:bulletEnabled val="1"/>
+            </dgm:varLst>
+            <dgm:alg type="tx">
+              <dgm:param type="stBulletLvl" val="1"/>
+              <dgm:param type="lnSpAfChP" val="20"/>
+            </dgm:alg>
+            <dgm:shape xmlns:r="http://schemas.openxmlformats.org/officeDocument/2006/relationships" type="rect" r:blip="">
+              <dgm:adjLst/>
+            </dgm:shape>
+            <dgm:presOf axis="des" ptType="node"/>
+            <dgm:constrLst>
+              <dgm:constr type="tMarg" refType="primFontSz" fact="0.1"/>
+              <dgm:constr type="bMarg" refType="primFontSz" fact="0.1"/>
+              <dgm:constr type="lMarg" refType="w" fact="0.09"/>
+            </dgm:constrLst>
+            <dgm:ruleLst>
+              <dgm:rule type="h" val="INF" fact="NaN" max="NaN"/>
+            </dgm:ruleLst>
+          </dgm:layoutNode>
+        </dgm:if>
+        <dgm:else name="Name3">
+          <dgm:choose name="Name4">
+            <dgm:if name="Name5" axis="par ch" ptType="doc node" func="cnt" op="gte" val="2">
+              <dgm:forEach name="Name6" axis="followSib" ptType="sibTrans" cnt="1">
+                <dgm:layoutNode name="spacer">
+                  <dgm:alg type="sp"/>
+                  <dgm:shape xmlns:r="http://schemas.openxmlformats.org/officeDocument/2006/relationships" r:blip="">
+                    <dgm:adjLst/>
+                  </dgm:shape>
+                  <dgm:presOf/>
+                  <dgm:constrLst/>
+                  <dgm:ruleLst/>
+                </dgm:layoutNode>
+              </dgm:forEach>
+            </dgm:if>
+            <dgm:else name="Name7"/>
+          </dgm:choose>
+        </dgm:else>
+      </dgm:choose>
+    </dgm:forEach>
+  </dgm:layoutNode>
+</dgm:layoutDef>
+</file>
+
 <file path=ppt/diagrams/quickStyle1.xml><?xml version="1.0" encoding="utf-8"?>
+<dgm:styleDef xmlns:dgm="http://schemas.openxmlformats.org/drawingml/2006/diagram" xmlns:a="http://schemas.openxmlformats.org/drawingml/2006/main" uniqueId="urn:microsoft.com/office/officeart/2005/8/quickstyle/simple1">
+  <dgm:title val=""/>
+  <dgm:desc val=""/>
+  <dgm:catLst>
+    <dgm:cat type="simple" pri="10100"/>
+  </dgm:catLst>
+  <dgm:scene3d>
+    <a:camera prst="orthographicFront"/>
+    <a:lightRig rig="threePt" dir="t"/>
+  </dgm:scene3d>
+  <dgm:styleLbl name="node0">
+    <dgm:scene3d>
+      <a:camera prst="orthographicFront"/>
+      <a:lightRig rig="threePt" dir="t"/>
+    </dgm:scene3d>
+    <dgm:sp3d/>
+    <dgm:txPr/>
+    <dgm:style>
+      <a:lnRef idx="2">
+        <a:scrgbClr r="0" g="0" b="0"/>
+      </a:lnRef>
+      <a:fillRef idx="1">
+        <a:scrgbClr r="0" g="0" b="0"/>
+      </a:fillRef>
+      <a:effectRef idx="0">
+        <a:scrgbClr r="0" g="0" b="0"/>
+      </a:effectRef>
+      <a:fontRef idx="minor">
+        <a:schemeClr val="lt1"/>
+      </a:fontRef>
+    </dgm:style>
+  </dgm:styleLbl>
+  <dgm:styleLbl name="lnNode1">
+    <dgm:scene3d>
+      <a:camera prst="orthographicFront"/>
+      <a:lightRig rig="threePt" dir="t"/>
+    </dgm:scene3d>
+    <dgm:sp3d/>
+    <dgm:txPr/>
+    <dgm:style>
+      <a:lnRef idx="2">
+        <a:scrgbClr r="0" g="0" b="0"/>
+      </a:lnRef>
+      <a:fillRef idx="1">
+        <a:scrgbClr r="0" g="0" b="0"/>
+      </a:fillRef>
+      <a:effectRef idx="0">
+        <a:scrgbClr r="0" g="0" b="0"/>
+      </a:effectRef>
+      <a:fontRef idx="minor">
+        <a:schemeClr val="lt1"/>
+      </a:fontRef>
+    </dgm:style>
+  </dgm:styleLbl>
+  <dgm:styleLbl name="vennNode1">
+    <dgm:scene3d>
+      <a:camera prst="orthographicFront"/>
+      <a:lightRig rig="threePt" dir="t"/>
+    </dgm:scene3d>
+    <dgm:sp3d/>
+    <dgm:txPr/>
+    <dgm:style>
+      <a:lnRef idx="2">
+        <a:scrgbClr r="0" g="0" b="0"/>
+      </a:lnRef>
+      <a:fillRef idx="1">
+        <a:scrgbClr r="0" g="0" b="0"/>
+      </a:fillRef>
+      <a:effectRef idx="0">
+        <a:scrgbClr r="0" g="0" b="0"/>
+      </a:effectRef>
+      <a:fontRef idx="minor">
+        <a:schemeClr val="tx1"/>
+      </a:fontRef>
+    </dgm:style>
+  </dgm:styleLbl>
+  <dgm:styleLbl name="alignNode1">
+    <dgm:scene3d>
+      <a:camera prst="orthographicFront"/>
+      <a:lightRig rig="threePt" dir="t"/>
+    </dgm:scene3d>
+    <dgm:sp3d/>
+    <dgm:txPr/>
+    <dgm:style>
+      <a:lnRef idx="2">
+        <a:scrgbClr r="0" g="0" b="0"/>
+      </a:lnRef>
+      <a:fillRef idx="1">
+        <a:scrgbClr r="0" g="0" b="0"/>
+      </a:fillRef>
+      <a:effectRef idx="0">
+        <a:scrgbClr r="0" g="0" b="0"/>
+      </a:effectRef>
+      <a:fontRef idx="minor">
+        <a:schemeClr val="lt1"/>
+      </a:fontRef>
+    </dgm:style>
+  </dgm:styleLbl>
+  <dgm:styleLbl name="node1">
+    <dgm:scene3d>
+      <a:camera prst="orthographicFront"/>
+      <a:lightRig rig="threePt" dir="t"/>
+    </dgm:scene3d>
+    <dgm:sp3d/>
+    <dgm:txPr/>
+    <dgm:style>
+      <a:lnRef idx="2">
+        <a:scrgbClr r="0" g="0" b="0"/>
+      </a:lnRef>
+      <a:fillRef idx="1">
+        <a:scrgbClr r="0" g="0" b="0"/>
+      </a:fillRef>
+      <a:effectRef idx="0">
+        <a:scrgbClr r="0" g="0" b="0"/>
+      </a:effectRef>
+      <a:fontRef idx="minor">
+        <a:schemeClr val="lt1"/>
+      </a:fontRef>
+    </dgm:style>
+  </dgm:styleLbl>
+  <dgm:styleLbl name="node2">
+    <dgm:scene3d>
+      <a:camera prst="orthographicFront"/>
+      <a:lightRig rig="threePt" dir="t"/>
+    </dgm:scene3d>
+    <dgm:sp3d/>
+    <dgm:txPr/>
+    <dgm:style>
+      <a:lnRef idx="2">
+        <a:scrgbClr r="0" g="0" b="0"/>
+      </a:lnRef>
+      <a:fillRef idx="1">
+        <a:scrgbClr r="0" g="0" b="0"/>
+      </a:fillRef>
+      <a:effectRef idx="0">
+        <a:scrgbClr r="0" g="0" b="0"/>
+      </a:effectRef>
+      <a:fontRef idx="minor">
+        <a:schemeClr val="lt1"/>
+      </a:fontRef>
+    </dgm:style>
+  </dgm:styleLbl>
+  <dgm:styleLbl name="node3">
+    <dgm:scene3d>
+      <a:camera prst="orthographicFront"/>
+      <a:lightRig rig="threePt" dir="t"/>
+    </dgm:scene3d>
+    <dgm:sp3d/>
+    <dgm:txPr/>
+    <dgm:style>
+      <a:lnRef idx="2">
+        <a:scrgbClr r="0" g="0" b="0"/>
+      </a:lnRef>
+      <a:fillRef idx="1">
+        <a:scrgbClr r="0" g="0" b="0"/>
+      </a:fillRef>
+      <a:effectRef idx="0">
+        <a:scrgbClr r="0" g="0" b="0"/>
+      </a:effectRef>
+      <a:fontRef idx="minor">
+        <a:schemeClr val="lt1"/>
+      </a:fontRef>
+    </dgm:style>
+  </dgm:styleLbl>
+  <dgm:styleLbl name="node4">
+    <dgm:scene3d>
+      <a:camera prst="orthographicFront"/>
+      <a:lightRig rig="threePt" dir="t"/>
+    </dgm:scene3d>
+    <dgm:sp3d/>
+    <dgm:txPr/>
+    <dgm:style>
+      <a:lnRef idx="2">
+        <a:scrgbClr r="0" g="0" b="0"/>
+      </a:lnRef>
+      <a:fillRef idx="1">
+        <a:scrgbClr r="0" g="0" b="0"/>
+      </a:fillRef>
+      <a:effectRef idx="0">
+        <a:scrgbClr r="0" g="0" b="0"/>
+      </a:effectRef>
+      <a:fontRef idx="minor">
+        <a:schemeClr val="lt1"/>
+      </a:fontRef>
+    </dgm:style>
+  </dgm:styleLbl>
+  <dgm:styleLbl name="fgImgPlace1">
+    <dgm:scene3d>
+      <a:camera prst="orthographicFront"/>
+      <a:lightRig rig="threePt" dir="t"/>
+    </dgm:scene3d>
+    <dgm:sp3d/>
+    <dgm:txPr/>
+    <dgm:style>
+      <a:lnRef idx="2">
+        <a:scrgbClr r="0" g="0" b="0"/>
+      </a:lnRef>
+      <a:fillRef idx="1">
+        <a:scrgbClr r="0" g="0" b="0"/>
+      </a:fillRef>
+      <a:effectRef idx="0">
+        <a:scrgbClr r="0" g="0" b="0"/>
+      </a:effectRef>
+      <a:fontRef idx="minor"/>
+    </dgm:style>
+  </dgm:styleLbl>
+  <dgm:styleLbl name="alignImgPlace1">
+    <dgm:scene3d>
+      <a:camera prst="orthographicFront"/>
+      <a:lightRig rig="threePt" dir="t"/>
+    </dgm:scene3d>
+    <dgm:sp3d/>
+    <dgm:txPr/>
+    <dgm:style>
+      <a:lnRef idx="2">
+        <a:scrgbClr r="0" g="0" b="0"/>
+      </a:lnRef>
+      <a:fillRef idx="1">
+        <a:scrgbClr r="0" g="0" b="0"/>
+      </a:fillRef>
+      <a:effectRef idx="0">
+        <a:scrgbClr r="0" g="0" b="0"/>
+      </a:effectRef>
+      <a:fontRef idx="minor"/>
+    </dgm:style>
+  </dgm:styleLbl>
+  <dgm:styleLbl name="bgImgPlace1">
+    <dgm:scene3d>
+      <a:camera prst="orthographicFront"/>
+      <a:lightRig rig="threePt" dir="t"/>
+    </dgm:scene3d>
+    <dgm:sp3d/>
+    <dgm:txPr/>
+    <dgm:style>
+      <a:lnRef idx="2">
+        <a:scrgbClr r="0" g="0" b="0"/>
+      </a:lnRef>
+      <a:fillRef idx="1">
+        <a:scrgbClr r="0" g="0" b="0"/>
+      </a:fillRef>
+      <a:effectRef idx="0">
+        <a:scrgbClr r="0" g="0" b="0"/>
+      </a:effectRef>
+      <a:fontRef idx="minor"/>
+    </dgm:style>
+  </dgm:styleLbl>
+  <dgm:styleLbl name="sibTrans2D1">
+    <dgm:scene3d>
+      <a:camera prst="orthographicFront"/>
+      <a:lightRig rig="threePt" dir="t"/>
+    </dgm:scene3d>
+    <dgm:sp3d/>
+    <dgm:txPr/>
+    <dgm:style>
+      <a:lnRef idx="0">
+        <a:scrgbClr r="0" g="0" b="0"/>
+      </a:lnRef>
+      <a:fillRef idx="1">
+        <a:scrgbClr r="0" g="0" b="0"/>
+      </a:fillRef>
+      <a:effectRef idx="0">
+        <a:scrgbClr r="0" g="0" b="0"/>
+      </a:effectRef>
+      <a:fontRef idx="minor">
+        <a:schemeClr val="lt1"/>
+      </a:fontRef>
+    </dgm:style>
+  </dgm:styleLbl>
+  <dgm:styleLbl name="fgSibTrans2D1">
+    <dgm:scene3d>
+      <a:camera prst="orthographicFront"/>
+      <a:lightRig rig="threePt" dir="t"/>
+    </dgm:scene3d>
+    <dgm:sp3d/>
+    <dgm:txPr/>
+    <dgm:style>
+      <a:lnRef idx="0">
+        <a:scrgbClr r="0" g="0" b="0"/>
+      </a:lnRef>
+      <a:fillRef idx="1">
+        <a:scrgbClr r="0" g="0" b="0"/>
+      </a:fillRef>
+      <a:effectRef idx="0">
+        <a:scrgbClr r="0" g="0" b="0"/>
+      </a:effectRef>
+      <a:fontRef idx="minor">
+        <a:schemeClr val="lt1"/>
+      </a:fontRef>
+    </dgm:style>
+  </dgm:styleLbl>
+  <dgm:styleLbl name="bgSibTrans2D1">
+    <dgm:scene3d>
+      <a:camera prst="orthographicFront"/>
+      <a:lightRig rig="threePt" dir="t"/>
+    </dgm:scene3d>
+    <dgm:sp3d/>
+    <dgm:txPr/>
+    <dgm:style>
+      <a:lnRef idx="0">
+        <a:scrgbClr r="0" g="0" b="0"/>
+      </a:lnRef>
+      <a:fillRef idx="1">
+        <a:scrgbClr r="0" g="0" b="0"/>
+      </a:fillRef>
+      <a:effectRef idx="0">
+        <a:scrgbClr r="0" g="0" b="0"/>
+      </a:effectRef>
+      <a:fontRef idx="minor">
+        <a:schemeClr val="lt1"/>
+      </a:fontRef>
+    </dgm:style>
+  </dgm:styleLbl>
+  <dgm:styleLbl name="sibTrans1D1">
+    <dgm:scene3d>
+      <a:camera prst="orthographicFront"/>
+      <a:lightRig rig="threePt" dir="t"/>
+    </dgm:scene3d>
+    <dgm:sp3d/>
+    <dgm:txPr/>
+    <dgm:style>
+      <a:lnRef idx="1">
+        <a:scrgbClr r="0" g="0" b="0"/>
+      </a:lnRef>
+      <a:fillRef idx="0">
+        <a:scrgbClr r="0" g="0" b="0"/>
+      </a:fillRef>
+      <a:effectRef idx="0">
+        <a:scrgbClr r="0" g="0" b="0"/>
+      </a:effectRef>
+      <a:fontRef idx="minor"/>
+    </dgm:style>
+  </dgm:styleLbl>
+  <dgm:styleLbl name="callout">
+    <dgm:scene3d>
+      <a:camera prst="orthographicFront"/>
+      <a:lightRig rig="threePt" dir="t"/>
+    </dgm:scene3d>
+    <dgm:sp3d/>
+    <dgm:txPr/>
+    <dgm:style>
+      <a:lnRef idx="2">
+        <a:scrgbClr r="0" g="0" b="0"/>
+      </a:lnRef>
+      <a:fillRef idx="1">
+        <a:scrgbClr r="0" g="0" b="0"/>
+      </a:fillRef>
+      <a:effectRef idx="0">
+        <a:scrgbClr r="0" g="0" b="0"/>
+      </a:effectRef>
+      <a:fontRef idx="minor"/>
+    </dgm:style>
+  </dgm:styleLbl>
+  <dgm:styleLbl name="asst0">
+    <dgm:scene3d>
+      <a:camera prst="orthographicFront"/>
+      <a:lightRig rig="threePt" dir="t"/>
+    </dgm:scene3d>
+    <dgm:sp3d/>
+    <dgm:txPr/>
+    <dgm:style>
+      <a:lnRef idx="2">
+        <a:scrgbClr r="0" g="0" b="0"/>
+      </a:lnRef>
+      <a:fillRef idx="1">
+        <a:scrgbClr r="0" g="0" b="0"/>
+      </a:fillRef>
+      <a:effectRef idx="0">
+        <a:scrgbClr r="0" g="0" b="0"/>
+      </a:effectRef>
+      <a:fontRef idx="minor">
+        <a:schemeClr val="lt1"/>
+      </a:fontRef>
+    </dgm:style>
+  </dgm:styleLbl>
+  <dgm:styleLbl name="asst1">
+    <dgm:scene3d>
+      <a:camera prst="orthographicFront"/>
+      <a:lightRig rig="threePt" dir="t"/>
+    </dgm:scene3d>
+    <dgm:sp3d/>
+    <dgm:txPr/>
+    <dgm:style>
+      <a:lnRef idx="2">
+        <a:scrgbClr r="0" g="0" b="0"/>
+      </a:lnRef>
+      <a:fillRef idx="1">
+        <a:scrgbClr r="0" g="0" b="0"/>
+      </a:fillRef>
+      <a:effectRef idx="0">
+        <a:scrgbClr r="0" g="0" b="0"/>
+      </a:effectRef>
+      <a:fontRef idx="minor">
+        <a:schemeClr val="lt1"/>
+      </a:fontRef>
+    </dgm:style>
+  </dgm:styleLbl>
+  <dgm:styleLbl name="asst2">
+    <dgm:scene3d>
+      <a:camera prst="orthographicFront"/>
+      <a:lightRig rig="threePt" dir="t"/>
+    </dgm:scene3d>
+    <dgm:sp3d/>
+    <dgm:txPr/>
+    <dgm:style>
+      <a:lnRef idx="2">
+        <a:scrgbClr r="0" g="0" b="0"/>
+      </a:lnRef>
+      <a:fillRef idx="1">
+        <a:scrgbClr r="0" g="0" b="0"/>
+      </a:fillRef>
+      <a:effectRef idx="0">
+        <a:scrgbClr r="0" g="0" b="0"/>
+      </a:effectRef>
+      <a:fontRef idx="minor">
+        <a:schemeClr val="lt1"/>
+      </a:fontRef>
+    </dgm:style>
+  </dgm:styleLbl>
+  <dgm:styleLbl name="asst3">
+    <dgm:scene3d>
+      <a:camera prst="orthographicFront"/>
+      <a:lightRig rig="threePt" dir="t"/>
+    </dgm:scene3d>
+    <dgm:sp3d/>
+    <dgm:txPr/>
+    <dgm:style>
+      <a:lnRef idx="2">
+        <a:scrgbClr r="0" g="0" b="0"/>
+      </a:lnRef>
+      <a:fillRef idx="1">
+        <a:scrgbClr r="0" g="0" b="0"/>
+      </a:fillRef>
+      <a:effectRef idx="0">
+        <a:scrgbClr r="0" g="0" b="0"/>
+      </a:effectRef>
+      <a:fontRef idx="minor">
+        <a:schemeClr val="lt1"/>
+      </a:fontRef>
+    </dgm:style>
+  </dgm:styleLbl>
+  <dgm:styleLbl name="asst4">
+    <dgm:scene3d>
+      <a:camera prst="orthographicFront"/>
+      <a:lightRig rig="threePt" dir="t"/>
+    </dgm:scene3d>
+    <dgm:sp3d/>
+    <dgm:txPr/>
+    <dgm:style>
+      <a:lnRef idx="2">
+        <a:scrgbClr r="0" g="0" b="0"/>
+      </a:lnRef>
+      <a:fillRef idx="1">
+        <a:scrgbClr r="0" g="0" b="0"/>
+      </a:fillRef>
+      <a:effectRef idx="0">
+        <a:scrgbClr r="0" g="0" b="0"/>
+      </a:effectRef>
+      <a:fontRef idx="minor">
+        <a:schemeClr val="lt1"/>
+      </a:fontRef>
+    </dgm:style>
+  </dgm:styleLbl>
+  <dgm:styleLbl name="parChTrans2D1">
+    <dgm:scene3d>
+      <a:camera prst="orthographicFront"/>
+      <a:lightRig rig="threePt" dir="t"/>
+    </dgm:scene3d>
+    <dgm:sp3d/>
+    <dgm:txPr/>
+    <dgm:style>
+      <a:lnRef idx="2">
+        <a:scrgbClr r="0" g="0" b="0"/>
+      </a:lnRef>
+      <a:fillRef idx="1">
+        <a:scrgbClr r="0" g="0" b="0"/>
+      </a:fillRef>
+      <a:effectRef idx="0">
+        <a:scrgbClr r="0" g="0" b="0"/>
+      </a:effectRef>
+      <a:fontRef idx="minor">
+        <a:schemeClr val="lt1"/>
+      </a:fontRef>
+    </dgm:style>
+  </dgm:styleLbl>
+  <dgm:styleLbl name="parChTrans2D2">
+    <dgm:scene3d>
+      <a:camera prst="orthographicFront"/>
+      <a:lightRig rig="threePt" dir="t"/>
+    </dgm:scene3d>
+    <dgm:sp3d/>
+    <dgm:txPr/>
+    <dgm:style>
+      <a:lnRef idx="2">
+        <a:scrgbClr r="0" g="0" b="0"/>
+      </a:lnRef>
+      <a:fillRef idx="1">
+        <a:scrgbClr r="0" g="0" b="0"/>
+      </a:fillRef>
+      <a:effectRef idx="0">
+        <a:scrgbClr r="0" g="0" b="0"/>
+      </a:effectRef>
+      <a:fontRef idx="minor">
+        <a:schemeClr val="lt1"/>
+      </a:fontRef>
+    </dgm:style>
+  </dgm:styleLbl>
+  <dgm:styleLbl name="parChTrans2D3">
+    <dgm:scene3d>
+      <a:camera prst="orthographicFront"/>
+      <a:lightRig rig="threePt" dir="t"/>
+    </dgm:scene3d>
+    <dgm:sp3d/>
+    <dgm:txPr/>
+    <dgm:style>
+      <a:lnRef idx="2">
+        <a:scrgbClr r="0" g="0" b="0"/>
+      </a:lnRef>
+      <a:fillRef idx="1">
+        <a:scrgbClr r="0" g="0" b="0"/>
+      </a:fillRef>
+      <a:effectRef idx="0">
+        <a:scrgbClr r="0" g="0" b="0"/>
+      </a:effectRef>
+      <a:fontRef idx="minor">
+        <a:schemeClr val="lt1"/>
+      </a:fontRef>
+    </dgm:style>
+  </dgm:styleLbl>
+  <dgm:styleLbl name="parChTrans2D4">
+    <dgm:scene3d>
+      <a:camera prst="orthographicFront"/>
+      <a:lightRig rig="threePt" dir="t"/>
+    </dgm:scene3d>
+    <dgm:sp3d/>
+    <dgm:txPr/>
+    <dgm:style>
+      <a:lnRef idx="2">
+        <a:scrgbClr r="0" g="0" b="0"/>
+      </a:lnRef>
+      <a:fillRef idx="1">
+        <a:scrgbClr r="0" g="0" b="0"/>
+      </a:fillRef>
+      <a:effectRef idx="0">
+        <a:scrgbClr r="0" g="0" b="0"/>
+      </a:effectRef>
+      <a:fontRef idx="minor">
+        <a:schemeClr val="lt1"/>
+      </a:fontRef>
+    </dgm:style>
+  </dgm:styleLbl>
+  <dgm:styleLbl name="parChTrans1D1">
+    <dgm:scene3d>
+      <a:camera prst="orthographicFront"/>
+      <a:lightRig rig="threePt" dir="t"/>
+    </dgm:scene3d>
+    <dgm:sp3d/>
+    <dgm:txPr/>
+    <dgm:style>
+      <a:lnRef idx="2">
+        <a:scrgbClr r="0" g="0" b="0"/>
+      </a:lnRef>
+      <a:fillRef idx="0">
+        <a:scrgbClr r="0" g="0" b="0"/>
+      </a:fillRef>
+      <a:effectRef idx="0">
+        <a:scrgbClr r="0" g="0" b="0"/>
+      </a:effectRef>
+      <a:fontRef idx="minor"/>
+    </dgm:style>
+  </dgm:styleLbl>
+  <dgm:styleLbl name="parChTrans1D2">
+    <dgm:scene3d>
+      <a:camera prst="orthographicFront"/>
+      <a:lightRig rig="threePt" dir="t"/>
+    </dgm:scene3d>
+    <dgm:sp3d/>
+    <dgm:txPr/>
+    <dgm:style>
+      <a:lnRef idx="2">
+        <a:scrgbClr r="0" g="0" b="0"/>
+      </a:lnRef>
+      <a:fillRef idx="0">
+        <a:scrgbClr r="0" g="0" b="0"/>
+      </a:fillRef>
+      <a:effectRef idx="0">
+        <a:scrgbClr r="0" g="0" b="0"/>
+      </a:effectRef>
+      <a:fontRef idx="minor"/>
+    </dgm:style>
+  </dgm:styleLbl>
+  <dgm:styleLbl name="parChTrans1D3">
+    <dgm:scene3d>
+      <a:camera prst="orthographicFront"/>
+      <a:lightRig rig="threePt" dir="t"/>
+    </dgm:scene3d>
+    <dgm:sp3d/>
+    <dgm:txPr/>
+    <dgm:style>
+      <a:lnRef idx="2">
+        <a:scrgbClr r="0" g="0" b="0"/>
+      </a:lnRef>
+      <a:fillRef idx="0">
+        <a:scrgbClr r="0" g="0" b="0"/>
+      </a:fillRef>
+      <a:effectRef idx="0">
+        <a:scrgbClr r="0" g="0" b="0"/>
+      </a:effectRef>
+      <a:fontRef idx="minor"/>
+    </dgm:style>
+  </dgm:styleLbl>
+  <dgm:styleLbl name="parChTrans1D4">
+    <dgm:scene3d>
+      <a:camera prst="orthographicFront"/>
+      <a:lightRig rig="threePt" dir="t"/>
+    </dgm:scene3d>
+    <dgm:sp3d/>
+    <dgm:txPr/>
+    <dgm:style>
+      <a:lnRef idx="2">
+        <a:scrgbClr r="0" g="0" b="0"/>
+      </a:lnRef>
+      <a:fillRef idx="0">
+        <a:scrgbClr r="0" g="0" b="0"/>
+      </a:fillRef>
+      <a:effectRef idx="0">
+        <a:scrgbClr r="0" g="0" b="0"/>
+      </a:effectRef>
+      <a:fontRef idx="minor"/>
+    </dgm:style>
+  </dgm:styleLbl>
+  <dgm:styleLbl name="fgAcc1">
+    <dgm:scene3d>
+      <a:camera prst="orthographicFront"/>
+      <a:lightRig rig="threePt" dir="t"/>
+    </dgm:scene3d>
+    <dgm:sp3d/>
+    <dgm:txPr/>
+    <dgm:style>
+      <a:lnRef idx="2">
+        <a:scrgbClr r="0" g="0" b="0"/>
+      </a:lnRef>
+      <a:fillRef idx="1">
+        <a:scrgbClr r="0" g="0" b="0"/>
+      </a:fillRef>
+      <a:effectRef idx="0">
+        <a:scrgbClr r="0" g="0" b="0"/>
+      </a:effectRef>
+      <a:fontRef idx="minor"/>
+    </dgm:style>
+  </dgm:styleLbl>
+  <dgm:styleLbl name="conFgAcc1">
+    <dgm:scene3d>
+      <a:camera prst="orthographicFront"/>
+      <a:lightRig rig="threePt" dir="t"/>
+    </dgm:scene3d>
+    <dgm:sp3d/>
+    <dgm:txPr/>
+    <dgm:style>
+      <a:lnRef idx="2">
+        <a:scrgbClr r="0" g="0" b="0"/>
+      </a:lnRef>
+      <a:fillRef idx="1">
+        <a:scrgbClr r="0" g="0" b="0"/>
+      </a:fillRef>
+      <a:effectRef idx="0">
+        <a:scrgbClr r="0" g="0" b="0"/>
+      </a:effectRef>
+      <a:fontRef idx="minor"/>
+    </dgm:style>
+  </dgm:styleLbl>
+  <dgm:styleLbl name="alignAcc1">
+    <dgm:scene3d>
+      <a:camera prst="orthographicFront"/>
+      <a:lightRig rig="threePt" dir="t"/>
+    </dgm:scene3d>
+    <dgm:sp3d/>
+    <dgm:txPr/>
+    <dgm:style>
+      <a:lnRef idx="2">
+        <a:scrgbClr r="0" g="0" b="0"/>
+      </a:lnRef>
+      <a:fillRef idx="1">
+        <a:scrgbClr r="0" g="0" b="0"/>
+      </a:fillRef>
+      <a:effectRef idx="0">
+        <a:scrgbClr r="0" g="0" b="0"/>
+      </a:effectRef>
+      <a:fontRef idx="minor"/>
+    </dgm:style>
+  </dgm:styleLbl>
+  <dgm:styleLbl name="trAlignAcc1">
+    <dgm:scene3d>
+      <a:camera prst="orthographicFront"/>
+      <a:lightRig rig="threePt" dir="t"/>
+    </dgm:scene3d>
+    <dgm:sp3d/>
+    <dgm:txPr/>
+    <dgm:style>
+      <a:lnRef idx="1">
+        <a:scrgbClr r="0" g="0" b="0"/>
+      </a:lnRef>
+      <a:fillRef idx="1">
+        <a:scrgbClr r="0" g="0" b="0"/>
+      </a:fillRef>
+      <a:effectRef idx="0">
+        <a:scrgbClr r="0" g="0" b="0"/>
+      </a:effectRef>
+      <a:fontRef idx="minor"/>
+    </dgm:style>
+  </dgm:styleLbl>
+  <dgm:styleLbl name="bgAcc1">
+    <dgm:scene3d>
+      <a:camera prst="orthographicFront"/>
+      <a:lightRig rig="threePt" dir="t"/>
+    </dgm:scene3d>
+    <dgm:sp3d/>
+    <dgm:txPr/>
+    <dgm:style>
+      <a:lnRef idx="2">
+        <a:scrgbClr r="0" g="0" b="0"/>
+      </a:lnRef>
+      <a:fillRef idx="1">
+        <a:scrgbClr r="0" g="0" b="0"/>
+      </a:fillRef>
+      <a:effectRef idx="0">
+        <a:scrgbClr r="0" g="0" b="0"/>
+      </a:effectRef>
+      <a:fontRef idx="minor"/>
+    </dgm:style>
+  </dgm:styleLbl>
+  <dgm:styleLbl name="solidFgAcc1">
+    <dgm:scene3d>
+      <a:camera prst="orthographicFront"/>
+      <a:lightRig rig="threePt" dir="t"/>
+    </dgm:scene3d>
+    <dgm:sp3d/>
+    <dgm:txPr/>
+    <dgm:style>
+      <a:lnRef idx="2">
+        <a:scrgbClr r="0" g="0" b="0"/>
+      </a:lnRef>
+      <a:fillRef idx="1">
+        <a:scrgbClr r="0" g="0" b="0"/>
+      </a:fillRef>
+      <a:effectRef idx="0">
+        <a:scrgbClr r="0" g="0" b="0"/>
+      </a:effectRef>
+      <a:fontRef idx="minor"/>
+    </dgm:style>
+  </dgm:styleLbl>
+  <dgm:styleLbl name="solidAlignAcc1">
+    <dgm:scene3d>
+      <a:camera prst="orthographicFront"/>
+      <a:lightRig rig="threePt" dir="t"/>
+    </dgm:scene3d>
+    <dgm:sp3d/>
+    <dgm:txPr/>
+    <dgm:style>
+      <a:lnRef idx="2">
+        <a:scrgbClr r="0" g="0" b="0"/>
+      </a:lnRef>
+      <a:fillRef idx="1">
+        <a:scrgbClr r="0" g="0" b="0"/>
+      </a:fillRef>
+      <a:effectRef idx="0">
+        <a:scrgbClr r="0" g="0" b="0"/>
+      </a:effectRef>
+      <a:fontRef idx="minor"/>
+    </dgm:style>
+  </dgm:styleLbl>
+  <dgm:styleLbl name="solidBgAcc1">
+    <dgm:scene3d>
+      <a:camera prst="orthographicFront"/>
+      <a:lightRig rig="threePt" dir="t"/>
+    </dgm:scene3d>
+    <dgm:sp3d/>
+    <dgm:txPr/>
+    <dgm:style>
+      <a:lnRef idx="2">
+        <a:scrgbClr r="0" g="0" b="0"/>
+      </a:lnRef>
+      <a:fillRef idx="1">
+        <a:scrgbClr r="0" g="0" b="0"/>
+      </a:fillRef>
+      <a:effectRef idx="0">
+        <a:scrgbClr r="0" g="0" b="0"/>
+      </a:effectRef>
+      <a:fontRef idx="minor"/>
+    </dgm:style>
+  </dgm:styleLbl>
+  <dgm:styleLbl name="fgAccFollowNode1">
+    <dgm:scene3d>
+      <a:camera prst="orthographicFront"/>
+      <a:lightRig rig="threePt" dir="t"/>
+    </dgm:scene3d>
+    <dgm:sp3d/>
+    <dgm:txPr/>
+    <dgm:style>
+      <a:lnRef idx="2">
+        <a:scrgbClr r="0" g="0" b="0"/>
+      </a:lnRef>
+      <a:fillRef idx="1">
+        <a:scrgbClr r="0" g="0" b="0"/>
+      </a:fillRef>
+      <a:effectRef idx="0">
+        <a:scrgbClr r="0" g="0" b="0"/>
+      </a:effectRef>
+      <a:fontRef idx="minor"/>
+    </dgm:style>
+  </dgm:styleLbl>
+  <dgm:styleLbl name="alignAccFollowNode1">
+    <dgm:scene3d>
+      <a:camera prst="orthographicFront"/>
+      <a:lightRig rig="threePt" dir="t"/>
+    </dgm:scene3d>
+    <dgm:sp3d/>
+    <dgm:txPr/>
+    <dgm:style>
+      <a:lnRef idx="2">
+        <a:scrgbClr r="0" g="0" b="0"/>
+      </a:lnRef>
+      <a:fillRef idx="1">
+        <a:scrgbClr r="0" g="0" b="0"/>
+      </a:fillRef>
+      <a:effectRef idx="0">
+        <a:scrgbClr r="0" g="0" b="0"/>
+      </a:effectRef>
+      <a:fontRef idx="minor"/>
+    </dgm:style>
+  </dgm:styleLbl>
+  <dgm:styleLbl name="bgAccFollowNode1">
+    <dgm:scene3d>
+      <a:camera prst="orthographicFront"/>
+      <a:lightRig rig="threePt" dir="t"/>
+    </dgm:scene3d>
+    <dgm:sp3d/>
+    <dgm:txPr/>
+    <dgm:style>
+      <a:lnRef idx="2">
+        <a:scrgbClr r="0" g="0" b="0"/>
+      </a:lnRef>
+      <a:fillRef idx="1">
+        <a:scrgbClr r="0" g="0" b="0"/>
+      </a:fillRef>
+      <a:effectRef idx="0">
+        <a:scrgbClr r="0" g="0" b="0"/>
+      </a:effectRef>
+      <a:fontRef idx="minor"/>
+    </dgm:style>
+  </dgm:styleLbl>
+  <dgm:styleLbl name="fgAcc0">
+    <dgm:scene3d>
+      <a:camera prst="orthographicFront"/>
+      <a:lightRig rig="threePt" dir="t"/>
+    </dgm:scene3d>
+    <dgm:sp3d/>
+    <dgm:txPr/>
+    <dgm:style>
+      <a:lnRef idx="2">
+        <a:scrgbClr r="0" g="0" b="0"/>
+      </a:lnRef>
+      <a:fillRef idx="1">
+        <a:scrgbClr r="0" g="0" b="0"/>
+      </a:fillRef>
+      <a:effectRef idx="0">
+        <a:scrgbClr r="0" g="0" b="0"/>
+      </a:effectRef>
+      <a:fontRef idx="minor"/>
+    </dgm:style>
+  </dgm:styleLbl>
+  <dgm:styleLbl name="fgAcc2">
+    <dgm:scene3d>
+      <a:camera prst="orthographicFront"/>
+      <a:lightRig rig="threePt" dir="t"/>
+    </dgm:scene3d>
+    <dgm:sp3d/>
+    <dgm:txPr/>
+    <dgm:style>
+      <a:lnRef idx="2">
+        <a:scrgbClr r="0" g="0" b="0"/>
+      </a:lnRef>
+      <a:fillRef idx="1">
+        <a:scrgbClr r="0" g="0" b="0"/>
+      </a:fillRef>
+      <a:effectRef idx="0">
+        <a:scrgbClr r="0" g="0" b="0"/>
+      </a:effectRef>
+      <a:fontRef idx="minor"/>
+    </dgm:style>
+  </dgm:styleLbl>
+  <dgm:styleLbl name="fgAcc3">
+    <dgm:scene3d>
+      <a:camera prst="orthographicFront"/>
+      <a:lightRig rig="threePt" dir="t"/>
+    </dgm:scene3d>
+    <dgm:sp3d/>
+    <dgm:txPr/>
+    <dgm:style>
+      <a:lnRef idx="2">
+        <a:scrgbClr r="0" g="0" b="0"/>
+      </a:lnRef>
+      <a:fillRef idx="1">
+        <a:scrgbClr r="0" g="0" b="0"/>
+      </a:fillRef>
+      <a:effectRef idx="0">
+        <a:scrgbClr r="0" g="0" b="0"/>
+      </a:effectRef>
+      <a:fontRef idx="minor"/>
+    </dgm:style>
+  </dgm:styleLbl>
+  <dgm:styleLbl name="fgAcc4">
+    <dgm:scene3d>
+      <a:camera prst="orthographicFront"/>
+      <a:lightRig rig="threePt" dir="t"/>
+    </dgm:scene3d>
+    <dgm:sp3d/>
+    <dgm:txPr/>
+    <dgm:style>
+      <a:lnRef idx="2">
+        <a:scrgbClr r="0" g="0" b="0"/>
+      </a:lnRef>
+      <a:fillRef idx="1">
+        <a:scrgbClr r="0" g="0" b="0"/>
+      </a:fillRef>
+      <a:effectRef idx="0">
+        <a:scrgbClr r="0" g="0" b="0"/>
+      </a:effectRef>
+      <a:fontRef idx="minor"/>
+    </dgm:style>
+  </dgm:styleLbl>
+  <dgm:styleLbl name="bgShp">
+    <dgm:scene3d>
+      <a:camera prst="orthographicFront"/>
+      <a:lightRig rig="threePt" dir="t"/>
+    </dgm:scene3d>
+    <dgm:sp3d/>
+    <dgm:txPr/>
+    <dgm:style>
+      <a:lnRef idx="0">
+        <a:scrgbClr r="0" g="0" b="0"/>
+      </a:lnRef>
+      <a:fillRef idx="1">
+        <a:scrgbClr r="0" g="0" b="0"/>
+      </a:fillRef>
+      <a:effectRef idx="0">
+        <a:scrgbClr r="0" g="0" b="0"/>
+      </a:effectRef>
+      <a:fontRef idx="minor"/>
+    </dgm:style>
+  </dgm:styleLbl>
+  <dgm:styleLbl name="dkBgShp">
+    <dgm:scene3d>
+      <a:camera prst="orthographicFront"/>
+      <a:lightRig rig="threePt" dir="t"/>
+    </dgm:scene3d>
+    <dgm:sp3d/>
+    <dgm:txPr/>
+    <dgm:style>
+      <a:lnRef idx="0">
+        <a:scrgbClr r="0" g="0" b="0"/>
+      </a:lnRef>
+      <a:fillRef idx="1">
+        <a:scrgbClr r="0" g="0" b="0"/>
+      </a:fillRef>
+      <a:effectRef idx="0">
+        <a:scrgbClr r="0" g="0" b="0"/>
+      </a:effectRef>
+      <a:fontRef idx="minor"/>
+    </dgm:style>
+  </dgm:styleLbl>
+  <dgm:styleLbl name="trBgShp">
+    <dgm:scene3d>
+      <a:camera prst="orthographicFront"/>
+      <a:lightRig rig="threePt" dir="t"/>
+    </dgm:scene3d>
+    <dgm:sp3d/>
+    <dgm:txPr/>
+    <dgm:style>
+      <a:lnRef idx="0">
+        <a:scrgbClr r="0" g="0" b="0"/>
+      </a:lnRef>
+      <a:fillRef idx="1">
+        <a:scrgbClr r="0" g="0" b="0"/>
+      </a:fillRef>
+      <a:effectRef idx="0">
+        <a:scrgbClr r="0" g="0" b="0"/>
+      </a:effectRef>
+      <a:fontRef idx="minor"/>
+    </dgm:style>
+  </dgm:styleLbl>
+  <dgm:styleLbl name="fgShp">
+    <dgm:scene3d>
+      <a:camera prst="orthographicFront"/>
+      <a:lightRig rig="threePt" dir="t"/>
+    </dgm:scene3d>
+    <dgm:sp3d/>
+    <dgm:txPr/>
+    <dgm:style>
+      <a:lnRef idx="2">
+        <a:scrgbClr r="0" g="0" b="0"/>
+      </a:lnRef>
+      <a:fillRef idx="1">
+        <a:scrgbClr r="0" g="0" b="0"/>
+      </a:fillRef>
+      <a:effectRef idx="0">
+        <a:scrgbClr r="0" g="0" b="0"/>
+      </a:effectRef>
+      <a:fontRef idx="minor"/>
+    </dgm:style>
+  </dgm:styleLbl>
+  <dgm:styleLbl name="revTx">
+    <dgm:scene3d>
+      <a:camera prst="orthographicFront"/>
+      <a:lightRig rig="threePt" dir="t"/>
+    </dgm:scene3d>
+    <dgm:sp3d/>
+    <dgm:txPr/>
+    <dgm:style>
+      <a:lnRef idx="0">
+        <a:scrgbClr r="0" g="0" b="0"/>
+      </a:lnRef>
+      <a:fillRef idx="0">
+        <a:scrgbClr r="0" g="0" b="0"/>
+      </a:fillRef>
+      <a:effectRef idx="0">
+        <a:scrgbClr r="0" g="0" b="0"/>
+      </a:effectRef>
+      <a:fontRef idx="minor"/>
+    </dgm:style>
+  </dgm:styleLbl>
+</dgm:styleDef>
+</file>
+
+<file path=ppt/diagrams/quickStyle2.xml><?xml version="1.0" encoding="utf-8"?>
+<dgm:styleDef xmlns:dgm="http://schemas.openxmlformats.org/drawingml/2006/diagram" xmlns:a="http://schemas.openxmlformats.org/drawingml/2006/main" uniqueId="urn:microsoft.com/office/officeart/2005/8/quickstyle/simple1">
+  <dgm:title val=""/>
+  <dgm:desc val=""/>
+  <dgm:catLst>
+    <dgm:cat type="simple" pri="10100"/>
+  </dgm:catLst>
+  <dgm:scene3d>
+    <a:camera prst="orthographicFront"/>
+    <a:lightRig rig="threePt" dir="t"/>
+  </dgm:scene3d>
+  <dgm:styleLbl name="node0">
+    <dgm:scene3d>
+      <a:camera prst="orthographicFront"/>
+      <a:lightRig rig="threePt" dir="t"/>
+    </dgm:scene3d>
+    <dgm:sp3d/>
+    <dgm:txPr/>
+    <dgm:style>
+      <a:lnRef idx="2">
+        <a:scrgbClr r="0" g="0" b="0"/>
+      </a:lnRef>
+      <a:fillRef idx="1">
+        <a:scrgbClr r="0" g="0" b="0"/>
+      </a:fillRef>
+      <a:effectRef idx="0">
+        <a:scrgbClr r="0" g="0" b="0"/>
+      </a:effectRef>
+      <a:fontRef idx="minor">
+        <a:schemeClr val="lt1"/>
+      </a:fontRef>
+    </dgm:style>
+  </dgm:styleLbl>
+  <dgm:styleLbl name="lnNode1">
+    <dgm:scene3d>
+      <a:camera prst="orthographicFront"/>
+      <a:lightRig rig="threePt" dir="t"/>
+    </dgm:scene3d>
+    <dgm:sp3d/>
+    <dgm:txPr/>
+    <dgm:style>
+      <a:lnRef idx="2">
+        <a:scrgbClr r="0" g="0" b="0"/>
+      </a:lnRef>
+      <a:fillRef idx="1">
+        <a:scrgbClr r="0" g="0" b="0"/>
+      </a:fillRef>
+      <a:effectRef idx="0">
+        <a:scrgbClr r="0" g="0" b="0"/>
+      </a:effectRef>
+      <a:fontRef idx="minor">
+        <a:schemeClr val="lt1"/>
+      </a:fontRef>
+    </dgm:style>
+  </dgm:styleLbl>
+  <dgm:styleLbl name="vennNode1">
+    <dgm:scene3d>
+      <a:camera prst="orthographicFront"/>
+      <a:lightRig rig="threePt" dir="t"/>
+    </dgm:scene3d>
+    <dgm:sp3d/>
+    <dgm:txPr/>
+    <dgm:style>
+      <a:lnRef idx="2">
+        <a:scrgbClr r="0" g="0" b="0"/>
+      </a:lnRef>
+      <a:fillRef idx="1">
+        <a:scrgbClr r="0" g="0" b="0"/>
+      </a:fillRef>
+      <a:effectRef idx="0">
+        <a:scrgbClr r="0" g="0" b="0"/>
+      </a:effectRef>
+      <a:fontRef idx="minor">
+        <a:schemeClr val="tx1"/>
+      </a:fontRef>
+    </dgm:style>
+  </dgm:styleLbl>
+  <dgm:styleLbl name="alignNode1">
+    <dgm:scene3d>
+      <a:camera prst="orthographicFront"/>
+      <a:lightRig rig="threePt" dir="t"/>
+    </dgm:scene3d>
+    <dgm:sp3d/>
+    <dgm:txPr/>
+    <dgm:style>
+      <a:lnRef idx="2">
+        <a:scrgbClr r="0" g="0" b="0"/>
+      </a:lnRef>
+      <a:fillRef idx="1">
+        <a:scrgbClr r="0" g="0" b="0"/>
+      </a:fillRef>
+      <a:effectRef idx="0">
+        <a:scrgbClr r="0" g="0" b="0"/>
+      </a:effectRef>
+      <a:fontRef idx="minor">
+        <a:schemeClr val="lt1"/>
+      </a:fontRef>
+    </dgm:style>
+  </dgm:styleLbl>
+  <dgm:styleLbl name="node1">
+    <dgm:scene3d>
+      <a:camera prst="orthographicFront"/>
+      <a:lightRig rig="threePt" dir="t"/>
+    </dgm:scene3d>
+    <dgm:sp3d/>
+    <dgm:txPr/>
+    <dgm:style>
+      <a:lnRef idx="2">
+        <a:scrgbClr r="0" g="0" b="0"/>
+      </a:lnRef>
+      <a:fillRef idx="1">
+        <a:scrgbClr r="0" g="0" b="0"/>
+      </a:fillRef>
+      <a:effectRef idx="0">
+        <a:scrgbClr r="0" g="0" b="0"/>
+      </a:effectRef>
+      <a:fontRef idx="minor">
+        <a:schemeClr val="lt1"/>
+      </a:fontRef>
+    </dgm:style>
+  </dgm:styleLbl>
+  <dgm:styleLbl name="node2">
+    <dgm:scene3d>
+      <a:camera prst="orthographicFront"/>
+      <a:lightRig rig="threePt" dir="t"/>
+    </dgm:scene3d>
+    <dgm:sp3d/>
+    <dgm:txPr/>
+    <dgm:style>
+      <a:lnRef idx="2">
+        <a:scrgbClr r="0" g="0" b="0"/>
+      </a:lnRef>
+      <a:fillRef idx="1">
+        <a:scrgbClr r="0" g="0" b="0"/>
+      </a:fillRef>
+      <a:effectRef idx="0">
+        <a:scrgbClr r="0" g="0" b="0"/>
+      </a:effectRef>
+      <a:fontRef idx="minor">
+        <a:schemeClr val="lt1"/>
+      </a:fontRef>
+    </dgm:style>
+  </dgm:styleLbl>
+  <dgm:styleLbl name="node3">
+    <dgm:scene3d>
+      <a:camera prst="orthographicFront"/>
+      <a:lightRig rig="threePt" dir="t"/>
+    </dgm:scene3d>
+    <dgm:sp3d/>
+    <dgm:txPr/>
+    <dgm:style>
+      <a:lnRef idx="2">
+        <a:scrgbClr r="0" g="0" b="0"/>
+      </a:lnRef>
+      <a:fillRef idx="1">
+        <a:scrgbClr r="0" g="0" b="0"/>
+      </a:fillRef>
+      <a:effectRef idx="0">
+        <a:scrgbClr r="0" g="0" b="0"/>
+      </a:effectRef>
+      <a:fontRef idx="minor">
+        <a:schemeClr val="lt1"/>
+      </a:fontRef>
+    </dgm:style>
+  </dgm:styleLbl>
+  <dgm:styleLbl name="node4">
+    <dgm:scene3d>
+      <a:camera prst="orthographicFront"/>
+      <a:lightRig rig="threePt" dir="t"/>
+    </dgm:scene3d>
+    <dgm:sp3d/>
+    <dgm:txPr/>
+    <dgm:style>
+      <a:lnRef idx="2">
+        <a:scrgbClr r="0" g="0" b="0"/>
+      </a:lnRef>
+      <a:fillRef idx="1">
+        <a:scrgbClr r="0" g="0" b="0"/>
+      </a:fillRef>
+      <a:effectRef idx="0">
+        <a:scrgbClr r="0" g="0" b="0"/>
+      </a:effectRef>
+      <a:fontRef idx="minor">
+        <a:schemeClr val="lt1"/>
+      </a:fontRef>
+    </dgm:style>
+  </dgm:styleLbl>
+  <dgm:styleLbl name="fgImgPlace1">
+    <dgm:scene3d>
+      <a:camera prst="orthographicFront"/>
+      <a:lightRig rig="threePt" dir="t"/>
+    </dgm:scene3d>
+    <dgm:sp3d/>
+    <dgm:txPr/>
+    <dgm:style>
+      <a:lnRef idx="2">
+        <a:scrgbClr r="0" g="0" b="0"/>
+      </a:lnRef>
+      <a:fillRef idx="1">
+        <a:scrgbClr r="0" g="0" b="0"/>
+      </a:fillRef>
+      <a:effectRef idx="0">
+        <a:scrgbClr r="0" g="0" b="0"/>
+      </a:effectRef>
+      <a:fontRef idx="minor"/>
+    </dgm:style>
+  </dgm:styleLbl>
+  <dgm:styleLbl name="alignImgPlace1">
+    <dgm:scene3d>
+      <a:camera prst="orthographicFront"/>
+      <a:lightRig rig="threePt" dir="t"/>
+    </dgm:scene3d>
+    <dgm:sp3d/>
+    <dgm:txPr/>
+    <dgm:style>
+      <a:lnRef idx="2">
+        <a:scrgbClr r="0" g="0" b="0"/>
+      </a:lnRef>
+      <a:fillRef idx="1">
+        <a:scrgbClr r="0" g="0" b="0"/>
+      </a:fillRef>
+      <a:effectRef idx="0">
+        <a:scrgbClr r="0" g="0" b="0"/>
+      </a:effectRef>
+      <a:fontRef idx="minor"/>
+    </dgm:style>
+  </dgm:styleLbl>
+  <dgm:styleLbl name="bgImgPlace1">
+    <dgm:scene3d>
+      <a:camera prst="orthographicFront"/>
+      <a:lightRig rig="threePt" dir="t"/>
+    </dgm:scene3d>
+    <dgm:sp3d/>
+    <dgm:txPr/>
+    <dgm:style>
+      <a:lnRef idx="2">
+        <a:scrgbClr r="0" g="0" b="0"/>
+      </a:lnRef>
+      <a:fillRef idx="1">
+        <a:scrgbClr r="0" g="0" b="0"/>
+      </a:fillRef>
+      <a:effectRef idx="0">
+        <a:scrgbClr r="0" g="0" b="0"/>
+      </a:effectRef>
+      <a:fontRef idx="minor"/>
+    </dgm:style>
+  </dgm:styleLbl>
+  <dgm:styleLbl name="sibTrans2D1">
+    <dgm:scene3d>
+      <a:camera prst="orthographicFront"/>
+      <a:lightRig rig="threePt" dir="t"/>
+    </dgm:scene3d>
+    <dgm:sp3d/>
+    <dgm:txPr/>
+    <dgm:style>
+      <a:lnRef idx="0">
+        <a:scrgbClr r="0" g="0" b="0"/>
+      </a:lnRef>
+      <a:fillRef idx="1">
+        <a:scrgbClr r="0" g="0" b="0"/>
+      </a:fillRef>
+      <a:effectRef idx="0">
+        <a:scrgbClr r="0" g="0" b="0"/>
+      </a:effectRef>
+      <a:fontRef idx="minor">
+        <a:schemeClr val="lt1"/>
+      </a:fontRef>
+    </dgm:style>
+  </dgm:styleLbl>
+  <dgm:styleLbl name="fgSibTrans2D1">
+    <dgm:scene3d>
+      <a:camera prst="orthographicFront"/>
+      <a:lightRig rig="threePt" dir="t"/>
+    </dgm:scene3d>
+    <dgm:sp3d/>
+    <dgm:txPr/>
+    <dgm:style>
+      <a:lnRef idx="0">
+        <a:scrgbClr r="0" g="0" b="0"/>
+      </a:lnRef>
+      <a:fillRef idx="1">
+        <a:scrgbClr r="0" g="0" b="0"/>
+      </a:fillRef>
+      <a:effectRef idx="0">
+        <a:scrgbClr r="0" g="0" b="0"/>
+      </a:effectRef>
+      <a:fontRef idx="minor">
+        <a:schemeClr val="lt1"/>
+      </a:fontRef>
+    </dgm:style>
+  </dgm:styleLbl>
+  <dgm:styleLbl name="bgSibTrans2D1">
+    <dgm:scene3d>
+      <a:camera prst="orthographicFront"/>
+      <a:lightRig rig="threePt" dir="t"/>
+    </dgm:scene3d>
+    <dgm:sp3d/>
+    <dgm:txPr/>
+    <dgm:style>
+      <a:lnRef idx="0">
+        <a:scrgbClr r="0" g="0" b="0"/>
+      </a:lnRef>
+      <a:fillRef idx="1">
+        <a:scrgbClr r="0" g="0" b="0"/>
+      </a:fillRef>
+      <a:effectRef idx="0">
+        <a:scrgbClr r="0" g="0" b="0"/>
+      </a:effectRef>
+      <a:fontRef idx="minor">
+        <a:schemeClr val="lt1"/>
+      </a:fontRef>
+    </dgm:style>
+  </dgm:styleLbl>
+  <dgm:styleLbl name="sibTrans1D1">
+    <dgm:scene3d>
+      <a:camera prst="orthographicFront"/>
+      <a:lightRig rig="threePt" dir="t"/>
+    </dgm:scene3d>
+    <dgm:sp3d/>
+    <dgm:txPr/>
+    <dgm:style>
+      <a:lnRef idx="1">
+        <a:scrgbClr r="0" g="0" b="0"/>
+      </a:lnRef>
+      <a:fillRef idx="0">
+        <a:scrgbClr r="0" g="0" b="0"/>
+      </a:fillRef>
+      <a:effectRef idx="0">
+        <a:scrgbClr r="0" g="0" b="0"/>
+      </a:effectRef>
+      <a:fontRef idx="minor"/>
+    </dgm:style>
+  </dgm:styleLbl>
+  <dgm:styleLbl name="callout">
+    <dgm:scene3d>
+      <a:camera prst="orthographicFront"/>
+      <a:lightRig rig="threePt" dir="t"/>
+    </dgm:scene3d>
+    <dgm:sp3d/>
+    <dgm:txPr/>
+    <dgm:style>
+      <a:lnRef idx="2">
+        <a:scrgbClr r="0" g="0" b="0"/>
+      </a:lnRef>
+      <a:fillRef idx="1">
+        <a:scrgbClr r="0" g="0" b="0"/>
+      </a:fillRef>
+      <a:effectRef idx="0">
+        <a:scrgbClr r="0" g="0" b="0"/>
+      </a:effectRef>
+      <a:fontRef idx="minor"/>
+    </dgm:style>
+  </dgm:styleLbl>
+  <dgm:styleLbl name="asst0">
+    <dgm:scene3d>
+      <a:camera prst="orthographicFront"/>
+      <a:lightRig rig="threePt" dir="t"/>
+    </dgm:scene3d>
+    <dgm:sp3d/>
+    <dgm:txPr/>
+    <dgm:style>
+      <a:lnRef idx="2">
+        <a:scrgbClr r="0" g="0" b="0"/>
+      </a:lnRef>
+      <a:fillRef idx="1">
+        <a:scrgbClr r="0" g="0" b="0"/>
+      </a:fillRef>
+      <a:effectRef idx="0">
+        <a:scrgbClr r="0" g="0" b="0"/>
+      </a:effectRef>
+      <a:fontRef idx="minor">
+        <a:schemeClr val="lt1"/>
+      </a:fontRef>
+    </dgm:style>
+  </dgm:styleLbl>
+  <dgm:styleLbl name="asst1">
+    <dgm:scene3d>
+      <a:camera prst="orthographicFront"/>
+      <a:lightRig rig="threePt" dir="t"/>
+    </dgm:scene3d>
+    <dgm:sp3d/>
+    <dgm:txPr/>
+    <dgm:style>
+      <a:lnRef idx="2">
+        <a:scrgbClr r="0" g="0" b="0"/>
+      </a:lnRef>
+      <a:fillRef idx="1">
+        <a:scrgbClr r="0" g="0" b="0"/>
+      </a:fillRef>
+      <a:effectRef idx="0">
+        <a:scrgbClr r="0" g="0" b="0"/>
+      </a:effectRef>
+      <a:fontRef idx="minor">
+        <a:schemeClr val="lt1"/>
+      </a:fontRef>
+    </dgm:style>
+  </dgm:styleLbl>
+  <dgm:styleLbl name="asst2">
+    <dgm:scene3d>
+      <a:camera prst="orthographicFront"/>
+      <a:lightRig rig="threePt" dir="t"/>
+    </dgm:scene3d>
+    <dgm:sp3d/>
+    <dgm:txPr/>
+    <dgm:style>
+      <a:lnRef idx="2">
+        <a:scrgbClr r="0" g="0" b="0"/>
+      </a:lnRef>
+      <a:fillRef idx="1">
+        <a:scrgbClr r="0" g="0" b="0"/>
+      </a:fillRef>
+      <a:effectRef idx="0">
+        <a:scrgbClr r="0" g="0" b="0"/>
+      </a:effectRef>
+      <a:fontRef idx="minor">
+        <a:schemeClr val="lt1"/>
+      </a:fontRef>
+    </dgm:style>
+  </dgm:styleLbl>
+  <dgm:styleLbl name="asst3">
+    <dgm:scene3d>
+      <a:camera prst="orthographicFront"/>
+      <a:lightRig rig="threePt" dir="t"/>
+    </dgm:scene3d>
+    <dgm:sp3d/>
+    <dgm:txPr/>
+    <dgm:style>
+      <a:lnRef idx="2">
+        <a:scrgbClr r="0" g="0" b="0"/>
+      </a:lnRef>
+      <a:fillRef idx="1">
+        <a:scrgbClr r="0" g="0" b="0"/>
+      </a:fillRef>
+      <a:effectRef idx="0">
+        <a:scrgbClr r="0" g="0" b="0"/>
+      </a:effectRef>
+      <a:fontRef idx="minor">
+        <a:schemeClr val="lt1"/>
+      </a:fontRef>
+    </dgm:style>
+  </dgm:styleLbl>
+  <dgm:styleLbl name="asst4">
+    <dgm:scene3d>
+      <a:camera prst="orthographicFront"/>
+      <a:lightRig rig="threePt" dir="t"/>
+    </dgm:scene3d>
+    <dgm:sp3d/>
+    <dgm:txPr/>
+    <dgm:style>
+      <a:lnRef idx="2">
+        <a:scrgbClr r="0" g="0" b="0"/>
+      </a:lnRef>
+      <a:fillRef idx="1">
+        <a:scrgbClr r="0" g="0" b="0"/>
+      </a:fillRef>
+      <a:effectRef idx="0">
+        <a:scrgbClr r="0" g="0" b="0"/>
+      </a:effectRef>
+      <a:fontRef idx="minor">
+        <a:schemeClr val="lt1"/>
+      </a:fontRef>
+    </dgm:style>
+  </dgm:styleLbl>
+  <dgm:styleLbl name="parChTrans2D1">
+    <dgm:scene3d>
+      <a:camera prst="orthographicFront"/>
+      <a:lightRig rig="threePt" dir="t"/>
+    </dgm:scene3d>
+    <dgm:sp3d/>
+    <dgm:txPr/>
+    <dgm:style>
+      <a:lnRef idx="2">
+        <a:scrgbClr r="0" g="0" b="0"/>
+      </a:lnRef>
+      <a:fillRef idx="1">
+        <a:scrgbClr r="0" g="0" b="0"/>
+      </a:fillRef>
+      <a:effectRef idx="0">
+        <a:scrgbClr r="0" g="0" b="0"/>
+      </a:effectRef>
+      <a:fontRef idx="minor">
+        <a:schemeClr val="lt1"/>
+      </a:fontRef>
+    </dgm:style>
+  </dgm:styleLbl>
+  <dgm:styleLbl name="parChTrans2D2">
+    <dgm:scene3d>
+      <a:camera prst="orthographicFront"/>
+      <a:lightRig rig="threePt" dir="t"/>
+    </dgm:scene3d>
+    <dgm:sp3d/>
+    <dgm:txPr/>
+    <dgm:style>
+      <a:lnRef idx="2">
+        <a:scrgbClr r="0" g="0" b="0"/>
+      </a:lnRef>
+      <a:fillRef idx="1">
+        <a:scrgbClr r="0" g="0" b="0"/>
+      </a:fillRef>
+      <a:effectRef idx="0">
+        <a:scrgbClr r="0" g="0" b="0"/>
+      </a:effectRef>
+      <a:fontRef idx="minor">
+        <a:schemeClr val="lt1"/>
+      </a:fontRef>
+    </dgm:style>
+  </dgm:styleLbl>
+  <dgm:styleLbl name="parChTrans2D3">
+    <dgm:scene3d>
+      <a:camera prst="orthographicFront"/>
+      <a:lightRig rig="threePt" dir="t"/>
+    </dgm:scene3d>
+    <dgm:sp3d/>
+    <dgm:txPr/>
+    <dgm:style>
+      <a:lnRef idx="2">
+        <a:scrgbClr r="0" g="0" b="0"/>
+      </a:lnRef>
+      <a:fillRef idx="1">
+        <a:scrgbClr r="0" g="0" b="0"/>
+      </a:fillRef>
+      <a:effectRef idx="0">
+        <a:scrgbClr r="0" g="0" b="0"/>
+      </a:effectRef>
+      <a:fontRef idx="minor">
+        <a:schemeClr val="lt1"/>
+      </a:fontRef>
+    </dgm:style>
+  </dgm:styleLbl>
+  <dgm:styleLbl name="parChTrans2D4">
+    <dgm:scene3d>
+      <a:camera prst="orthographicFront"/>
+      <a:lightRig rig="threePt" dir="t"/>
+    </dgm:scene3d>
+    <dgm:sp3d/>
+    <dgm:txPr/>
+    <dgm:style>
+      <a:lnRef idx="2">
+        <a:scrgbClr r="0" g="0" b="0"/>
+      </a:lnRef>
+      <a:fillRef idx="1">
+        <a:scrgbClr r="0" g="0" b="0"/>
+      </a:fillRef>
+      <a:effectRef idx="0">
+        <a:scrgbClr r="0" g="0" b="0"/>
+      </a:effectRef>
+      <a:fontRef idx="minor">
+        <a:schemeClr val="lt1"/>
+      </a:fontRef>
+    </dgm:style>
+  </dgm:styleLbl>
+  <dgm:styleLbl name="parChTrans1D1">
+    <dgm:scene3d>
+      <a:camera prst="orthographicFront"/>
+      <a:lightRig rig="threePt" dir="t"/>
+    </dgm:scene3d>
+    <dgm:sp3d/>
+    <dgm:txPr/>
+    <dgm:style>
+      <a:lnRef idx="2">
+        <a:scrgbClr r="0" g="0" b="0"/>
+      </a:lnRef>
+      <a:fillRef idx="0">
+        <a:scrgbClr r="0" g="0" b="0"/>
+      </a:fillRef>
+      <a:effectRef idx="0">
+        <a:scrgbClr r="0" g="0" b="0"/>
+      </a:effectRef>
+      <a:fontRef idx="minor"/>
+    </dgm:style>
+  </dgm:styleLbl>
+  <dgm:styleLbl name="parChTrans1D2">
+    <dgm:scene3d>
+      <a:camera prst="orthographicFront"/>
+      <a:lightRig rig="threePt" dir="t"/>
+    </dgm:scene3d>
+    <dgm:sp3d/>
+    <dgm:txPr/>
+    <dgm:style>
+      <a:lnRef idx="2">
+        <a:scrgbClr r="0" g="0" b="0"/>
+      </a:lnRef>
+      <a:fillRef idx="0">
+        <a:scrgbClr r="0" g="0" b="0"/>
+      </a:fillRef>
+      <a:effectRef idx="0">
+        <a:scrgbClr r="0" g="0" b="0"/>
+      </a:effectRef>
+      <a:fontRef idx="minor"/>
+    </dgm:style>
+  </dgm:styleLbl>
+  <dgm:styleLbl name="parChTrans1D3">
+    <dgm:scene3d>
+      <a:camera prst="orthographicFront"/>
+      <a:lightRig rig="threePt" dir="t"/>
+    </dgm:scene3d>
+    <dgm:sp3d/>
+    <dgm:txPr/>
+    <dgm:style>
+      <a:lnRef idx="2">
+        <a:scrgbClr r="0" g="0" b="0"/>
+      </a:lnRef>
+      <a:fillRef idx="0">
+        <a:scrgbClr r="0" g="0" b="0"/>
+      </a:fillRef>
+      <a:effectRef idx="0">
+        <a:scrgbClr r="0" g="0" b="0"/>
+      </a:effectRef>
+      <a:fontRef idx="minor"/>
+    </dgm:style>
+  </dgm:styleLbl>
+  <dgm:styleLbl name="parChTrans1D4">
+    <dgm:scene3d>
+      <a:camera prst="orthographicFront"/>
+      <a:lightRig rig="threePt" dir="t"/>
+    </dgm:scene3d>
+    <dgm:sp3d/>
+    <dgm:txPr/>
+    <dgm:style>
+      <a:lnRef idx="2">
+        <a:scrgbClr r="0" g="0" b="0"/>
+      </a:lnRef>
+      <a:fillRef idx="0">
+        <a:scrgbClr r="0" g="0" b="0"/>
+      </a:fillRef>
+      <a:effectRef idx="0">
+        <a:scrgbClr r="0" g="0" b="0"/>
+      </a:effectRef>
+      <a:fontRef idx="minor"/>
+    </dgm:style>
+  </dgm:styleLbl>
+  <dgm:styleLbl name="fgAcc1">
+    <dgm:scene3d>
+      <a:camera prst="orthographicFront"/>
+      <a:lightRig rig="threePt" dir="t"/>
+    </dgm:scene3d>
+    <dgm:sp3d/>
+    <dgm:txPr/>
+    <dgm:style>
+      <a:lnRef idx="2">
+        <a:scrgbClr r="0" g="0" b="0"/>
+      </a:lnRef>
+      <a:fillRef idx="1">
+        <a:scrgbClr r="0" g="0" b="0"/>
+      </a:fillRef>
+      <a:effectRef idx="0">
+        <a:scrgbClr r="0" g="0" b="0"/>
+      </a:effectRef>
+      <a:fontRef idx="minor"/>
+    </dgm:style>
+  </dgm:styleLbl>
+  <dgm:styleLbl name="conFgAcc1">
+    <dgm:scene3d>
+      <a:camera prst="orthographicFront"/>
+      <a:lightRig rig="threePt" dir="t"/>
+    </dgm:scene3d>
+    <dgm:sp3d/>
+    <dgm:txPr/>
+    <dgm:style>
+      <a:lnRef idx="2">
+        <a:scrgbClr r="0" g="0" b="0"/>
+      </a:lnRef>
+      <a:fillRef idx="1">
+        <a:scrgbClr r="0" g="0" b="0"/>
+      </a:fillRef>
+      <a:effectRef idx="0">
+        <a:scrgbClr r="0" g="0" b="0"/>
+      </a:effectRef>
+      <a:fontRef idx="minor"/>
+    </dgm:style>
+  </dgm:styleLbl>
+  <dgm:styleLbl name="alignAcc1">
+    <dgm:scene3d>
+      <a:camera prst="orthographicFront"/>
+      <a:lightRig rig="threePt" dir="t"/>
+    </dgm:scene3d>
+    <dgm:sp3d/>
+    <dgm:txPr/>
+    <dgm:style>
+      <a:lnRef idx="2">
+        <a:scrgbClr r="0" g="0" b="0"/>
+      </a:lnRef>
+      <a:fillRef idx="1">
+        <a:scrgbClr r="0" g="0" b="0"/>
+      </a:fillRef>
+      <a:effectRef idx="0">
+        <a:scrgbClr r="0" g="0" b="0"/>
+      </a:effectRef>
+      <a:fontRef idx="minor"/>
+    </dgm:style>
+  </dgm:styleLbl>
+  <dgm:styleLbl name="trAlignAcc1">
+    <dgm:scene3d>
+      <a:camera prst="orthographicFront"/>
+      <a:lightRig rig="threePt" dir="t"/>
+    </dgm:scene3d>
+    <dgm:sp3d/>
+    <dgm:txPr/>
+    <dgm:style>
+      <a:lnRef idx="1">
+        <a:scrgbClr r="0" g="0" b="0"/>
+      </a:lnRef>
+      <a:fillRef idx="1">
+        <a:scrgbClr r="0" g="0" b="0"/>
+      </a:fillRef>
+      <a:effectRef idx="0">
+        <a:scrgbClr r="0" g="0" b="0"/>
+      </a:effectRef>
+      <a:fontRef idx="minor"/>
+    </dgm:style>
+  </dgm:styleLbl>
+  <dgm:styleLbl name="bgAcc1">
+    <dgm:scene3d>
+      <a:camera prst="orthographicFront"/>
+      <a:lightRig rig="threePt" dir="t"/>
+    </dgm:scene3d>
+    <dgm:sp3d/>
+    <dgm:txPr/>
+    <dgm:style>
+      <a:lnRef idx="2">
+        <a:scrgbClr r="0" g="0" b="0"/>
+      </a:lnRef>
+      <a:fillRef idx="1">
+        <a:scrgbClr r="0" g="0" b="0"/>
+      </a:fillRef>
+      <a:effectRef idx="0">
+        <a:scrgbClr r="0" g="0" b="0"/>
+      </a:effectRef>
+      <a:fontRef idx="minor"/>
+    </dgm:style>
+  </dgm:styleLbl>
+  <dgm:styleLbl name="solidFgAcc1">
+    <dgm:scene3d>
+      <a:camera prst="orthographicFront"/>
+      <a:lightRig rig="threePt" dir="t"/>
+    </dgm:scene3d>
+    <dgm:sp3d/>
+    <dgm:txPr/>
+    <dgm:style>
+      <a:lnRef idx="2">
+        <a:scrgbClr r="0" g="0" b="0"/>
+      </a:lnRef>
+      <a:fillRef idx="1">
+        <a:scrgbClr r="0" g="0" b="0"/>
+      </a:fillRef>
+      <a:effectRef idx="0">
+        <a:scrgbClr r="0" g="0" b="0"/>
+      </a:effectRef>
+      <a:fontRef idx="minor"/>
+    </dgm:style>
+  </dgm:styleLbl>
+  <dgm:styleLbl name="solidAlignAcc1">
+    <dgm:scene3d>
+      <a:camera prst="orthographicFront"/>
+      <a:lightRig rig="threePt" dir="t"/>
+    </dgm:scene3d>
+    <dgm:sp3d/>
+    <dgm:txPr/>
+    <dgm:style>
+      <a:lnRef idx="2">
+        <a:scrgbClr r="0" g="0" b="0"/>
+      </a:lnRef>
+      <a:fillRef idx="1">
+        <a:scrgbClr r="0" g="0" b="0"/>
+      </a:fillRef>
+      <a:effectRef idx="0">
+        <a:scrgbClr r="0" g="0" b="0"/>
+      </a:effectRef>
+      <a:fontRef idx="minor"/>
+    </dgm:style>
+  </dgm:styleLbl>
+  <dgm:styleLbl name="solidBgAcc1">
+    <dgm:scene3d>
+      <a:camera prst="orthographicFront"/>
+      <a:lightRig rig="threePt" dir="t"/>
+    </dgm:scene3d>
+    <dgm:sp3d/>
+    <dgm:txPr/>
+    <dgm:style>
+      <a:lnRef idx="2">
+        <a:scrgbClr r="0" g="0" b="0"/>
+      </a:lnRef>
+      <a:fillRef idx="1">
+        <a:scrgbClr r="0" g="0" b="0"/>
+      </a:fillRef>
+      <a:effectRef idx="0">
+        <a:scrgbClr r="0" g="0" b="0"/>
+      </a:effectRef>
+      <a:fontRef idx="minor"/>
+    </dgm:style>
+  </dgm:styleLbl>
+  <dgm:styleLbl name="fgAccFollowNode1">
+    <dgm:scene3d>
+      <a:camera prst="orthographicFront"/>
+      <a:lightRig rig="threePt" dir="t"/>
+    </dgm:scene3d>
+    <dgm:sp3d/>
+    <dgm:txPr/>
+    <dgm:style>
+      <a:lnRef idx="2">
+        <a:scrgbClr r="0" g="0" b="0"/>
+      </a:lnRef>
+      <a:fillRef idx="1">
+        <a:scrgbClr r="0" g="0" b="0"/>
+      </a:fillRef>
+      <a:effectRef idx="0">
+        <a:scrgbClr r="0" g="0" b="0"/>
+      </a:effectRef>
+      <a:fontRef idx="minor"/>
+    </dgm:style>
+  </dgm:styleLbl>
+  <dgm:styleLbl name="alignAccFollowNode1">
+    <dgm:scene3d>
+      <a:camera prst="orthographicFront"/>
+      <a:lightRig rig="threePt" dir="t"/>
+    </dgm:scene3d>
+    <dgm:sp3d/>
+    <dgm:txPr/>
+    <dgm:style>
+      <a:lnRef idx="2">
+        <a:scrgbClr r="0" g="0" b="0"/>
+      </a:lnRef>
+      <a:fillRef idx="1">
+        <a:scrgbClr r="0" g="0" b="0"/>
+      </a:fillRef>
+      <a:effectRef idx="0">
+        <a:scrgbClr r="0" g="0" b="0"/>
+      </a:effectRef>
+      <a:fontRef idx="minor"/>
+    </dgm:style>
+  </dgm:styleLbl>
+  <dgm:styleLbl name="bgAccFollowNode1">
+    <dgm:scene3d>
+      <a:camera prst="orthographicFront"/>
+      <a:lightRig rig="threePt" dir="t"/>
+    </dgm:scene3d>
+    <dgm:sp3d/>
+    <dgm:txPr/>
+    <dgm:style>
+      <a:lnRef idx="2">
+        <a:scrgbClr r="0" g="0" b="0"/>
+      </a:lnRef>
+      <a:fillRef idx="1">
+        <a:scrgbClr r="0" g="0" b="0"/>
+      </a:fillRef>
+      <a:effectRef idx="0">
+        <a:scrgbClr r="0" g="0" b="0"/>
+      </a:effectRef>
+      <a:fontRef idx="minor"/>
+    </dgm:style>
+  </dgm:styleLbl>
+  <dgm:styleLbl name="fgAcc0">
+    <dgm:scene3d>
+      <a:camera prst="orthographicFront"/>
+      <a:lightRig rig="threePt" dir="t"/>
+    </dgm:scene3d>
+    <dgm:sp3d/>
+    <dgm:txPr/>
+    <dgm:style>
+      <a:lnRef idx="2">
+        <a:scrgbClr r="0" g="0" b="0"/>
+      </a:lnRef>
+      <a:fillRef idx="1">
+        <a:scrgbClr r="0" g="0" b="0"/>
+      </a:fillRef>
+      <a:effectRef idx="0">
+        <a:scrgbClr r="0" g="0" b="0"/>
+      </a:effectRef>
+      <a:fontRef idx="minor"/>
+    </dgm:style>
+  </dgm:styleLbl>
+  <dgm:styleLbl name="fgAcc2">
+    <dgm:scene3d>
+      <a:camera prst="orthographicFront"/>
+      <a:lightRig rig="threePt" dir="t"/>
+    </dgm:scene3d>
+    <dgm:sp3d/>
+    <dgm:txPr/>
+    <dgm:style>
+      <a:lnRef idx="2">
+        <a:scrgbClr r="0" g="0" b="0"/>
+      </a:lnRef>
+      <a:fillRef idx="1">
+        <a:scrgbClr r="0" g="0" b="0"/>
+      </a:fillRef>
+      <a:effectRef idx="0">
+        <a:scrgbClr r="0" g="0" b="0"/>
+      </a:effectRef>
+      <a:fontRef idx="minor"/>
+    </dgm:style>
+  </dgm:styleLbl>
+  <dgm:styleLbl name="fgAcc3">
+    <dgm:scene3d>
+      <a:camera prst="orthographicFront"/>
+      <a:lightRig rig="threePt" dir="t"/>
+    </dgm:scene3d>
+    <dgm:sp3d/>
+    <dgm:txPr/>
+    <dgm:style>
+      <a:lnRef idx="2">
+        <a:scrgbClr r="0" g="0" b="0"/>
+      </a:lnRef>
+      <a:fillRef idx="1">
+        <a:scrgbClr r="0" g="0" b="0"/>
+      </a:fillRef>
+      <a:effectRef idx="0">
+        <a:scrgbClr r="0" g="0" b="0"/>
+      </a:effectRef>
+      <a:fontRef idx="minor"/>
+    </dgm:style>
+  </dgm:styleLbl>
+  <dgm:styleLbl name="fgAcc4">
+    <dgm:scene3d>
+      <a:camera prst="orthographicFront"/>
+      <a:lightRig rig="threePt" dir="t"/>
+    </dgm:scene3d>
+    <dgm:sp3d/>
+    <dgm:txPr/>
+    <dgm:style>
+      <a:lnRef idx="2">
+        <a:scrgbClr r="0" g="0" b="0"/>
+      </a:lnRef>
+      <a:fillRef idx="1">
+        <a:scrgbClr r="0" g="0" b="0"/>
+      </a:fillRef>
+      <a:effectRef idx="0">
+        <a:scrgbClr r="0" g="0" b="0"/>
+      </a:effectRef>
+      <a:fontRef idx="minor"/>
+    </dgm:style>
+  </dgm:styleLbl>
+  <dgm:styleLbl name="bgShp">
+    <dgm:scene3d>
+      <a:camera prst="orthographicFront"/>
+      <a:lightRig rig="threePt" dir="t"/>
+    </dgm:scene3d>
+    <dgm:sp3d/>
+    <dgm:txPr/>
+    <dgm:style>
+      <a:lnRef idx="0">
+        <a:scrgbClr r="0" g="0" b="0"/>
+      </a:lnRef>
+      <a:fillRef idx="1">
+        <a:scrgbClr r="0" g="0" b="0"/>
+      </a:fillRef>
+      <a:effectRef idx="0">
+        <a:scrgbClr r="0" g="0" b="0"/>
+      </a:effectRef>
+      <a:fontRef idx="minor"/>
+    </dgm:style>
+  </dgm:styleLbl>
+  <dgm:styleLbl name="dkBgShp">
+    <dgm:scene3d>
+      <a:camera prst="orthographicFront"/>
+      <a:lightRig rig="threePt" dir="t"/>
+    </dgm:scene3d>
+    <dgm:sp3d/>
+    <dgm:txPr/>
+    <dgm:style>
+      <a:lnRef idx="0">
+        <a:scrgbClr r="0" g="0" b="0"/>
+      </a:lnRef>
+      <a:fillRef idx="1">
+        <a:scrgbClr r="0" g="0" b="0"/>
+      </a:fillRef>
+      <a:effectRef idx="0">
+        <a:scrgbClr r="0" g="0" b="0"/>
+      </a:effectRef>
+      <a:fontRef idx="minor"/>
+    </dgm:style>
+  </dgm:styleLbl>
+  <dgm:styleLbl name="trBgShp">
+    <dgm:scene3d>
+      <a:camera prst="orthographicFront"/>
+      <a:lightRig rig="threePt" dir="t"/>
+    </dgm:scene3d>
+    <dgm:sp3d/>
+    <dgm:txPr/>
+    <dgm:style>
+      <a:lnRef idx="0">
+        <a:scrgbClr r="0" g="0" b="0"/>
+      </a:lnRef>
+      <a:fillRef idx="1">
+        <a:scrgbClr r="0" g="0" b="0"/>
+      </a:fillRef>
+      <a:effectRef idx="0">
+        <a:scrgbClr r="0" g="0" b="0"/>
+      </a:effectRef>
+      <a:fontRef idx="minor"/>
+    </dgm:style>
+  </dgm:styleLbl>
+  <dgm:styleLbl name="fgShp">
+    <dgm:scene3d>
+      <a:camera prst="orthographicFront"/>
+      <a:lightRig rig="threePt" dir="t"/>
+    </dgm:scene3d>
+    <dgm:sp3d/>
+    <dgm:txPr/>
+    <dgm:style>
+      <a:lnRef idx="2">
+        <a:scrgbClr r="0" g="0" b="0"/>
+      </a:lnRef>
+      <a:fillRef idx="1">
+        <a:scrgbClr r="0" g="0" b="0"/>
+      </a:fillRef>
+      <a:effectRef idx="0">
+        <a:scrgbClr r="0" g="0" b="0"/>
+      </a:effectRef>
+      <a:fontRef idx="minor"/>
+    </dgm:style>
+  </dgm:styleLbl>
+  <dgm:styleLbl name="revTx">
+    <dgm:scene3d>
+      <a:camera prst="orthographicFront"/>
+      <a:lightRig rig="threePt" dir="t"/>
+    </dgm:scene3d>
+    <dgm:sp3d/>
+    <dgm:txPr/>
+    <dgm:style>
+      <a:lnRef idx="0">
+        <a:scrgbClr r="0" g="0" b="0"/>
+      </a:lnRef>
+      <a:fillRef idx="0">
+        <a:scrgbClr r="0" g="0" b="0"/>
+      </a:fillRef>
+      <a:effectRef idx="0">
+        <a:scrgbClr r="0" g="0" b="0"/>
+      </a:effectRef>
+      <a:fontRef idx="minor"/>
+    </dgm:style>
+  </dgm:styleLbl>
+</dgm:styleDef>
+</file>
+
+<file path=ppt/diagrams/quickStyle3.xml><?xml version="1.0" encoding="utf-8"?>
 <dgm:styleDef xmlns:dgm="http://schemas.openxmlformats.org/drawingml/2006/diagram" xmlns:a="http://schemas.openxmlformats.org/drawingml/2006/main" uniqueId="urn:microsoft.com/office/officeart/2005/8/quickstyle/simple1">
   <dgm:title val=""/>
   <dgm:desc val=""/>
@@ -2743,7 +8782,7 @@
           <a:p>
             <a:fld id="{AEE5B096-70E6-B149-AB19-5D8F752B4D69}" type="datetimeFigureOut">
               <a:rPr lang="en-US" smtClean="0"/>
-              <a:t>11/26/25</a:t>
+              <a:t>11/27/25</a:t>
             </a:fld>
             <a:endParaRPr lang="en-US"/>
           </a:p>
@@ -3251,7 +9290,7 @@
           <a:p>
             <a:fld id="{6444479B-705B-4489-957E-7E8A228BDFA0}" type="datetime1">
               <a:rPr lang="en-US" smtClean="0"/>
-              <a:t>11/26/25</a:t>
+              <a:t>11/27/25</a:t>
             </a:fld>
             <a:endParaRPr lang="en-US"/>
           </a:p>
@@ -3451,7 +9490,7 @@
           <a:p>
             <a:fld id="{C07B66AD-7C08-490A-ADA4-B47E10FB2407}" type="datetime1">
               <a:rPr lang="en-US" smtClean="0"/>
-              <a:t>11/26/25</a:t>
+              <a:t>11/27/25</a:t>
             </a:fld>
             <a:endParaRPr lang="en-US"/>
           </a:p>
@@ -3710,7 +9749,7 @@
           <a:p>
             <a:fld id="{05B95027-4255-49E7-9841-CD21BCC99996}" type="datetime1">
               <a:rPr lang="en-US" smtClean="0"/>
-              <a:t>11/26/25</a:t>
+              <a:t>11/27/25</a:t>
             </a:fld>
             <a:endParaRPr lang="en-US"/>
           </a:p>
@@ -3951,7 +9990,7 @@
           <a:p>
             <a:fld id="{9F89F774-3FA6-43B8-9241-99959C8FD463}" type="datetime1">
               <a:rPr lang="en-US" smtClean="0"/>
-              <a:t>11/26/25</a:t>
+              <a:t>11/27/25</a:t>
             </a:fld>
             <a:endParaRPr lang="en-US"/>
           </a:p>
@@ -4278,7 +10317,7 @@
           <a:p>
             <a:fld id="{F9504452-5DCC-4FE2-A5C9-8A5EF6714D65}" type="datetime1">
               <a:rPr lang="en-US" smtClean="0"/>
-              <a:t>11/26/25</a:t>
+              <a:t>11/27/25</a:t>
             </a:fld>
             <a:endParaRPr lang="en-US"/>
           </a:p>
@@ -4588,7 +10627,7 @@
           <a:p>
             <a:fld id="{E579ABC2-0180-4F3A-A895-A85BC724D472}" type="datetime1">
               <a:rPr lang="en-US" smtClean="0"/>
-              <a:t>11/26/25</a:t>
+              <a:t>11/27/25</a:t>
             </a:fld>
             <a:endParaRPr lang="en-US"/>
           </a:p>
@@ -5006,7 +11045,7 @@
           <a:p>
             <a:fld id="{6AEEA9BA-4E8F-439E-BEA4-91FBA01E3F5F}" type="datetime1">
               <a:rPr lang="en-US" smtClean="0"/>
-              <a:t>11/26/25</a:t>
+              <a:t>11/27/25</a:t>
             </a:fld>
             <a:endParaRPr lang="en-US"/>
           </a:p>
@@ -5148,7 +11187,7 @@
           <a:p>
             <a:fld id="{BE15BF18-0007-481C-AA29-413124BC3EE7}" type="datetime1">
               <a:rPr lang="en-US" smtClean="0"/>
-              <a:t>11/26/25</a:t>
+              <a:t>11/27/25</a:t>
             </a:fld>
             <a:endParaRPr lang="en-US"/>
           </a:p>
@@ -5310,7 +11349,7 @@
           <a:p>
             <a:fld id="{09BE9870-3748-43AD-B547-02A075CB4A1D}" type="datetime1">
               <a:rPr lang="en-US" smtClean="0"/>
-              <a:t>11/26/25</a:t>
+              <a:t>11/27/25</a:t>
             </a:fld>
             <a:endParaRPr lang="en-US"/>
           </a:p>
@@ -5627,7 +11666,7 @@
           <a:p>
             <a:fld id="{558E7897-33C5-4F1A-9307-D068E37F3DC7}" type="datetime1">
               <a:rPr lang="en-US" smtClean="0"/>
-              <a:t>11/26/25</a:t>
+              <a:t>11/27/25</a:t>
             </a:fld>
             <a:endParaRPr lang="en-US"/>
           </a:p>
@@ -5922,7 +11961,7 @@
           <a:p>
             <a:fld id="{82E171BA-CC09-47C8-A6DF-F5C5CB59CEEC}" type="datetime1">
               <a:rPr lang="en-US" smtClean="0"/>
-              <a:t>11/26/25</a:t>
+              <a:t>11/27/25</a:t>
             </a:fld>
             <a:endParaRPr lang="en-US"/>
           </a:p>
@@ -6163,7 +12202,7 @@
           <a:p>
             <a:fld id="{7DA38F49-B3E2-4BF0-BEC7-C30D34ABBB8D}" type="datetime1">
               <a:rPr lang="en-US" smtClean="0"/>
-              <a:t>11/26/25</a:t>
+              <a:t>11/27/25</a:t>
             </a:fld>
             <a:endParaRPr lang="en-US"/>
           </a:p>
@@ -7103,6 +13142,293 @@
 </p:sld>
 </file>
 
+<file path=ppt/slides/slide10.xml><?xml version="1.0" encoding="utf-8"?>
+<p:sld xmlns:a="http://schemas.openxmlformats.org/drawingml/2006/main" xmlns:r="http://schemas.openxmlformats.org/officeDocument/2006/relationships" xmlns:p="http://schemas.openxmlformats.org/presentationml/2006/main">
+  <p:cSld>
+    <p:bg>
+      <p:bgPr>
+        <a:solidFill>
+          <a:schemeClr val="bg1"/>
+        </a:solidFill>
+        <a:effectLst/>
+      </p:bgPr>
+    </p:bg>
+    <p:spTree>
+      <p:nvGrpSpPr>
+        <p:cNvPr id="1" name=""/>
+        <p:cNvGrpSpPr/>
+        <p:nvPr/>
+      </p:nvGrpSpPr>
+      <p:grpSpPr>
+        <a:xfrm>
+          <a:off x="0" y="0"/>
+          <a:ext cx="0" cy="0"/>
+          <a:chOff x="0" y="0"/>
+          <a:chExt cx="0" cy="0"/>
+        </a:xfrm>
+      </p:grpSpPr>
+      <p:cxnSp>
+        <p:nvCxnSpPr>
+          <p:cNvPr id="8" name="Straight Connector 7">
+            <a:extLst>
+              <a:ext uri="{FF2B5EF4-FFF2-40B4-BE49-F238E27FC236}">
+                <a16:creationId xmlns:a16="http://schemas.microsoft.com/office/drawing/2014/main" id="{118E06E4-607B-144B-382B-AD3D06B1EE8C}"/>
+              </a:ext>
+              <a:ext uri="{C183D7F6-B498-43B3-948B-1728B52AA6E4}">
+                <adec:decorative xmlns:adec="http://schemas.microsoft.com/office/drawing/2017/decorative" val="1"/>
+              </a:ext>
+            </a:extLst>
+          </p:cNvPr>
+          <p:cNvCxnSpPr>
+            <a:cxnSpLocks noGrp="1" noRot="1" noChangeAspect="1" noMove="1" noResize="1" noEditPoints="1" noAdjustHandles="1" noChangeArrowheads="1" noChangeShapeType="1"/>
+          </p:cNvCxnSpPr>
+          <p:nvPr>
+            <p:extLst>
+              <p:ext uri="{386F3935-93C4-4BCD-93E2-E3B085C9AB24}">
+                <p16:designElem xmlns:p16="http://schemas.microsoft.com/office/powerpoint/2015/main" val="1"/>
+              </p:ext>
+            </p:extLst>
+          </p:nvPr>
+        </p:nvCxnSpPr>
+        <p:spPr>
+          <a:xfrm>
+            <a:off x="713232" y="1031001"/>
+            <a:ext cx="978862" cy="0"/>
+          </a:xfrm>
+          <a:prstGeom prst="line">
+            <a:avLst/>
+          </a:prstGeom>
+          <a:ln w="76200"/>
+        </p:spPr>
+        <p:style>
+          <a:lnRef idx="1">
+            <a:schemeClr val="accent1"/>
+          </a:lnRef>
+          <a:fillRef idx="0">
+            <a:schemeClr val="accent1"/>
+          </a:fillRef>
+          <a:effectRef idx="0">
+            <a:schemeClr val="accent1"/>
+          </a:effectRef>
+          <a:fontRef idx="minor">
+            <a:schemeClr val="tx1"/>
+          </a:fontRef>
+        </p:style>
+      </p:cxnSp>
+      <p:sp useBgFill="1">
+        <p:nvSpPr>
+          <p:cNvPr id="10" name="Rectangle 9">
+            <a:extLst>
+              <a:ext uri="{FF2B5EF4-FFF2-40B4-BE49-F238E27FC236}">
+                <a16:creationId xmlns:a16="http://schemas.microsoft.com/office/drawing/2014/main" id="{19F9BF86-FE94-4517-B97D-026C7515E589}"/>
+              </a:ext>
+              <a:ext uri="{C183D7F6-B498-43B3-948B-1728B52AA6E4}">
+                <adec:decorative xmlns:adec="http://schemas.microsoft.com/office/drawing/2017/decorative" val="1"/>
+              </a:ext>
+            </a:extLst>
+          </p:cNvPr>
+          <p:cNvSpPr>
+            <a:spLocks noGrp="1" noRot="1" noChangeAspect="1" noMove="1" noResize="1" noEditPoints="1" noAdjustHandles="1" noChangeArrowheads="1" noChangeShapeType="1" noTextEdit="1"/>
+          </p:cNvSpPr>
+          <p:nvPr>
+            <p:extLst>
+              <p:ext uri="{386F3935-93C4-4BCD-93E2-E3B085C9AB24}">
+                <p16:designElem xmlns:p16="http://schemas.microsoft.com/office/powerpoint/2015/main" val="1"/>
+              </p:ext>
+            </p:extLst>
+          </p:nvPr>
+        </p:nvSpPr>
+        <p:spPr>
+          <a:xfrm>
+            <a:off x="0" y="0"/>
+            <a:ext cx="12192000" cy="6858000"/>
+          </a:xfrm>
+          <a:prstGeom prst="rect">
+            <a:avLst/>
+          </a:prstGeom>
+          <a:ln w="12700" cap="flat" cmpd="sng" algn="ctr">
+            <a:noFill/>
+            <a:prstDash val="solid"/>
+            <a:miter lim="800000"/>
+          </a:ln>
+          <a:effectLst/>
+          <a:extLst>
+            <a:ext uri="{91240B29-F687-4F45-9708-019B960494DF}">
+              <a14:hiddenLine xmlns:a14="http://schemas.microsoft.com/office/drawing/2010/main" w="12700" cap="flat" cmpd="sng" algn="ctr">
+                <a:solidFill>
+                  <a:schemeClr val="accent1">
+                    <a:shade val="50000"/>
+                  </a:schemeClr>
+                </a:solidFill>
+                <a:prstDash val="solid"/>
+                <a:miter lim="800000"/>
+              </a14:hiddenLine>
+            </a:ext>
+          </a:extLst>
+        </p:spPr>
+        <p:style>
+          <a:lnRef idx="2">
+            <a:schemeClr val="accent1">
+              <a:shade val="50000"/>
+            </a:schemeClr>
+          </a:lnRef>
+          <a:fillRef idx="1">
+            <a:schemeClr val="accent1"/>
+          </a:fillRef>
+          <a:effectRef idx="0">
+            <a:schemeClr val="accent1"/>
+          </a:effectRef>
+          <a:fontRef idx="minor">
+            <a:schemeClr val="lt1"/>
+          </a:fontRef>
+        </p:style>
+        <p:txBody>
+          <a:bodyPr rtlCol="0" anchor="ctr"/>
+          <a:lstStyle/>
+          <a:p>
+            <a:pPr algn="ctr"/>
+            <a:endParaRPr lang="en-US"/>
+          </a:p>
+        </p:txBody>
+      </p:sp>
+      <p:sp>
+        <p:nvSpPr>
+          <p:cNvPr id="2" name="Title 1">
+            <a:extLst>
+              <a:ext uri="{FF2B5EF4-FFF2-40B4-BE49-F238E27FC236}">
+                <a16:creationId xmlns:a16="http://schemas.microsoft.com/office/drawing/2014/main" id="{97D9A4A9-00E0-5694-C1DC-675794C08C5B}"/>
+              </a:ext>
+            </a:extLst>
+          </p:cNvPr>
+          <p:cNvSpPr>
+            <a:spLocks noGrp="1"/>
+          </p:cNvSpPr>
+          <p:nvPr>
+            <p:ph type="title"/>
+          </p:nvPr>
+        </p:nvSpPr>
+        <p:spPr>
+          <a:xfrm>
+            <a:off x="1946564" y="1249217"/>
+            <a:ext cx="8298873" cy="2258284"/>
+          </a:xfrm>
+        </p:spPr>
+        <p:txBody>
+          <a:bodyPr vert="horz" lIns="91440" tIns="45720" rIns="91440" bIns="45720" rtlCol="0" anchor="b">
+            <a:normAutofit/>
+          </a:bodyPr>
+          <a:lstStyle/>
+          <a:p>
+            <a:pPr algn="ctr"/>
+            <a:r>
+              <a:rPr lang="en-US" sz="6600"/>
+              <a:t>Thank you for listening!</a:t>
+            </a:r>
+          </a:p>
+        </p:txBody>
+      </p:sp>
+      <p:sp>
+        <p:nvSpPr>
+          <p:cNvPr id="3" name="Content Placeholder 2">
+            <a:extLst>
+              <a:ext uri="{FF2B5EF4-FFF2-40B4-BE49-F238E27FC236}">
+                <a16:creationId xmlns:a16="http://schemas.microsoft.com/office/drawing/2014/main" id="{08FE87B6-0E86-7F3D-F203-6D3508E3990C}"/>
+              </a:ext>
+            </a:extLst>
+          </p:cNvPr>
+          <p:cNvSpPr>
+            <a:spLocks noGrp="1"/>
+          </p:cNvSpPr>
+          <p:nvPr>
+            <p:ph idx="1"/>
+          </p:nvPr>
+        </p:nvSpPr>
+        <p:spPr>
+          <a:xfrm>
+            <a:off x="1946564" y="4490100"/>
+            <a:ext cx="8298873" cy="1282843"/>
+          </a:xfrm>
+        </p:spPr>
+        <p:txBody>
+          <a:bodyPr vert="horz" lIns="91440" tIns="45720" rIns="91440" bIns="45720" rtlCol="0" anchor="t">
+            <a:normAutofit/>
+          </a:bodyPr>
+          <a:lstStyle/>
+          <a:p>
+            <a:pPr marL="0" indent="0" algn="ctr">
+              <a:lnSpc>
+                <a:spcPct val="130000"/>
+              </a:lnSpc>
+              <a:buNone/>
+            </a:pPr>
+            <a:r>
+              <a:rPr lang="en-US" sz="2400" b="1" cap="all" spc="300"/>
+              <a:t>Any questions?</a:t>
+            </a:r>
+          </a:p>
+        </p:txBody>
+      </p:sp>
+      <p:cxnSp>
+        <p:nvCxnSpPr>
+          <p:cNvPr id="12" name="Straight Connector 11">
+            <a:extLst>
+              <a:ext uri="{FF2B5EF4-FFF2-40B4-BE49-F238E27FC236}">
+                <a16:creationId xmlns:a16="http://schemas.microsoft.com/office/drawing/2014/main" id="{5E10C1D6-7EDE-467F-89EA-E0244EB62381}"/>
+              </a:ext>
+              <a:ext uri="{C183D7F6-B498-43B3-948B-1728B52AA6E4}">
+                <adec:decorative xmlns:adec="http://schemas.microsoft.com/office/drawing/2017/decorative" val="1"/>
+              </a:ext>
+            </a:extLst>
+          </p:cNvPr>
+          <p:cNvCxnSpPr>
+            <a:cxnSpLocks noGrp="1" noRot="1" noChangeAspect="1" noMove="1" noResize="1" noEditPoints="1" noAdjustHandles="1" noChangeArrowheads="1" noChangeShapeType="1"/>
+          </p:cNvCxnSpPr>
+          <p:nvPr>
+            <p:extLst>
+              <p:ext uri="{386F3935-93C4-4BCD-93E2-E3B085C9AB24}">
+                <p16:designElem xmlns:p16="http://schemas.microsoft.com/office/powerpoint/2015/main" val="1"/>
+              </p:ext>
+            </p:extLst>
+          </p:nvPr>
+        </p:nvCxnSpPr>
+        <p:spPr>
+          <a:xfrm>
+            <a:off x="5730240" y="4290504"/>
+            <a:ext cx="731520" cy="0"/>
+          </a:xfrm>
+          <a:prstGeom prst="line">
+            <a:avLst/>
+          </a:prstGeom>
+          <a:ln w="57150"/>
+        </p:spPr>
+        <p:style>
+          <a:lnRef idx="1">
+            <a:schemeClr val="accent1"/>
+          </a:lnRef>
+          <a:fillRef idx="0">
+            <a:schemeClr val="accent1"/>
+          </a:fillRef>
+          <a:effectRef idx="0">
+            <a:schemeClr val="accent1"/>
+          </a:effectRef>
+          <a:fontRef idx="minor">
+            <a:schemeClr val="tx1"/>
+          </a:fontRef>
+        </p:style>
+      </p:cxnSp>
+    </p:spTree>
+    <p:extLst>
+      <p:ext uri="{BB962C8B-B14F-4D97-AF65-F5344CB8AC3E}">
+        <p14:creationId xmlns:p14="http://schemas.microsoft.com/office/powerpoint/2010/main" val="594577336"/>
+      </p:ext>
+    </p:extLst>
+  </p:cSld>
+  <p:clrMapOvr>
+    <a:masterClrMapping/>
+  </p:clrMapOvr>
+</p:sld>
+</file>
+
 <file path=ppt/slides/slide2.xml><?xml version="1.0" encoding="utf-8"?>
 <p:sld xmlns:a="http://schemas.openxmlformats.org/drawingml/2006/main" xmlns:r="http://schemas.openxmlformats.org/officeDocument/2006/relationships" xmlns:p="http://schemas.openxmlformats.org/presentationml/2006/main">
   <p:cSld>
@@ -8661,6 +14987,718 @@
     <p:extLst>
       <p:ext uri="{BB962C8B-B14F-4D97-AF65-F5344CB8AC3E}">
         <p14:creationId xmlns:p14="http://schemas.microsoft.com/office/powerpoint/2010/main" val="2192641498"/>
+      </p:ext>
+    </p:extLst>
+  </p:cSld>
+  <p:clrMapOvr>
+    <a:masterClrMapping/>
+  </p:clrMapOvr>
+</p:sld>
+</file>
+
+<file path=ppt/slides/slide7.xml><?xml version="1.0" encoding="utf-8"?>
+<p:sld xmlns:a="http://schemas.openxmlformats.org/drawingml/2006/main" xmlns:r="http://schemas.openxmlformats.org/officeDocument/2006/relationships" xmlns:p="http://schemas.openxmlformats.org/presentationml/2006/main">
+  <p:cSld>
+    <p:bg>
+      <p:bgPr>
+        <a:solidFill>
+          <a:schemeClr val="bg1"/>
+        </a:solidFill>
+        <a:effectLst/>
+      </p:bgPr>
+    </p:bg>
+    <p:spTree>
+      <p:nvGrpSpPr>
+        <p:cNvPr id="1" name=""/>
+        <p:cNvGrpSpPr/>
+        <p:nvPr/>
+      </p:nvGrpSpPr>
+      <p:grpSpPr>
+        <a:xfrm>
+          <a:off x="0" y="0"/>
+          <a:ext cx="0" cy="0"/>
+          <a:chOff x="0" y="0"/>
+          <a:chExt cx="0" cy="0"/>
+        </a:xfrm>
+      </p:grpSpPr>
+      <p:sp useBgFill="1">
+        <p:nvSpPr>
+          <p:cNvPr id="10" name="Rectangle 9">
+            <a:extLst>
+              <a:ext uri="{FF2B5EF4-FFF2-40B4-BE49-F238E27FC236}">
+                <a16:creationId xmlns:a16="http://schemas.microsoft.com/office/drawing/2014/main" id="{406BD704-01C2-4341-B99A-116CC7EC56EF}"/>
+              </a:ext>
+              <a:ext uri="{C183D7F6-B498-43B3-948B-1728B52AA6E4}">
+                <adec:decorative xmlns:adec="http://schemas.microsoft.com/office/drawing/2017/decorative" val="1"/>
+              </a:ext>
+            </a:extLst>
+          </p:cNvPr>
+          <p:cNvSpPr>
+            <a:spLocks noGrp="1" noRot="1" noChangeAspect="1" noMove="1" noResize="1" noEditPoints="1" noAdjustHandles="1" noChangeArrowheads="1" noChangeShapeType="1" noTextEdit="1"/>
+          </p:cNvSpPr>
+          <p:nvPr>
+            <p:extLst>
+              <p:ext uri="{386F3935-93C4-4BCD-93E2-E3B085C9AB24}">
+                <p16:designElem xmlns:p16="http://schemas.microsoft.com/office/powerpoint/2015/main" val="1"/>
+              </p:ext>
+            </p:extLst>
+          </p:nvPr>
+        </p:nvSpPr>
+        <p:spPr>
+          <a:xfrm>
+            <a:off x="0" y="0"/>
+            <a:ext cx="12192000" cy="6858000"/>
+          </a:xfrm>
+          <a:prstGeom prst="rect">
+            <a:avLst/>
+          </a:prstGeom>
+          <a:ln w="12700" cap="flat" cmpd="sng" algn="ctr">
+            <a:noFill/>
+            <a:prstDash val="solid"/>
+            <a:miter lim="800000"/>
+          </a:ln>
+          <a:effectLst/>
+          <a:extLst>
+            <a:ext uri="{91240B29-F687-4F45-9708-019B960494DF}">
+              <a14:hiddenLine xmlns:a14="http://schemas.microsoft.com/office/drawing/2010/main" w="12700" cap="flat" cmpd="sng" algn="ctr">
+                <a:solidFill>
+                  <a:schemeClr val="accent1">
+                    <a:shade val="50000"/>
+                  </a:schemeClr>
+                </a:solidFill>
+                <a:prstDash val="solid"/>
+                <a:miter lim="800000"/>
+              </a14:hiddenLine>
+            </a:ext>
+          </a:extLst>
+        </p:spPr>
+        <p:style>
+          <a:lnRef idx="2">
+            <a:schemeClr val="accent1">
+              <a:shade val="50000"/>
+            </a:schemeClr>
+          </a:lnRef>
+          <a:fillRef idx="1">
+            <a:schemeClr val="accent1"/>
+          </a:fillRef>
+          <a:effectRef idx="0">
+            <a:schemeClr val="accent1"/>
+          </a:effectRef>
+          <a:fontRef idx="minor">
+            <a:schemeClr val="lt1"/>
+          </a:fontRef>
+        </p:style>
+        <p:txBody>
+          <a:bodyPr rtlCol="0" anchor="ctr"/>
+          <a:lstStyle/>
+          <a:p>
+            <a:pPr algn="ctr"/>
+            <a:endParaRPr lang="en-US"/>
+          </a:p>
+        </p:txBody>
+      </p:sp>
+      <p:pic>
+        <p:nvPicPr>
+          <p:cNvPr id="5" name="Picture 4" descr="A computer and papers on a desk&#10;&#10;AI-generated content may be incorrect.">
+            <a:extLst>
+              <a:ext uri="{FF2B5EF4-FFF2-40B4-BE49-F238E27FC236}">
+                <a16:creationId xmlns:a16="http://schemas.microsoft.com/office/drawing/2014/main" id="{06E63EEF-6802-5051-785C-52D514852C12}"/>
+              </a:ext>
+            </a:extLst>
+          </p:cNvPr>
+          <p:cNvPicPr>
+            <a:picLocks noChangeAspect="1"/>
+          </p:cNvPicPr>
+          <p:nvPr/>
+        </p:nvPicPr>
+        <p:blipFill>
+          <a:blip r:embed="rId2">
+            <a:extLst>
+              <a:ext uri="{837473B0-CC2E-450A-ABE3-18F120FF3D39}">
+                <a1611:picAttrSrcUrl xmlns:a1611="http://schemas.microsoft.com/office/drawing/2016/11/main" r:id="rId3"/>
+              </a:ext>
+            </a:extLst>
+          </a:blip>
+          <a:srcRect t="15730"/>
+          <a:stretch>
+            <a:fillRect/>
+          </a:stretch>
+        </p:blipFill>
+        <p:spPr>
+          <a:xfrm>
+            <a:off x="20" y="10"/>
+            <a:ext cx="12191980" cy="6857990"/>
+          </a:xfrm>
+          <a:prstGeom prst="rect">
+            <a:avLst/>
+          </a:prstGeom>
+        </p:spPr>
+      </p:pic>
+      <p:sp useBgFill="1">
+        <p:nvSpPr>
+          <p:cNvPr id="12" name="Rectangle 11">
+            <a:extLst>
+              <a:ext uri="{FF2B5EF4-FFF2-40B4-BE49-F238E27FC236}">
+                <a16:creationId xmlns:a16="http://schemas.microsoft.com/office/drawing/2014/main" id="{0225C01B-A296-4FAA-AA46-794F27DF6934}"/>
+              </a:ext>
+              <a:ext uri="{C183D7F6-B498-43B3-948B-1728B52AA6E4}">
+                <adec:decorative xmlns:adec="http://schemas.microsoft.com/office/drawing/2017/decorative" val="1"/>
+              </a:ext>
+            </a:extLst>
+          </p:cNvPr>
+          <p:cNvSpPr>
+            <a:spLocks noGrp="1" noRot="1" noChangeAspect="1" noMove="1" noResize="1" noEditPoints="1" noAdjustHandles="1" noChangeArrowheads="1" noChangeShapeType="1" noTextEdit="1"/>
+          </p:cNvSpPr>
+          <p:nvPr>
+            <p:extLst>
+              <p:ext uri="{386F3935-93C4-4BCD-93E2-E3B085C9AB24}">
+                <p16:designElem xmlns:p16="http://schemas.microsoft.com/office/powerpoint/2015/main" val="1"/>
+              </p:ext>
+            </p:extLst>
+          </p:nvPr>
+        </p:nvSpPr>
+        <p:spPr>
+          <a:xfrm>
+            <a:off x="454894" y="979075"/>
+            <a:ext cx="5777024" cy="5074920"/>
+          </a:xfrm>
+          <a:prstGeom prst="rect">
+            <a:avLst/>
+          </a:prstGeom>
+          <a:ln>
+            <a:noFill/>
+          </a:ln>
+        </p:spPr>
+        <p:style>
+          <a:lnRef idx="2">
+            <a:schemeClr val="accent1">
+              <a:shade val="50000"/>
+            </a:schemeClr>
+          </a:lnRef>
+          <a:fillRef idx="1">
+            <a:schemeClr val="accent1"/>
+          </a:fillRef>
+          <a:effectRef idx="0">
+            <a:schemeClr val="accent1"/>
+          </a:effectRef>
+          <a:fontRef idx="minor">
+            <a:schemeClr val="lt1"/>
+          </a:fontRef>
+        </p:style>
+        <p:txBody>
+          <a:bodyPr rtlCol="0" anchor="ctr"/>
+          <a:lstStyle/>
+          <a:p>
+            <a:pPr algn="ctr"/>
+            <a:endParaRPr lang="en-US"/>
+          </a:p>
+        </p:txBody>
+      </p:sp>
+      <p:sp>
+        <p:nvSpPr>
+          <p:cNvPr id="2" name="Title 1">
+            <a:extLst>
+              <a:ext uri="{FF2B5EF4-FFF2-40B4-BE49-F238E27FC236}">
+                <a16:creationId xmlns:a16="http://schemas.microsoft.com/office/drawing/2014/main" id="{0543C033-2BB6-37F9-075E-1C7E6B119A0C}"/>
+              </a:ext>
+            </a:extLst>
+          </p:cNvPr>
+          <p:cNvSpPr>
+            <a:spLocks noGrp="1"/>
+          </p:cNvSpPr>
+          <p:nvPr>
+            <p:ph type="title"/>
+          </p:nvPr>
+        </p:nvSpPr>
+        <p:spPr>
+          <a:xfrm>
+            <a:off x="1049451" y="1352492"/>
+            <a:ext cx="4665540" cy="1143000"/>
+          </a:xfrm>
+        </p:spPr>
+        <p:txBody>
+          <a:bodyPr anchor="t">
+            <a:normAutofit/>
+          </a:bodyPr>
+          <a:lstStyle/>
+          <a:p>
+            <a:r>
+              <a:rPr lang="en-US" dirty="0"/>
+              <a:t>Business Viewpoint</a:t>
+            </a:r>
+          </a:p>
+        </p:txBody>
+      </p:sp>
+      <p:cxnSp>
+        <p:nvCxnSpPr>
+          <p:cNvPr id="14" name="Straight Connector 13">
+            <a:extLst>
+              <a:ext uri="{FF2B5EF4-FFF2-40B4-BE49-F238E27FC236}">
+                <a16:creationId xmlns:a16="http://schemas.microsoft.com/office/drawing/2014/main" id="{62713E66-598D-4B8A-9D2A-67C7AF46EF11}"/>
+              </a:ext>
+              <a:ext uri="{C183D7F6-B498-43B3-948B-1728B52AA6E4}">
+                <adec:decorative xmlns:adec="http://schemas.microsoft.com/office/drawing/2017/decorative" val="1"/>
+              </a:ext>
+            </a:extLst>
+          </p:cNvPr>
+          <p:cNvCxnSpPr>
+            <a:cxnSpLocks noGrp="1" noRot="1" noChangeAspect="1" noMove="1" noResize="1" noEditPoints="1" noAdjustHandles="1" noChangeArrowheads="1" noChangeShapeType="1"/>
+          </p:cNvCxnSpPr>
+          <p:nvPr>
+            <p:extLst>
+              <p:ext uri="{386F3935-93C4-4BCD-93E2-E3B085C9AB24}">
+                <p16:designElem xmlns:p16="http://schemas.microsoft.com/office/powerpoint/2015/main" val="1"/>
+              </p:ext>
+            </p:extLst>
+          </p:nvPr>
+        </p:nvCxnSpPr>
+        <p:spPr>
+          <a:xfrm flipV="1">
+            <a:off x="485673" y="979075"/>
+            <a:ext cx="0" cy="5074920"/>
+          </a:xfrm>
+          <a:prstGeom prst="line">
+            <a:avLst/>
+          </a:prstGeom>
+          <a:ln w="76200"/>
+        </p:spPr>
+        <p:style>
+          <a:lnRef idx="1">
+            <a:schemeClr val="accent1"/>
+          </a:lnRef>
+          <a:fillRef idx="0">
+            <a:schemeClr val="accent1"/>
+          </a:fillRef>
+          <a:effectRef idx="0">
+            <a:schemeClr val="accent1"/>
+          </a:effectRef>
+          <a:fontRef idx="minor">
+            <a:schemeClr val="tx1"/>
+          </a:fontRef>
+        </p:style>
+      </p:cxnSp>
+      <p:sp>
+        <p:nvSpPr>
+          <p:cNvPr id="3" name="Content Placeholder 2">
+            <a:extLst>
+              <a:ext uri="{FF2B5EF4-FFF2-40B4-BE49-F238E27FC236}">
+                <a16:creationId xmlns:a16="http://schemas.microsoft.com/office/drawing/2014/main" id="{51B78C7A-BC67-ADB8-D09C-2CE0918A062A}"/>
+              </a:ext>
+            </a:extLst>
+          </p:cNvPr>
+          <p:cNvSpPr>
+            <a:spLocks noGrp="1"/>
+          </p:cNvSpPr>
+          <p:nvPr>
+            <p:ph idx="1"/>
+          </p:nvPr>
+        </p:nvSpPr>
+        <p:spPr>
+          <a:xfrm>
+            <a:off x="1049454" y="2662356"/>
+            <a:ext cx="4665546" cy="3057911"/>
+          </a:xfrm>
+        </p:spPr>
+        <p:txBody>
+          <a:bodyPr>
+            <a:normAutofit/>
+          </a:bodyPr>
+          <a:lstStyle/>
+          <a:p>
+            <a:pPr>
+              <a:lnSpc>
+                <a:spcPct val="110000"/>
+              </a:lnSpc>
+            </a:pPr>
+            <a:r>
+              <a:rPr lang="en-US" sz="1400" dirty="0"/>
+              <a:t>Shifts from one-time revenue to steady monthly income</a:t>
+            </a:r>
+          </a:p>
+          <a:p>
+            <a:pPr>
+              <a:lnSpc>
+                <a:spcPct val="110000"/>
+              </a:lnSpc>
+            </a:pPr>
+            <a:r>
+              <a:rPr lang="en-US" sz="1400" dirty="0"/>
+              <a:t>Major content investments</a:t>
+            </a:r>
+          </a:p>
+          <a:p>
+            <a:pPr>
+              <a:lnSpc>
+                <a:spcPct val="110000"/>
+              </a:lnSpc>
+            </a:pPr>
+            <a:r>
+              <a:rPr lang="en-US" sz="1400" dirty="0"/>
+              <a:t>Customers pay for access not ownership</a:t>
+            </a:r>
+          </a:p>
+          <a:p>
+            <a:pPr>
+              <a:lnSpc>
+                <a:spcPct val="110000"/>
+              </a:lnSpc>
+            </a:pPr>
+            <a:r>
+              <a:rPr lang="en-US" sz="1400" dirty="0"/>
+              <a:t>Location restrictions</a:t>
+            </a:r>
+          </a:p>
+          <a:p>
+            <a:pPr>
+              <a:lnSpc>
+                <a:spcPct val="110000"/>
+              </a:lnSpc>
+            </a:pPr>
+            <a:r>
+              <a:rPr lang="en-US" sz="1400" dirty="0"/>
+              <a:t>Studios pulling and cancelling shows</a:t>
+            </a:r>
+          </a:p>
+          <a:p>
+            <a:pPr>
+              <a:lnSpc>
+                <a:spcPct val="110000"/>
+              </a:lnSpc>
+            </a:pPr>
+            <a:r>
+              <a:rPr lang="en-US" sz="1400" dirty="0"/>
+              <a:t>Strong Competition</a:t>
+            </a:r>
+          </a:p>
+          <a:p>
+            <a:pPr>
+              <a:lnSpc>
+                <a:spcPct val="110000"/>
+              </a:lnSpc>
+            </a:pPr>
+            <a:r>
+              <a:rPr lang="en-US" sz="1400" dirty="0"/>
+              <a:t>Investors push price increases and ad-supported tiers</a:t>
+            </a:r>
+          </a:p>
+        </p:txBody>
+      </p:sp>
+    </p:spTree>
+    <p:extLst>
+      <p:ext uri="{BB962C8B-B14F-4D97-AF65-F5344CB8AC3E}">
+        <p14:creationId xmlns:p14="http://schemas.microsoft.com/office/powerpoint/2010/main" val="3980314612"/>
+      </p:ext>
+    </p:extLst>
+  </p:cSld>
+  <p:clrMapOvr>
+    <a:masterClrMapping/>
+  </p:clrMapOvr>
+</p:sld>
+</file>
+
+<file path=ppt/slides/slide8.xml><?xml version="1.0" encoding="utf-8"?>
+<p:sld xmlns:a="http://schemas.openxmlformats.org/drawingml/2006/main" xmlns:r="http://schemas.openxmlformats.org/officeDocument/2006/relationships" xmlns:p="http://schemas.openxmlformats.org/presentationml/2006/main">
+  <p:cSld>
+    <p:bg>
+      <p:bgPr>
+        <a:solidFill>
+          <a:schemeClr val="bg1"/>
+        </a:solidFill>
+        <a:effectLst/>
+      </p:bgPr>
+    </p:bg>
+    <p:spTree>
+      <p:nvGrpSpPr>
+        <p:cNvPr id="1" name=""/>
+        <p:cNvGrpSpPr/>
+        <p:nvPr/>
+      </p:nvGrpSpPr>
+      <p:grpSpPr>
+        <a:xfrm>
+          <a:off x="0" y="0"/>
+          <a:ext cx="0" cy="0"/>
+          <a:chOff x="0" y="0"/>
+          <a:chExt cx="0" cy="0"/>
+        </a:xfrm>
+      </p:grpSpPr>
+      <p:sp useBgFill="1">
+        <p:nvSpPr>
+          <p:cNvPr id="9" name="Rectangle 8">
+            <a:extLst>
+              <a:ext uri="{FF2B5EF4-FFF2-40B4-BE49-F238E27FC236}">
+                <a16:creationId xmlns:a16="http://schemas.microsoft.com/office/drawing/2014/main" id="{DBDA151C-5770-45E4-AAFF-59E7F403866D}"/>
+              </a:ext>
+              <a:ext uri="{C183D7F6-B498-43B3-948B-1728B52AA6E4}">
+                <adec:decorative xmlns:adec="http://schemas.microsoft.com/office/drawing/2017/decorative" val="1"/>
+              </a:ext>
+            </a:extLst>
+          </p:cNvPr>
+          <p:cNvSpPr>
+            <a:spLocks noGrp="1" noRot="1" noChangeAspect="1" noMove="1" noResize="1" noEditPoints="1" noAdjustHandles="1" noChangeArrowheads="1" noChangeShapeType="1" noTextEdit="1"/>
+          </p:cNvSpPr>
+          <p:nvPr>
+            <p:extLst>
+              <p:ext uri="{386F3935-93C4-4BCD-93E2-E3B085C9AB24}">
+                <p16:designElem xmlns:p16="http://schemas.microsoft.com/office/powerpoint/2015/main" val="1"/>
+              </p:ext>
+            </p:extLst>
+          </p:nvPr>
+        </p:nvSpPr>
+        <p:spPr>
+          <a:xfrm>
+            <a:off x="0" y="0"/>
+            <a:ext cx="12192000" cy="6858000"/>
+          </a:xfrm>
+          <a:prstGeom prst="rect">
+            <a:avLst/>
+          </a:prstGeom>
+          <a:ln w="12700" cap="flat" cmpd="sng" algn="ctr">
+            <a:noFill/>
+            <a:prstDash val="solid"/>
+            <a:miter lim="800000"/>
+          </a:ln>
+          <a:effectLst/>
+          <a:extLst>
+            <a:ext uri="{91240B29-F687-4F45-9708-019B960494DF}">
+              <a14:hiddenLine xmlns:a14="http://schemas.microsoft.com/office/drawing/2010/main" w="12700" cap="flat" cmpd="sng" algn="ctr">
+                <a:solidFill>
+                  <a:schemeClr val="accent1">
+                    <a:shade val="50000"/>
+                  </a:schemeClr>
+                </a:solidFill>
+                <a:prstDash val="solid"/>
+                <a:miter lim="800000"/>
+              </a14:hiddenLine>
+            </a:ext>
+          </a:extLst>
+        </p:spPr>
+        <p:style>
+          <a:lnRef idx="2">
+            <a:schemeClr val="accent1">
+              <a:shade val="50000"/>
+            </a:schemeClr>
+          </a:lnRef>
+          <a:fillRef idx="1">
+            <a:schemeClr val="accent1"/>
+          </a:fillRef>
+          <a:effectRef idx="0">
+            <a:schemeClr val="accent1"/>
+          </a:effectRef>
+          <a:fontRef idx="minor">
+            <a:schemeClr val="lt1"/>
+          </a:fontRef>
+        </p:style>
+        <p:txBody>
+          <a:bodyPr rtlCol="0" anchor="ctr"/>
+          <a:lstStyle/>
+          <a:p>
+            <a:pPr algn="ctr"/>
+            <a:endParaRPr lang="en-US"/>
+          </a:p>
+        </p:txBody>
+      </p:sp>
+      <p:sp>
+        <p:nvSpPr>
+          <p:cNvPr id="2" name="Title 1">
+            <a:extLst>
+              <a:ext uri="{FF2B5EF4-FFF2-40B4-BE49-F238E27FC236}">
+                <a16:creationId xmlns:a16="http://schemas.microsoft.com/office/drawing/2014/main" id="{0692E938-DC90-BAA9-8650-8D37CFFBBE80}"/>
+              </a:ext>
+            </a:extLst>
+          </p:cNvPr>
+          <p:cNvSpPr>
+            <a:spLocks noGrp="1"/>
+          </p:cNvSpPr>
+          <p:nvPr>
+            <p:ph type="title"/>
+          </p:nvPr>
+        </p:nvSpPr>
+        <p:spPr>
+          <a:xfrm>
+            <a:off x="640079" y="570750"/>
+            <a:ext cx="10890929" cy="1387934"/>
+          </a:xfrm>
+        </p:spPr>
+        <p:txBody>
+          <a:bodyPr anchor="b">
+            <a:normAutofit/>
+          </a:bodyPr>
+          <a:lstStyle/>
+          <a:p>
+            <a:r>
+              <a:rPr lang="en-US" dirty="0"/>
+              <a:t>Societal Viewpoint</a:t>
+            </a:r>
+          </a:p>
+        </p:txBody>
+      </p:sp>
+      <p:cxnSp>
+        <p:nvCxnSpPr>
+          <p:cNvPr id="11" name="Straight Connector 10">
+            <a:extLst>
+              <a:ext uri="{FF2B5EF4-FFF2-40B4-BE49-F238E27FC236}">
+                <a16:creationId xmlns:a16="http://schemas.microsoft.com/office/drawing/2014/main" id="{E62D3963-2153-4637-96E6-E31BD2CE5D0D}"/>
+              </a:ext>
+              <a:ext uri="{C183D7F6-B498-43B3-948B-1728B52AA6E4}">
+                <adec:decorative xmlns:adec="http://schemas.microsoft.com/office/drawing/2017/decorative" val="1"/>
+              </a:ext>
+            </a:extLst>
+          </p:cNvPr>
+          <p:cNvCxnSpPr>
+            <a:cxnSpLocks noGrp="1" noRot="1" noChangeAspect="1" noMove="1" noResize="1" noEditPoints="1" noAdjustHandles="1" noChangeArrowheads="1" noChangeShapeType="1"/>
+          </p:cNvCxnSpPr>
+          <p:nvPr>
+            <p:extLst>
+              <p:ext uri="{386F3935-93C4-4BCD-93E2-E3B085C9AB24}">
+                <p16:designElem xmlns:p16="http://schemas.microsoft.com/office/powerpoint/2015/main" val="1"/>
+              </p:ext>
+            </p:extLst>
+          </p:nvPr>
+        </p:nvCxnSpPr>
+        <p:spPr>
+          <a:xfrm>
+            <a:off x="713232" y="2307479"/>
+            <a:ext cx="978862" cy="0"/>
+          </a:xfrm>
+          <a:prstGeom prst="line">
+            <a:avLst/>
+          </a:prstGeom>
+          <a:ln w="76200"/>
+        </p:spPr>
+        <p:style>
+          <a:lnRef idx="1">
+            <a:schemeClr val="accent1"/>
+          </a:lnRef>
+          <a:fillRef idx="0">
+            <a:schemeClr val="accent1"/>
+          </a:fillRef>
+          <a:effectRef idx="0">
+            <a:schemeClr val="accent1"/>
+          </a:effectRef>
+          <a:fontRef idx="minor">
+            <a:schemeClr val="tx1"/>
+          </a:fontRef>
+        </p:style>
+      </p:cxnSp>
+      <p:graphicFrame>
+        <p:nvGraphicFramePr>
+          <p:cNvPr id="5" name="Content Placeholder 2">
+            <a:extLst>
+              <a:ext uri="{FF2B5EF4-FFF2-40B4-BE49-F238E27FC236}">
+                <a16:creationId xmlns:a16="http://schemas.microsoft.com/office/drawing/2014/main" id="{8DAF439F-FCAE-04FE-1B2A-6782BCAD0208}"/>
+              </a:ext>
+            </a:extLst>
+          </p:cNvPr>
+          <p:cNvGraphicFramePr>
+            <a:graphicFrameLocks noGrp="1"/>
+          </p:cNvGraphicFramePr>
+          <p:nvPr>
+            <p:ph idx="1"/>
+            <p:extLst>
+              <p:ext uri="{D42A27DB-BD31-4B8C-83A1-F6EECF244321}">
+                <p14:modId xmlns:p14="http://schemas.microsoft.com/office/powerpoint/2010/main" val="2909187540"/>
+              </p:ext>
+            </p:extLst>
+          </p:nvPr>
+        </p:nvGraphicFramePr>
+        <p:xfrm>
+          <a:off x="640079" y="2559050"/>
+          <a:ext cx="10890929" cy="3738863"/>
+        </p:xfrm>
+        <a:graphic>
+          <a:graphicData uri="http://schemas.openxmlformats.org/drawingml/2006/diagram">
+            <dgm:relIds xmlns:dgm="http://schemas.openxmlformats.org/drawingml/2006/diagram" xmlns:r="http://schemas.openxmlformats.org/officeDocument/2006/relationships" r:dm="rId2" r:lo="rId3" r:qs="rId4" r:cs="rId5"/>
+          </a:graphicData>
+        </a:graphic>
+      </p:graphicFrame>
+    </p:spTree>
+    <p:extLst>
+      <p:ext uri="{BB962C8B-B14F-4D97-AF65-F5344CB8AC3E}">
+        <p14:creationId xmlns:p14="http://schemas.microsoft.com/office/powerpoint/2010/main" val="122291610"/>
+      </p:ext>
+    </p:extLst>
+  </p:cSld>
+  <p:clrMapOvr>
+    <a:masterClrMapping/>
+  </p:clrMapOvr>
+</p:sld>
+</file>
+
+<file path=ppt/slides/slide9.xml><?xml version="1.0" encoding="utf-8"?>
+<p:sld xmlns:a="http://schemas.openxmlformats.org/drawingml/2006/main" xmlns:r="http://schemas.openxmlformats.org/officeDocument/2006/relationships" xmlns:p="http://schemas.openxmlformats.org/presentationml/2006/main">
+  <p:cSld>
+    <p:spTree>
+      <p:nvGrpSpPr>
+        <p:cNvPr id="1" name=""/>
+        <p:cNvGrpSpPr/>
+        <p:nvPr/>
+      </p:nvGrpSpPr>
+      <p:grpSpPr>
+        <a:xfrm>
+          <a:off x="0" y="0"/>
+          <a:ext cx="0" cy="0"/>
+          <a:chOff x="0" y="0"/>
+          <a:chExt cx="0" cy="0"/>
+        </a:xfrm>
+      </p:grpSpPr>
+      <p:sp>
+        <p:nvSpPr>
+          <p:cNvPr id="2" name="Title 1">
+            <a:extLst>
+              <a:ext uri="{FF2B5EF4-FFF2-40B4-BE49-F238E27FC236}">
+                <a16:creationId xmlns:a16="http://schemas.microsoft.com/office/drawing/2014/main" id="{F887C411-779F-31F0-4387-06E49001495D}"/>
+              </a:ext>
+            </a:extLst>
+          </p:cNvPr>
+          <p:cNvSpPr>
+            <a:spLocks noGrp="1"/>
+          </p:cNvSpPr>
+          <p:nvPr>
+            <p:ph type="title"/>
+          </p:nvPr>
+        </p:nvSpPr>
+        <p:spPr/>
+        <p:txBody>
+          <a:bodyPr/>
+          <a:lstStyle/>
+          <a:p>
+            <a:r>
+              <a:rPr lang="en-US" dirty="0"/>
+              <a:t>Ethical Considerations</a:t>
+            </a:r>
+          </a:p>
+        </p:txBody>
+      </p:sp>
+      <p:graphicFrame>
+        <p:nvGraphicFramePr>
+          <p:cNvPr id="5" name="Content Placeholder 2">
+            <a:extLst>
+              <a:ext uri="{FF2B5EF4-FFF2-40B4-BE49-F238E27FC236}">
+                <a16:creationId xmlns:a16="http://schemas.microsoft.com/office/drawing/2014/main" id="{3765A9EB-D23F-16FA-86CB-D0467D94C4DE}"/>
+              </a:ext>
+            </a:extLst>
+          </p:cNvPr>
+          <p:cNvGraphicFramePr>
+            <a:graphicFrameLocks noGrp="1"/>
+          </p:cNvGraphicFramePr>
+          <p:nvPr>
+            <p:ph idx="1"/>
+          </p:nvPr>
+        </p:nvGraphicFramePr>
+        <p:xfrm>
+          <a:off x="640080" y="2633472"/>
+          <a:ext cx="10890928" cy="3566160"/>
+        </p:xfrm>
+        <a:graphic>
+          <a:graphicData uri="http://schemas.openxmlformats.org/drawingml/2006/diagram">
+            <dgm:relIds xmlns:dgm="http://schemas.openxmlformats.org/drawingml/2006/diagram" xmlns:r="http://schemas.openxmlformats.org/officeDocument/2006/relationships" r:dm="rId2" r:lo="rId3" r:qs="rId4" r:cs="rId5"/>
+          </a:graphicData>
+        </a:graphic>
+      </p:graphicFrame>
+    </p:spTree>
+    <p:extLst>
+      <p:ext uri="{BB962C8B-B14F-4D97-AF65-F5344CB8AC3E}">
+        <p14:creationId xmlns:p14="http://schemas.microsoft.com/office/powerpoint/2010/main" val="1637533796"/>
       </p:ext>
     </p:extLst>
   </p:cSld>
